--- a/RL.pptx
+++ b/RL.pptx
@@ -15,6 +15,8 @@
     <p:sldId id="264" r:id="rId9"/>
     <p:sldId id="265" r:id="rId10"/>
     <p:sldId id="267" r:id="rId11"/>
+    <p:sldId id="268" r:id="rId12"/>
+    <p:sldId id="269" r:id="rId13"/>
   </p:sldIdLst>
   <p:sldSz cx="12192000" cy="6858000"/>
   <p:notesSz cx="6858000" cy="9144000"/>
@@ -122,7 +124,7 @@
 </file>
 
 <file path=ppt/diagrams/colors1.xml><?xml version="1.0" encoding="utf-8"?>
-<dgm:colorsDef xmlns:dgm="http://schemas.openxmlformats.org/drawingml/2006/diagram" xmlns:a="http://schemas.openxmlformats.org/drawingml/2006/main" uniqueId="urn:microsoft.com/office/officeart/2005/8/colors/colorful1">
+<dgm:colorsDef xmlns:dgm="http://schemas.openxmlformats.org/drawingml/2006/diagram" xmlns:a="http://schemas.openxmlformats.org/drawingml/2006/main" uniqueId="urn:microsoft.com/office/officeart/2018/5/colors/Iconchunking_neutralbg_colorful1">
   <dgm:title val=""/>
   <dgm:desc val=""/>
   <dgm:catLst>
@@ -149,7 +151,9 @@
       <a:schemeClr val="accent6"/>
     </dgm:fillClrLst>
     <dgm:linClrLst meth="repeat">
-      <a:schemeClr val="lt1"/>
+      <a:schemeClr val="lt1">
+        <a:alpha val="0"/>
+      </a:schemeClr>
     </dgm:linClrLst>
     <dgm:effectClrLst/>
     <dgm:txLinClrLst/>
@@ -956,8 +960,8 @@
   </dgm:styleLbl>
   <dgm:styleLbl name="bgShp">
     <dgm:fillClrLst meth="repeat">
-      <a:schemeClr val="accent2">
-        <a:tint val="40000"/>
+      <a:schemeClr val="bg1">
+        <a:lumMod val="95000"/>
       </a:schemeClr>
     </dgm:fillClrLst>
     <dgm:linClrLst meth="repeat">
@@ -1044,7 +1048,7 @@
 <dgm:dataModel xmlns:dgm="http://schemas.openxmlformats.org/drawingml/2006/diagram" xmlns:a="http://schemas.openxmlformats.org/drawingml/2006/main">
   <dgm:ptLst>
     <dgm:pt modelId="{E2CC233A-3249-4318-82CA-9848A0D622F0}" type="doc">
-      <dgm:prSet loTypeId="urn:microsoft.com/office/officeart/2008/layout/LinedList" loCatId="list" qsTypeId="urn:microsoft.com/office/officeart/2005/8/quickstyle/simple1" qsCatId="simple" csTypeId="urn:microsoft.com/office/officeart/2005/8/colors/colorful1" csCatId="colorful" phldr="1"/>
+      <dgm:prSet loTypeId="urn:microsoft.com/office/officeart/2018/2/layout/IconVerticalSolidList" loCatId="icon" qsTypeId="urn:microsoft.com/office/officeart/2005/8/quickstyle/simple1" qsCatId="simple" csTypeId="urn:microsoft.com/office/officeart/2018/5/colors/Iconchunking_neutralbg_colorful1" csCatId="colorful" phldr="1"/>
       <dgm:spPr/>
       <dgm:t>
         <a:bodyPr/>
@@ -1065,20 +1069,19 @@
             <a:lnSpc>
               <a:spcPct val="100000"/>
             </a:lnSpc>
-            <a:defRPr cap="all"/>
           </a:pPr>
           <a:r>
-            <a:rPr lang="en-US" dirty="0"/>
+            <a:rPr lang="en-US"/>
             <a:t>AlphaGo Zero – watching 24-hours and self-play superhuman levels in Go and Chess. </a:t>
           </a:r>
           <a:r>
-            <a:rPr lang="en-US" dirty="0">
+            <a:rPr lang="en-US">
               <a:hlinkClick xmlns:r="http://schemas.openxmlformats.org/officeDocument/2006/relationships" r:id="rId1"/>
             </a:rPr>
             <a:t>https://arxiv.org/pdf/1712.01815.pdf</a:t>
           </a:r>
           <a:r>
-            <a:rPr lang="en-US" dirty="0"/>
+            <a:rPr lang="en-US"/>
             <a:t> </a:t>
           </a:r>
         </a:p>
@@ -1117,7 +1120,6 @@
             <a:lnSpc>
               <a:spcPct val="100000"/>
             </a:lnSpc>
-            <a:defRPr cap="all"/>
           </a:pPr>
           <a:r>
             <a:rPr lang="en-US"/>
@@ -1159,7 +1161,6 @@
             <a:lnSpc>
               <a:spcPct val="100000"/>
             </a:lnSpc>
-            <a:defRPr cap="all"/>
           </a:pPr>
           <a:r>
             <a:rPr lang="en-US"/>
@@ -1201,7 +1202,6 @@
             <a:lnSpc>
               <a:spcPct val="100000"/>
             </a:lnSpc>
-            <a:defRPr cap="all"/>
           </a:pPr>
           <a:r>
             <a:rPr lang="en-US"/>
@@ -1243,20 +1243,19 @@
             <a:lnSpc>
               <a:spcPct val="100000"/>
             </a:lnSpc>
-            <a:defRPr cap="all"/>
           </a:pPr>
           <a:r>
-            <a:rPr lang="en-US"/>
+            <a:rPr lang="en-US" dirty="0"/>
             <a:t>Learn by watching videos - </a:t>
           </a:r>
           <a:r>
-            <a:rPr lang="en-US">
+            <a:rPr lang="en-US" dirty="0">
               <a:hlinkClick xmlns:r="http://schemas.openxmlformats.org/officeDocument/2006/relationships" r:id="rId2"/>
             </a:rPr>
             <a:t>https://www.youtube.com/watch?v=V1eYniJ0Rnk&amp;feature=youtu.be</a:t>
           </a:r>
           <a:r>
-            <a:rPr lang="en-US"/>
+            <a:rPr lang="en-US" dirty="0"/>
             <a:t> </a:t>
           </a:r>
         </a:p>
@@ -1295,7 +1294,6 @@
             <a:lnSpc>
               <a:spcPct val="100000"/>
             </a:lnSpc>
-            <a:defRPr cap="all"/>
           </a:pPr>
           <a:r>
             <a:rPr lang="en-US"/>
@@ -1326,151 +1324,379 @@
         </a:p>
       </dgm:t>
     </dgm:pt>
-    <dgm:pt modelId="{960791FF-B2E7-4060-A806-F79D86681F8A}" type="pres">
-      <dgm:prSet presAssocID="{E2CC233A-3249-4318-82CA-9848A0D622F0}" presName="vert0" presStyleCnt="0">
+    <dgm:pt modelId="{3F336209-9950-4D7E-B8A6-7B3798875349}" type="pres">
+      <dgm:prSet presAssocID="{E2CC233A-3249-4318-82CA-9848A0D622F0}" presName="root" presStyleCnt="0">
         <dgm:presLayoutVars>
           <dgm:dir/>
-          <dgm:animOne val="branch"/>
-          <dgm:animLvl val="lvl"/>
+          <dgm:resizeHandles val="exact"/>
         </dgm:presLayoutVars>
       </dgm:prSet>
       <dgm:spPr/>
     </dgm:pt>
-    <dgm:pt modelId="{6E38C70D-CAB3-4483-AB56-0BCA276EF7AB}" type="pres">
-      <dgm:prSet presAssocID="{0C31AC06-AA8C-48C0-A356-E37F20C323D0}" presName="thickLine" presStyleLbl="alignNode1" presStyleIdx="0" presStyleCnt="6"/>
+    <dgm:pt modelId="{88ADCCC5-A000-4E9D-B143-6A950BBA4978}" type="pres">
+      <dgm:prSet presAssocID="{0C31AC06-AA8C-48C0-A356-E37F20C323D0}" presName="compNode" presStyleCnt="0"/>
       <dgm:spPr/>
     </dgm:pt>
-    <dgm:pt modelId="{9C13B7F7-9617-4A83-90C6-2B40949C01EE}" type="pres">
-      <dgm:prSet presAssocID="{0C31AC06-AA8C-48C0-A356-E37F20C323D0}" presName="horz1" presStyleCnt="0"/>
+    <dgm:pt modelId="{288D4385-5B66-426E-AF46-8F662BC8C8C8}" type="pres">
+      <dgm:prSet presAssocID="{0C31AC06-AA8C-48C0-A356-E37F20C323D0}" presName="bgRect" presStyleLbl="bgShp" presStyleIdx="0" presStyleCnt="6"/>
       <dgm:spPr/>
     </dgm:pt>
-    <dgm:pt modelId="{88AFA738-5C80-485F-BBAC-8C8A31047567}" type="pres">
-      <dgm:prSet presAssocID="{0C31AC06-AA8C-48C0-A356-E37F20C323D0}" presName="tx1" presStyleLbl="revTx" presStyleIdx="0" presStyleCnt="6"/>
+    <dgm:pt modelId="{0A975396-3109-4221-A7EF-BD4BA4B62BB6}" type="pres">
+      <dgm:prSet presAssocID="{0C31AC06-AA8C-48C0-A356-E37F20C323D0}" presName="iconRect" presStyleLbl="node1" presStyleIdx="0" presStyleCnt="6"/>
+      <dgm:spPr>
+        <a:blipFill>
+          <a:blip xmlns:r="http://schemas.openxmlformats.org/officeDocument/2006/relationships" r:embed="rId3">
+            <a:extLst>
+              <a:ext uri="{28A0092B-C50C-407E-A947-70E740481C1C}">
+                <a14:useLocalDpi xmlns:a14="http://schemas.microsoft.com/office/drawing/2010/main" val="0"/>
+              </a:ext>
+              <a:ext uri="{96DAC541-7B7A-43D3-8B79-37D633B846F1}">
+                <asvg:svgBlip xmlns:asvg="http://schemas.microsoft.com/office/drawing/2016/SVG/main" r:embed="rId4"/>
+              </a:ext>
+            </a:extLst>
+          </a:blip>
+          <a:stretch>
+            <a:fillRect/>
+          </a:stretch>
+        </a:blipFill>
+        <a:ln>
+          <a:noFill/>
+        </a:ln>
+      </dgm:spPr>
+      <dgm:extLst>
+        <a:ext uri="{E40237B7-FDA0-4F09-8148-C483321AD2D9}">
+          <dgm14:cNvPr xmlns:dgm14="http://schemas.microsoft.com/office/drawing/2010/diagram" id="0" name="" descr="LaptopSecure"/>
+        </a:ext>
+      </dgm:extLst>
+    </dgm:pt>
+    <dgm:pt modelId="{13A13B6A-1CBD-43F9-8EAE-4728178E3137}" type="pres">
+      <dgm:prSet presAssocID="{0C31AC06-AA8C-48C0-A356-E37F20C323D0}" presName="spaceRect" presStyleCnt="0"/>
       <dgm:spPr/>
     </dgm:pt>
-    <dgm:pt modelId="{A057A8E4-1104-40BC-9718-12EDD90BA1EF}" type="pres">
-      <dgm:prSet presAssocID="{0C31AC06-AA8C-48C0-A356-E37F20C323D0}" presName="vert1" presStyleCnt="0"/>
+    <dgm:pt modelId="{215A75C4-8B0F-4533-8734-7ACC9FAA8E02}" type="pres">
+      <dgm:prSet presAssocID="{0C31AC06-AA8C-48C0-A356-E37F20C323D0}" presName="parTx" presStyleLbl="revTx" presStyleIdx="0" presStyleCnt="6">
+        <dgm:presLayoutVars>
+          <dgm:chMax val="0"/>
+          <dgm:chPref val="0"/>
+        </dgm:presLayoutVars>
+      </dgm:prSet>
       <dgm:spPr/>
     </dgm:pt>
-    <dgm:pt modelId="{3A124133-28A2-4F29-A3E5-A2BAB2C66953}" type="pres">
-      <dgm:prSet presAssocID="{524A9F0A-FF15-43CC-A59A-46DB666DEA49}" presName="thickLine" presStyleLbl="alignNode1" presStyleIdx="1" presStyleCnt="6"/>
+    <dgm:pt modelId="{78716B5B-C5F3-4A33-8BAD-0683955DFE12}" type="pres">
+      <dgm:prSet presAssocID="{7543E598-3CB5-41D1-B904-F5531C17DF82}" presName="sibTrans" presStyleCnt="0"/>
       <dgm:spPr/>
     </dgm:pt>
-    <dgm:pt modelId="{D350A48C-E1C9-4BF4-98F1-6B8D73A2B609}" type="pres">
-      <dgm:prSet presAssocID="{524A9F0A-FF15-43CC-A59A-46DB666DEA49}" presName="horz1" presStyleCnt="0"/>
+    <dgm:pt modelId="{ABE392F5-4C94-47ED-969B-E1C340FF97B6}" type="pres">
+      <dgm:prSet presAssocID="{524A9F0A-FF15-43CC-A59A-46DB666DEA49}" presName="compNode" presStyleCnt="0"/>
       <dgm:spPr/>
     </dgm:pt>
-    <dgm:pt modelId="{F7C5996F-CB98-444F-98FC-186B0B3467D2}" type="pres">
-      <dgm:prSet presAssocID="{524A9F0A-FF15-43CC-A59A-46DB666DEA49}" presName="tx1" presStyleLbl="revTx" presStyleIdx="1" presStyleCnt="6"/>
+    <dgm:pt modelId="{3953D04F-EBE8-4C79-B466-7594596CC3EF}" type="pres">
+      <dgm:prSet presAssocID="{524A9F0A-FF15-43CC-A59A-46DB666DEA49}" presName="bgRect" presStyleLbl="bgShp" presStyleIdx="1" presStyleCnt="6"/>
       <dgm:spPr/>
     </dgm:pt>
-    <dgm:pt modelId="{6767ED79-DBF0-4E1F-96FC-61C82A26BA59}" type="pres">
-      <dgm:prSet presAssocID="{524A9F0A-FF15-43CC-A59A-46DB666DEA49}" presName="vert1" presStyleCnt="0"/>
+    <dgm:pt modelId="{6B8970BF-7003-442A-A8BD-2457FE6895AF}" type="pres">
+      <dgm:prSet presAssocID="{524A9F0A-FF15-43CC-A59A-46DB666DEA49}" presName="iconRect" presStyleLbl="node1" presStyleIdx="1" presStyleCnt="6"/>
+      <dgm:spPr>
+        <a:blipFill>
+          <a:blip xmlns:r="http://schemas.openxmlformats.org/officeDocument/2006/relationships" r:embed="rId5">
+            <a:extLst>
+              <a:ext uri="{28A0092B-C50C-407E-A947-70E740481C1C}">
+                <a14:useLocalDpi xmlns:a14="http://schemas.microsoft.com/office/drawing/2010/main" val="0"/>
+              </a:ext>
+              <a:ext uri="{96DAC541-7B7A-43D3-8B79-37D633B846F1}">
+                <asvg:svgBlip xmlns:asvg="http://schemas.microsoft.com/office/drawing/2016/SVG/main" r:embed="rId6"/>
+              </a:ext>
+            </a:extLst>
+          </a:blip>
+          <a:stretch>
+            <a:fillRect/>
+          </a:stretch>
+        </a:blipFill>
+        <a:ln>
+          <a:noFill/>
+        </a:ln>
+      </dgm:spPr>
+      <dgm:extLst>
+        <a:ext uri="{E40237B7-FDA0-4F09-8148-C483321AD2D9}">
+          <dgm14:cNvPr xmlns:dgm14="http://schemas.microsoft.com/office/drawing/2010/diagram" id="0" name="" descr="News"/>
+        </a:ext>
+      </dgm:extLst>
+    </dgm:pt>
+    <dgm:pt modelId="{5B90A6C6-9DA4-4EE5-AD4F-0BD3A0C8CF17}" type="pres">
+      <dgm:prSet presAssocID="{524A9F0A-FF15-43CC-A59A-46DB666DEA49}" presName="spaceRect" presStyleCnt="0"/>
       <dgm:spPr/>
     </dgm:pt>
-    <dgm:pt modelId="{2F91E448-4C38-47B8-A2C1-54FC40375054}" type="pres">
-      <dgm:prSet presAssocID="{A3AF3541-D0F5-4409-8C86-7B8F2A8CF1FB}" presName="thickLine" presStyleLbl="alignNode1" presStyleIdx="2" presStyleCnt="6"/>
+    <dgm:pt modelId="{07AF1C6A-207A-4B37-9235-3C762694CA88}" type="pres">
+      <dgm:prSet presAssocID="{524A9F0A-FF15-43CC-A59A-46DB666DEA49}" presName="parTx" presStyleLbl="revTx" presStyleIdx="1" presStyleCnt="6">
+        <dgm:presLayoutVars>
+          <dgm:chMax val="0"/>
+          <dgm:chPref val="0"/>
+        </dgm:presLayoutVars>
+      </dgm:prSet>
       <dgm:spPr/>
     </dgm:pt>
-    <dgm:pt modelId="{4F9C4FA3-49D4-488D-A4C3-25F304ACEC26}" type="pres">
-      <dgm:prSet presAssocID="{A3AF3541-D0F5-4409-8C86-7B8F2A8CF1FB}" presName="horz1" presStyleCnt="0"/>
+    <dgm:pt modelId="{82C13963-8FB1-4710-A02B-91616CB1F6CB}" type="pres">
+      <dgm:prSet presAssocID="{AA387B3E-ED83-4154-A14B-EBE8113B4DCA}" presName="sibTrans" presStyleCnt="0"/>
       <dgm:spPr/>
     </dgm:pt>
-    <dgm:pt modelId="{34D9E813-09CE-4980-83FF-0CE35D5DBC1A}" type="pres">
-      <dgm:prSet presAssocID="{A3AF3541-D0F5-4409-8C86-7B8F2A8CF1FB}" presName="tx1" presStyleLbl="revTx" presStyleIdx="2" presStyleCnt="6"/>
+    <dgm:pt modelId="{DA2C910E-D248-4A6F-B466-4C364EB19410}" type="pres">
+      <dgm:prSet presAssocID="{A3AF3541-D0F5-4409-8C86-7B8F2A8CF1FB}" presName="compNode" presStyleCnt="0"/>
       <dgm:spPr/>
     </dgm:pt>
-    <dgm:pt modelId="{D3B250FD-E079-49B4-AFA2-77A5014DE2A5}" type="pres">
-      <dgm:prSet presAssocID="{A3AF3541-D0F5-4409-8C86-7B8F2A8CF1FB}" presName="vert1" presStyleCnt="0"/>
+    <dgm:pt modelId="{7F362C24-5AB4-4C60-9F1A-AB9230CCF977}" type="pres">
+      <dgm:prSet presAssocID="{A3AF3541-D0F5-4409-8C86-7B8F2A8CF1FB}" presName="bgRect" presStyleLbl="bgShp" presStyleIdx="2" presStyleCnt="6"/>
       <dgm:spPr/>
     </dgm:pt>
-    <dgm:pt modelId="{FC5B220F-5E49-4B5F-98AB-AF62C2B03622}" type="pres">
-      <dgm:prSet presAssocID="{783EBFCC-1789-425B-B997-A149BE46E8BA}" presName="thickLine" presStyleLbl="alignNode1" presStyleIdx="3" presStyleCnt="6"/>
+    <dgm:pt modelId="{3692621A-72D9-4098-9060-949340A4B3D8}" type="pres">
+      <dgm:prSet presAssocID="{A3AF3541-D0F5-4409-8C86-7B8F2A8CF1FB}" presName="iconRect" presStyleLbl="node1" presStyleIdx="2" presStyleCnt="6"/>
+      <dgm:spPr>
+        <a:blipFill>
+          <a:blip xmlns:r="http://schemas.openxmlformats.org/officeDocument/2006/relationships" r:embed="rId7">
+            <a:extLst>
+              <a:ext uri="{28A0092B-C50C-407E-A947-70E740481C1C}">
+                <a14:useLocalDpi xmlns:a14="http://schemas.microsoft.com/office/drawing/2010/main" val="0"/>
+              </a:ext>
+              <a:ext uri="{96DAC541-7B7A-43D3-8B79-37D633B846F1}">
+                <asvg:svgBlip xmlns:asvg="http://schemas.microsoft.com/office/drawing/2016/SVG/main" r:embed="rId8"/>
+              </a:ext>
+            </a:extLst>
+          </a:blip>
+          <a:stretch>
+            <a:fillRect/>
+          </a:stretch>
+        </a:blipFill>
+        <a:ln>
+          <a:noFill/>
+        </a:ln>
+      </dgm:spPr>
+      <dgm:extLst>
+        <a:ext uri="{E40237B7-FDA0-4F09-8148-C483321AD2D9}">
+          <dgm14:cNvPr xmlns:dgm14="http://schemas.microsoft.com/office/drawing/2010/diagram" id="0" name="" descr="GolfBall"/>
+        </a:ext>
+      </dgm:extLst>
+    </dgm:pt>
+    <dgm:pt modelId="{7C058E8E-C2EA-48C4-9A13-05759ACAA797}" type="pres">
+      <dgm:prSet presAssocID="{A3AF3541-D0F5-4409-8C86-7B8F2A8CF1FB}" presName="spaceRect" presStyleCnt="0"/>
       <dgm:spPr/>
     </dgm:pt>
-    <dgm:pt modelId="{E2F12383-5F29-4633-AFF3-AE791C129B81}" type="pres">
-      <dgm:prSet presAssocID="{783EBFCC-1789-425B-B997-A149BE46E8BA}" presName="horz1" presStyleCnt="0"/>
+    <dgm:pt modelId="{CE0F8E8F-C429-4894-B8F9-0E4AB1232691}" type="pres">
+      <dgm:prSet presAssocID="{A3AF3541-D0F5-4409-8C86-7B8F2A8CF1FB}" presName="parTx" presStyleLbl="revTx" presStyleIdx="2" presStyleCnt="6">
+        <dgm:presLayoutVars>
+          <dgm:chMax val="0"/>
+          <dgm:chPref val="0"/>
+        </dgm:presLayoutVars>
+      </dgm:prSet>
       <dgm:spPr/>
     </dgm:pt>
-    <dgm:pt modelId="{DBE94B1F-F633-4D92-84A8-7F1946A5CBEC}" type="pres">
-      <dgm:prSet presAssocID="{783EBFCC-1789-425B-B997-A149BE46E8BA}" presName="tx1" presStyleLbl="revTx" presStyleIdx="3" presStyleCnt="6"/>
+    <dgm:pt modelId="{6859EBF6-4DC5-43A2-85E9-3D67F539945C}" type="pres">
+      <dgm:prSet presAssocID="{7B4E1C86-ECBE-4FB8-823F-4C137B3AADD7}" presName="sibTrans" presStyleCnt="0"/>
       <dgm:spPr/>
     </dgm:pt>
-    <dgm:pt modelId="{F32C1C80-59AF-49CF-823A-AE12A5BB3F7D}" type="pres">
-      <dgm:prSet presAssocID="{783EBFCC-1789-425B-B997-A149BE46E8BA}" presName="vert1" presStyleCnt="0"/>
+    <dgm:pt modelId="{2508F535-00EE-4FB6-8078-65FFD3009A61}" type="pres">
+      <dgm:prSet presAssocID="{783EBFCC-1789-425B-B997-A149BE46E8BA}" presName="compNode" presStyleCnt="0"/>
       <dgm:spPr/>
     </dgm:pt>
-    <dgm:pt modelId="{91931DEC-7C95-4D47-A8BB-BC08F7996AAC}" type="pres">
-      <dgm:prSet presAssocID="{1040A909-41C0-4C5B-80DE-F90A8CE0E498}" presName="thickLine" presStyleLbl="alignNode1" presStyleIdx="4" presStyleCnt="6"/>
+    <dgm:pt modelId="{B30D4D85-3095-488F-8DDE-16E9CF6E639E}" type="pres">
+      <dgm:prSet presAssocID="{783EBFCC-1789-425B-B997-A149BE46E8BA}" presName="bgRect" presStyleLbl="bgShp" presStyleIdx="3" presStyleCnt="6"/>
       <dgm:spPr/>
     </dgm:pt>
-    <dgm:pt modelId="{584C39C3-C50A-43E5-83CE-70B34F467822}" type="pres">
-      <dgm:prSet presAssocID="{1040A909-41C0-4C5B-80DE-F90A8CE0E498}" presName="horz1" presStyleCnt="0"/>
+    <dgm:pt modelId="{3359541D-515A-4A20-9E6D-1766987E6F35}" type="pres">
+      <dgm:prSet presAssocID="{783EBFCC-1789-425B-B997-A149BE46E8BA}" presName="iconRect" presStyleLbl="node1" presStyleIdx="3" presStyleCnt="6"/>
+      <dgm:spPr>
+        <a:blipFill>
+          <a:blip xmlns:r="http://schemas.openxmlformats.org/officeDocument/2006/relationships" r:embed="rId9">
+            <a:extLst>
+              <a:ext uri="{28A0092B-C50C-407E-A947-70E740481C1C}">
+                <a14:useLocalDpi xmlns:a14="http://schemas.microsoft.com/office/drawing/2010/main" val="0"/>
+              </a:ext>
+              <a:ext uri="{96DAC541-7B7A-43D3-8B79-37D633B846F1}">
+                <asvg:svgBlip xmlns:asvg="http://schemas.microsoft.com/office/drawing/2016/SVG/main" r:embed="rId10"/>
+              </a:ext>
+            </a:extLst>
+          </a:blip>
+          <a:stretch>
+            <a:fillRect/>
+          </a:stretch>
+        </a:blipFill>
+        <a:ln>
+          <a:noFill/>
+        </a:ln>
+      </dgm:spPr>
+      <dgm:extLst>
+        <a:ext uri="{E40237B7-FDA0-4F09-8148-C483321AD2D9}">
+          <dgm14:cNvPr xmlns:dgm14="http://schemas.microsoft.com/office/drawing/2010/diagram" id="0" name="" descr="CRMCustomerInsightsApp"/>
+        </a:ext>
+      </dgm:extLst>
+    </dgm:pt>
+    <dgm:pt modelId="{1F1B237C-5A01-44F0-B829-B691A39B479C}" type="pres">
+      <dgm:prSet presAssocID="{783EBFCC-1789-425B-B997-A149BE46E8BA}" presName="spaceRect" presStyleCnt="0"/>
       <dgm:spPr/>
     </dgm:pt>
-    <dgm:pt modelId="{0E3844CB-AEEB-4B86-92DD-9C6B71FBB319}" type="pres">
-      <dgm:prSet presAssocID="{1040A909-41C0-4C5B-80DE-F90A8CE0E498}" presName="tx1" presStyleLbl="revTx" presStyleIdx="4" presStyleCnt="6"/>
+    <dgm:pt modelId="{74192E35-0E14-4A2E-B511-9C8510F43FE5}" type="pres">
+      <dgm:prSet presAssocID="{783EBFCC-1789-425B-B997-A149BE46E8BA}" presName="parTx" presStyleLbl="revTx" presStyleIdx="3" presStyleCnt="6">
+        <dgm:presLayoutVars>
+          <dgm:chMax val="0"/>
+          <dgm:chPref val="0"/>
+        </dgm:presLayoutVars>
+      </dgm:prSet>
       <dgm:spPr/>
     </dgm:pt>
-    <dgm:pt modelId="{2284A88F-B62E-4CD7-8BD9-D2ABAB69F64D}" type="pres">
-      <dgm:prSet presAssocID="{1040A909-41C0-4C5B-80DE-F90A8CE0E498}" presName="vert1" presStyleCnt="0"/>
+    <dgm:pt modelId="{4DE2CE7A-8D16-4596-8AAD-288E7EDCBD19}" type="pres">
+      <dgm:prSet presAssocID="{0CABA336-2B40-4E3E-A240-2FFA8FDC8450}" presName="sibTrans" presStyleCnt="0"/>
       <dgm:spPr/>
     </dgm:pt>
-    <dgm:pt modelId="{6F9C7078-87CD-490B-BBBA-1A58C763B844}" type="pres">
-      <dgm:prSet presAssocID="{AA03F73C-5E2E-468F-8B7A-2DFCFEA44C85}" presName="thickLine" presStyleLbl="alignNode1" presStyleIdx="5" presStyleCnt="6"/>
+    <dgm:pt modelId="{9D5F1DAE-31D6-4F0A-B774-90A465DA432D}" type="pres">
+      <dgm:prSet presAssocID="{1040A909-41C0-4C5B-80DE-F90A8CE0E498}" presName="compNode" presStyleCnt="0"/>
       <dgm:spPr/>
     </dgm:pt>
-    <dgm:pt modelId="{66DD88ED-1D48-4455-999D-41EDBCFDA690}" type="pres">
-      <dgm:prSet presAssocID="{AA03F73C-5E2E-468F-8B7A-2DFCFEA44C85}" presName="horz1" presStyleCnt="0"/>
+    <dgm:pt modelId="{8628D8E3-5E12-46F0-84AA-C7599F8FB6F9}" type="pres">
+      <dgm:prSet presAssocID="{1040A909-41C0-4C5B-80DE-F90A8CE0E498}" presName="bgRect" presStyleLbl="bgShp" presStyleIdx="4" presStyleCnt="6"/>
       <dgm:spPr/>
     </dgm:pt>
-    <dgm:pt modelId="{3AB7E87C-F47C-43C2-93F1-1A56F672BE38}" type="pres">
-      <dgm:prSet presAssocID="{AA03F73C-5E2E-468F-8B7A-2DFCFEA44C85}" presName="tx1" presStyleLbl="revTx" presStyleIdx="5" presStyleCnt="6"/>
+    <dgm:pt modelId="{8DD549FF-FFD5-43E8-90B0-144DDCD9146A}" type="pres">
+      <dgm:prSet presAssocID="{1040A909-41C0-4C5B-80DE-F90A8CE0E498}" presName="iconRect" presStyleLbl="node1" presStyleIdx="4" presStyleCnt="6"/>
+      <dgm:spPr>
+        <a:blipFill>
+          <a:blip xmlns:r="http://schemas.openxmlformats.org/officeDocument/2006/relationships" r:embed="rId11">
+            <a:extLst>
+              <a:ext uri="{28A0092B-C50C-407E-A947-70E740481C1C}">
+                <a14:useLocalDpi xmlns:a14="http://schemas.microsoft.com/office/drawing/2010/main" val="0"/>
+              </a:ext>
+              <a:ext uri="{96DAC541-7B7A-43D3-8B79-37D633B846F1}">
+                <asvg:svgBlip xmlns:asvg="http://schemas.microsoft.com/office/drawing/2016/SVG/main" r:embed="rId12"/>
+              </a:ext>
+            </a:extLst>
+          </a:blip>
+          <a:stretch>
+            <a:fillRect/>
+          </a:stretch>
+        </a:blipFill>
+        <a:ln>
+          <a:noFill/>
+        </a:ln>
+      </dgm:spPr>
+      <dgm:extLst>
+        <a:ext uri="{E40237B7-FDA0-4F09-8148-C483321AD2D9}">
+          <dgm14:cNvPr xmlns:dgm14="http://schemas.microsoft.com/office/drawing/2010/diagram" id="0" name="" descr="AddOnlineMeeting"/>
+        </a:ext>
+      </dgm:extLst>
+    </dgm:pt>
+    <dgm:pt modelId="{809A8D09-2240-4FCD-A882-E4D99E105E9A}" type="pres">
+      <dgm:prSet presAssocID="{1040A909-41C0-4C5B-80DE-F90A8CE0E498}" presName="spaceRect" presStyleCnt="0"/>
       <dgm:spPr/>
     </dgm:pt>
-    <dgm:pt modelId="{ED9F9711-A162-4E22-8B2B-59C892A19FD0}" type="pres">
-      <dgm:prSet presAssocID="{AA03F73C-5E2E-468F-8B7A-2DFCFEA44C85}" presName="vert1" presStyleCnt="0"/>
+    <dgm:pt modelId="{E955E49A-ABC1-4B27-BDD3-4D6D4EE5D189}" type="pres">
+      <dgm:prSet presAssocID="{1040A909-41C0-4C5B-80DE-F90A8CE0E498}" presName="parTx" presStyleLbl="revTx" presStyleIdx="4" presStyleCnt="6">
+        <dgm:presLayoutVars>
+          <dgm:chMax val="0"/>
+          <dgm:chPref val="0"/>
+        </dgm:presLayoutVars>
+      </dgm:prSet>
+      <dgm:spPr/>
+    </dgm:pt>
+    <dgm:pt modelId="{6382A9AC-5374-430D-AFE3-82194353AB9C}" type="pres">
+      <dgm:prSet presAssocID="{C1062929-13FB-4C95-B18C-898948FD6D5A}" presName="sibTrans" presStyleCnt="0"/>
+      <dgm:spPr/>
+    </dgm:pt>
+    <dgm:pt modelId="{C9CF6CBF-3612-48D8-9E9F-1899CDD4DA85}" type="pres">
+      <dgm:prSet presAssocID="{AA03F73C-5E2E-468F-8B7A-2DFCFEA44C85}" presName="compNode" presStyleCnt="0"/>
+      <dgm:spPr/>
+    </dgm:pt>
+    <dgm:pt modelId="{FEF804D0-7AEE-4A2A-AE65-9EF95A0E61E8}" type="pres">
+      <dgm:prSet presAssocID="{AA03F73C-5E2E-468F-8B7A-2DFCFEA44C85}" presName="bgRect" presStyleLbl="bgShp" presStyleIdx="5" presStyleCnt="6"/>
+      <dgm:spPr/>
+    </dgm:pt>
+    <dgm:pt modelId="{F1300044-3FD0-49D6-A833-D2DC43622482}" type="pres">
+      <dgm:prSet presAssocID="{AA03F73C-5E2E-468F-8B7A-2DFCFEA44C85}" presName="iconRect" presStyleLbl="node1" presStyleIdx="5" presStyleCnt="6"/>
+      <dgm:spPr>
+        <a:blipFill>
+          <a:blip xmlns:r="http://schemas.openxmlformats.org/officeDocument/2006/relationships" r:embed="rId13">
+            <a:extLst>
+              <a:ext uri="{28A0092B-C50C-407E-A947-70E740481C1C}">
+                <a14:useLocalDpi xmlns:a14="http://schemas.microsoft.com/office/drawing/2010/main" val="0"/>
+              </a:ext>
+              <a:ext uri="{96DAC541-7B7A-43D3-8B79-37D633B846F1}">
+                <asvg:svgBlip xmlns:asvg="http://schemas.microsoft.com/office/drawing/2016/SVG/main" r:embed="rId14"/>
+              </a:ext>
+            </a:extLst>
+          </a:blip>
+          <a:stretch>
+            <a:fillRect/>
+          </a:stretch>
+        </a:blipFill>
+        <a:ln>
+          <a:noFill/>
+        </a:ln>
+      </dgm:spPr>
+      <dgm:extLst>
+        <a:ext uri="{E40237B7-FDA0-4F09-8148-C483321AD2D9}">
+          <dgm14:cNvPr xmlns:dgm14="http://schemas.microsoft.com/office/drawing/2010/diagram" id="0" name="" descr="Clear"/>
+        </a:ext>
+      </dgm:extLst>
+    </dgm:pt>
+    <dgm:pt modelId="{B73761B8-BFDD-4626-BE42-39F8DA42EB64}" type="pres">
+      <dgm:prSet presAssocID="{AA03F73C-5E2E-468F-8B7A-2DFCFEA44C85}" presName="spaceRect" presStyleCnt="0"/>
+      <dgm:spPr/>
+    </dgm:pt>
+    <dgm:pt modelId="{8B616A8F-64B4-4B26-9752-44577985C435}" type="pres">
+      <dgm:prSet presAssocID="{AA03F73C-5E2E-468F-8B7A-2DFCFEA44C85}" presName="parTx" presStyleLbl="revTx" presStyleIdx="5" presStyleCnt="6">
+        <dgm:presLayoutVars>
+          <dgm:chMax val="0"/>
+          <dgm:chPref val="0"/>
+        </dgm:presLayoutVars>
+      </dgm:prSet>
       <dgm:spPr/>
     </dgm:pt>
   </dgm:ptLst>
   <dgm:cxnLst>
     <dgm:cxn modelId="{0D65DE0A-CC0B-4D16-8514-250679CEC97A}" srcId="{E2CC233A-3249-4318-82CA-9848A0D622F0}" destId="{0C31AC06-AA8C-48C0-A356-E37F20C323D0}" srcOrd="0" destOrd="0" parTransId="{2CC524F0-9ACA-46A1-AE8C-E1C187448179}" sibTransId="{7543E598-3CB5-41D1-B904-F5531C17DF82}"/>
-    <dgm:cxn modelId="{195EAA19-882C-4236-83C8-575F263F20B8}" type="presOf" srcId="{524A9F0A-FF15-43CC-A59A-46DB666DEA49}" destId="{F7C5996F-CB98-444F-98FC-186B0B3467D2}" srcOrd="0" destOrd="0" presId="urn:microsoft.com/office/officeart/2008/layout/LinedList"/>
-    <dgm:cxn modelId="{20D92F34-4719-456C-A194-6DA817A09627}" type="presOf" srcId="{0C31AC06-AA8C-48C0-A356-E37F20C323D0}" destId="{88AFA738-5C80-485F-BBAC-8C8A31047567}" srcOrd="0" destOrd="0" presId="urn:microsoft.com/office/officeart/2008/layout/LinedList"/>
+    <dgm:cxn modelId="{E011D42F-76A5-4B7D-8E1F-6F77564F2F19}" type="presOf" srcId="{1040A909-41C0-4C5B-80DE-F90A8CE0E498}" destId="{E955E49A-ABC1-4B27-BDD3-4D6D4EE5D189}" srcOrd="0" destOrd="0" presId="urn:microsoft.com/office/officeart/2018/2/layout/IconVerticalSolidList"/>
     <dgm:cxn modelId="{013CBD38-F046-4536-BBEC-D707ED74A424}" srcId="{E2CC233A-3249-4318-82CA-9848A0D622F0}" destId="{1040A909-41C0-4C5B-80DE-F90A8CE0E498}" srcOrd="4" destOrd="0" parTransId="{1FE50531-41A3-4B47-ABCA-FABE60F3F2EC}" sibTransId="{C1062929-13FB-4C95-B18C-898948FD6D5A}"/>
-    <dgm:cxn modelId="{5CAE825D-6979-46A2-97EB-81F57950058A}" type="presOf" srcId="{1040A909-41C0-4C5B-80DE-F90A8CE0E498}" destId="{0E3844CB-AEEB-4B86-92DD-9C6B71FBB319}" srcOrd="0" destOrd="0" presId="urn:microsoft.com/office/officeart/2008/layout/LinedList"/>
     <dgm:cxn modelId="{368AE45D-084E-4E6F-9E02-75A158176516}" srcId="{E2CC233A-3249-4318-82CA-9848A0D622F0}" destId="{A3AF3541-D0F5-4409-8C86-7B8F2A8CF1FB}" srcOrd="2" destOrd="0" parTransId="{8F49FD26-12BA-4B4D-ADDE-967B64B9F073}" sibTransId="{7B4E1C86-ECBE-4FB8-823F-4C137B3AADD7}"/>
-    <dgm:cxn modelId="{129B0545-6F61-468F-8118-EDB673AA1E8C}" type="presOf" srcId="{A3AF3541-D0F5-4409-8C86-7B8F2A8CF1FB}" destId="{34D9E813-09CE-4980-83FF-0CE35D5DBC1A}" srcOrd="0" destOrd="0" presId="urn:microsoft.com/office/officeart/2008/layout/LinedList"/>
-    <dgm:cxn modelId="{76A62645-BD5D-40D7-A839-213597D2F6BB}" type="presOf" srcId="{AA03F73C-5E2E-468F-8B7A-2DFCFEA44C85}" destId="{3AB7E87C-F47C-43C2-93F1-1A56F672BE38}" srcOrd="0" destOrd="0" presId="urn:microsoft.com/office/officeart/2008/layout/LinedList"/>
-    <dgm:cxn modelId="{D7975171-BB6F-4297-ADF8-F685754AA259}" type="presOf" srcId="{783EBFCC-1789-425B-B997-A149BE46E8BA}" destId="{DBE94B1F-F633-4D92-84A8-7F1946A5CBEC}" srcOrd="0" destOrd="0" presId="urn:microsoft.com/office/officeart/2008/layout/LinedList"/>
     <dgm:cxn modelId="{8740797D-67F3-4052-AA52-F86AA9C8357B}" srcId="{E2CC233A-3249-4318-82CA-9848A0D622F0}" destId="{AA03F73C-5E2E-468F-8B7A-2DFCFEA44C85}" srcOrd="5" destOrd="0" parTransId="{38D6C169-CA82-462B-8194-DD0B0BE17CD3}" sibTransId="{FA42ED34-D7A7-4B3D-ACC7-F34A06291F52}"/>
-    <dgm:cxn modelId="{6605B7BA-9443-4A3A-8F17-BABFB9DF076E}" type="presOf" srcId="{E2CC233A-3249-4318-82CA-9848A0D622F0}" destId="{960791FF-B2E7-4060-A806-F79D86681F8A}" srcOrd="0" destOrd="0" presId="urn:microsoft.com/office/officeart/2008/layout/LinedList"/>
+    <dgm:cxn modelId="{0067DA82-BC89-4223-A6C5-CB29978EA1D5}" type="presOf" srcId="{AA03F73C-5E2E-468F-8B7A-2DFCFEA44C85}" destId="{8B616A8F-64B4-4B26-9752-44577985C435}" srcOrd="0" destOrd="0" presId="urn:microsoft.com/office/officeart/2018/2/layout/IconVerticalSolidList"/>
+    <dgm:cxn modelId="{66BB3787-E9E9-4547-8F52-833372701773}" type="presOf" srcId="{0C31AC06-AA8C-48C0-A356-E37F20C323D0}" destId="{215A75C4-8B0F-4533-8734-7ACC9FAA8E02}" srcOrd="0" destOrd="0" presId="urn:microsoft.com/office/officeart/2018/2/layout/IconVerticalSolidList"/>
+    <dgm:cxn modelId="{64F4138B-DF5F-49D9-87B6-8B1B7A194101}" type="presOf" srcId="{E2CC233A-3249-4318-82CA-9848A0D622F0}" destId="{3F336209-9950-4D7E-B8A6-7B3798875349}" srcOrd="0" destOrd="0" presId="urn:microsoft.com/office/officeart/2018/2/layout/IconVerticalSolidList"/>
+    <dgm:cxn modelId="{9AE72291-9DA8-42F0-9506-C4A201859574}" type="presOf" srcId="{A3AF3541-D0F5-4409-8C86-7B8F2A8CF1FB}" destId="{CE0F8E8F-C429-4894-B8F9-0E4AB1232691}" srcOrd="0" destOrd="0" presId="urn:microsoft.com/office/officeart/2018/2/layout/IconVerticalSolidList"/>
     <dgm:cxn modelId="{0C369EBF-DEAE-436E-ACB3-B54C0C7CD6DD}" srcId="{E2CC233A-3249-4318-82CA-9848A0D622F0}" destId="{783EBFCC-1789-425B-B997-A149BE46E8BA}" srcOrd="3" destOrd="0" parTransId="{9CB43B06-A4A1-45A5-BD03-994991BA85CF}" sibTransId="{0CABA336-2B40-4E3E-A240-2FFA8FDC8450}"/>
+    <dgm:cxn modelId="{B32D81D2-65FB-4FC1-8E7C-6C94A6062E7C}" type="presOf" srcId="{524A9F0A-FF15-43CC-A59A-46DB666DEA49}" destId="{07AF1C6A-207A-4B37-9235-3C762694CA88}" srcOrd="0" destOrd="0" presId="urn:microsoft.com/office/officeart/2018/2/layout/IconVerticalSolidList"/>
+    <dgm:cxn modelId="{8D99BDF2-F6DB-422E-946C-79BC5B0453EF}" type="presOf" srcId="{783EBFCC-1789-425B-B997-A149BE46E8BA}" destId="{74192E35-0E14-4A2E-B511-9C8510F43FE5}" srcOrd="0" destOrd="0" presId="urn:microsoft.com/office/officeart/2018/2/layout/IconVerticalSolidList"/>
     <dgm:cxn modelId="{93E4FBFF-F5BC-4022-8373-A3092052A476}" srcId="{E2CC233A-3249-4318-82CA-9848A0D622F0}" destId="{524A9F0A-FF15-43CC-A59A-46DB666DEA49}" srcOrd="1" destOrd="0" parTransId="{723D7150-BD8E-4201-9167-8433F80D47EA}" sibTransId="{AA387B3E-ED83-4154-A14B-EBE8113B4DCA}"/>
-    <dgm:cxn modelId="{2C5DF168-0E00-4836-B30B-7958205E9FB7}" type="presParOf" srcId="{960791FF-B2E7-4060-A806-F79D86681F8A}" destId="{6E38C70D-CAB3-4483-AB56-0BCA276EF7AB}" srcOrd="0" destOrd="0" presId="urn:microsoft.com/office/officeart/2008/layout/LinedList"/>
-    <dgm:cxn modelId="{F3F72EDE-7B1D-434A-999C-B409059F7262}" type="presParOf" srcId="{960791FF-B2E7-4060-A806-F79D86681F8A}" destId="{9C13B7F7-9617-4A83-90C6-2B40949C01EE}" srcOrd="1" destOrd="0" presId="urn:microsoft.com/office/officeart/2008/layout/LinedList"/>
-    <dgm:cxn modelId="{4208C102-FBB2-4C60-A29D-EDC1D3E92CA4}" type="presParOf" srcId="{9C13B7F7-9617-4A83-90C6-2B40949C01EE}" destId="{88AFA738-5C80-485F-BBAC-8C8A31047567}" srcOrd="0" destOrd="0" presId="urn:microsoft.com/office/officeart/2008/layout/LinedList"/>
-    <dgm:cxn modelId="{835449BA-740C-40FF-914C-EC8676B8A7AD}" type="presParOf" srcId="{9C13B7F7-9617-4A83-90C6-2B40949C01EE}" destId="{A057A8E4-1104-40BC-9718-12EDD90BA1EF}" srcOrd="1" destOrd="0" presId="urn:microsoft.com/office/officeart/2008/layout/LinedList"/>
-    <dgm:cxn modelId="{0B3FBE32-8498-4373-8173-3936CE873C44}" type="presParOf" srcId="{960791FF-B2E7-4060-A806-F79D86681F8A}" destId="{3A124133-28A2-4F29-A3E5-A2BAB2C66953}" srcOrd="2" destOrd="0" presId="urn:microsoft.com/office/officeart/2008/layout/LinedList"/>
-    <dgm:cxn modelId="{F758FAEA-12C4-4179-85BF-956A3EE547AE}" type="presParOf" srcId="{960791FF-B2E7-4060-A806-F79D86681F8A}" destId="{D350A48C-E1C9-4BF4-98F1-6B8D73A2B609}" srcOrd="3" destOrd="0" presId="urn:microsoft.com/office/officeart/2008/layout/LinedList"/>
-    <dgm:cxn modelId="{502FDA94-CD47-40EC-B3CC-700AF98365F7}" type="presParOf" srcId="{D350A48C-E1C9-4BF4-98F1-6B8D73A2B609}" destId="{F7C5996F-CB98-444F-98FC-186B0B3467D2}" srcOrd="0" destOrd="0" presId="urn:microsoft.com/office/officeart/2008/layout/LinedList"/>
-    <dgm:cxn modelId="{3117B85B-A54F-4CAD-B656-8763EAD814B7}" type="presParOf" srcId="{D350A48C-E1C9-4BF4-98F1-6B8D73A2B609}" destId="{6767ED79-DBF0-4E1F-96FC-61C82A26BA59}" srcOrd="1" destOrd="0" presId="urn:microsoft.com/office/officeart/2008/layout/LinedList"/>
-    <dgm:cxn modelId="{5931EC9F-0AB1-47DF-B88F-4E34D11D79B9}" type="presParOf" srcId="{960791FF-B2E7-4060-A806-F79D86681F8A}" destId="{2F91E448-4C38-47B8-A2C1-54FC40375054}" srcOrd="4" destOrd="0" presId="urn:microsoft.com/office/officeart/2008/layout/LinedList"/>
-    <dgm:cxn modelId="{8867D964-C4EB-477D-B911-197951E29606}" type="presParOf" srcId="{960791FF-B2E7-4060-A806-F79D86681F8A}" destId="{4F9C4FA3-49D4-488D-A4C3-25F304ACEC26}" srcOrd="5" destOrd="0" presId="urn:microsoft.com/office/officeart/2008/layout/LinedList"/>
-    <dgm:cxn modelId="{38B34889-411D-44AF-910D-B8AFE2C0E0FB}" type="presParOf" srcId="{4F9C4FA3-49D4-488D-A4C3-25F304ACEC26}" destId="{34D9E813-09CE-4980-83FF-0CE35D5DBC1A}" srcOrd="0" destOrd="0" presId="urn:microsoft.com/office/officeart/2008/layout/LinedList"/>
-    <dgm:cxn modelId="{22CACD47-0861-4BF4-848D-805168B0C1CE}" type="presParOf" srcId="{4F9C4FA3-49D4-488D-A4C3-25F304ACEC26}" destId="{D3B250FD-E079-49B4-AFA2-77A5014DE2A5}" srcOrd="1" destOrd="0" presId="urn:microsoft.com/office/officeart/2008/layout/LinedList"/>
-    <dgm:cxn modelId="{C083E8E2-AF4E-42D5-B649-2523A57681AA}" type="presParOf" srcId="{960791FF-B2E7-4060-A806-F79D86681F8A}" destId="{FC5B220F-5E49-4B5F-98AB-AF62C2B03622}" srcOrd="6" destOrd="0" presId="urn:microsoft.com/office/officeart/2008/layout/LinedList"/>
-    <dgm:cxn modelId="{33264B19-FACA-484C-809F-D41F47FA77A9}" type="presParOf" srcId="{960791FF-B2E7-4060-A806-F79D86681F8A}" destId="{E2F12383-5F29-4633-AFF3-AE791C129B81}" srcOrd="7" destOrd="0" presId="urn:microsoft.com/office/officeart/2008/layout/LinedList"/>
-    <dgm:cxn modelId="{408E0531-9105-4A64-ACF0-64100C54B2A5}" type="presParOf" srcId="{E2F12383-5F29-4633-AFF3-AE791C129B81}" destId="{DBE94B1F-F633-4D92-84A8-7F1946A5CBEC}" srcOrd="0" destOrd="0" presId="urn:microsoft.com/office/officeart/2008/layout/LinedList"/>
-    <dgm:cxn modelId="{FF50DE8F-5E58-4704-82F5-C9834CF7851C}" type="presParOf" srcId="{E2F12383-5F29-4633-AFF3-AE791C129B81}" destId="{F32C1C80-59AF-49CF-823A-AE12A5BB3F7D}" srcOrd="1" destOrd="0" presId="urn:microsoft.com/office/officeart/2008/layout/LinedList"/>
-    <dgm:cxn modelId="{7F3BD20F-C4CE-436F-BDE8-06261E621668}" type="presParOf" srcId="{960791FF-B2E7-4060-A806-F79D86681F8A}" destId="{91931DEC-7C95-4D47-A8BB-BC08F7996AAC}" srcOrd="8" destOrd="0" presId="urn:microsoft.com/office/officeart/2008/layout/LinedList"/>
-    <dgm:cxn modelId="{BB17DC6C-ECEA-4AB8-8E86-13410E7BC323}" type="presParOf" srcId="{960791FF-B2E7-4060-A806-F79D86681F8A}" destId="{584C39C3-C50A-43E5-83CE-70B34F467822}" srcOrd="9" destOrd="0" presId="urn:microsoft.com/office/officeart/2008/layout/LinedList"/>
-    <dgm:cxn modelId="{212428C9-A68D-4D92-86A7-BCAB995180C8}" type="presParOf" srcId="{584C39C3-C50A-43E5-83CE-70B34F467822}" destId="{0E3844CB-AEEB-4B86-92DD-9C6B71FBB319}" srcOrd="0" destOrd="0" presId="urn:microsoft.com/office/officeart/2008/layout/LinedList"/>
-    <dgm:cxn modelId="{C9B27DF8-C0EF-49A9-A39D-0C45F7E257D0}" type="presParOf" srcId="{584C39C3-C50A-43E5-83CE-70B34F467822}" destId="{2284A88F-B62E-4CD7-8BD9-D2ABAB69F64D}" srcOrd="1" destOrd="0" presId="urn:microsoft.com/office/officeart/2008/layout/LinedList"/>
-    <dgm:cxn modelId="{6446BCE2-0303-4B7A-A744-DC20599155DA}" type="presParOf" srcId="{960791FF-B2E7-4060-A806-F79D86681F8A}" destId="{6F9C7078-87CD-490B-BBBA-1A58C763B844}" srcOrd="10" destOrd="0" presId="urn:microsoft.com/office/officeart/2008/layout/LinedList"/>
-    <dgm:cxn modelId="{DC487379-4821-42DF-957F-38696FC4A565}" type="presParOf" srcId="{960791FF-B2E7-4060-A806-F79D86681F8A}" destId="{66DD88ED-1D48-4455-999D-41EDBCFDA690}" srcOrd="11" destOrd="0" presId="urn:microsoft.com/office/officeart/2008/layout/LinedList"/>
-    <dgm:cxn modelId="{DDA2AC30-D459-4C6C-A503-90A5FA004FF0}" type="presParOf" srcId="{66DD88ED-1D48-4455-999D-41EDBCFDA690}" destId="{3AB7E87C-F47C-43C2-93F1-1A56F672BE38}" srcOrd="0" destOrd="0" presId="urn:microsoft.com/office/officeart/2008/layout/LinedList"/>
-    <dgm:cxn modelId="{ECD5C10F-88CD-43AF-9A92-27C2BC11D2A7}" type="presParOf" srcId="{66DD88ED-1D48-4455-999D-41EDBCFDA690}" destId="{ED9F9711-A162-4E22-8B2B-59C892A19FD0}" srcOrd="1" destOrd="0" presId="urn:microsoft.com/office/officeart/2008/layout/LinedList"/>
+    <dgm:cxn modelId="{75A43B8D-5D35-466B-8377-B50E720A0C49}" type="presParOf" srcId="{3F336209-9950-4D7E-B8A6-7B3798875349}" destId="{88ADCCC5-A000-4E9D-B143-6A950BBA4978}" srcOrd="0" destOrd="0" presId="urn:microsoft.com/office/officeart/2018/2/layout/IconVerticalSolidList"/>
+    <dgm:cxn modelId="{791C087F-20A1-4B1C-BA5C-445B3E2B5372}" type="presParOf" srcId="{88ADCCC5-A000-4E9D-B143-6A950BBA4978}" destId="{288D4385-5B66-426E-AF46-8F662BC8C8C8}" srcOrd="0" destOrd="0" presId="urn:microsoft.com/office/officeart/2018/2/layout/IconVerticalSolidList"/>
+    <dgm:cxn modelId="{316DF304-313B-4676-910C-B59BCF8BB034}" type="presParOf" srcId="{88ADCCC5-A000-4E9D-B143-6A950BBA4978}" destId="{0A975396-3109-4221-A7EF-BD4BA4B62BB6}" srcOrd="1" destOrd="0" presId="urn:microsoft.com/office/officeart/2018/2/layout/IconVerticalSolidList"/>
+    <dgm:cxn modelId="{385FCC68-473B-4DCE-84C3-9DD3043DEF92}" type="presParOf" srcId="{88ADCCC5-A000-4E9D-B143-6A950BBA4978}" destId="{13A13B6A-1CBD-43F9-8EAE-4728178E3137}" srcOrd="2" destOrd="0" presId="urn:microsoft.com/office/officeart/2018/2/layout/IconVerticalSolidList"/>
+    <dgm:cxn modelId="{A78A3C0D-35EA-47A7-9EA4-52C76CEC50DE}" type="presParOf" srcId="{88ADCCC5-A000-4E9D-B143-6A950BBA4978}" destId="{215A75C4-8B0F-4533-8734-7ACC9FAA8E02}" srcOrd="3" destOrd="0" presId="urn:microsoft.com/office/officeart/2018/2/layout/IconVerticalSolidList"/>
+    <dgm:cxn modelId="{FA566345-1052-4608-AB97-74811815BBDC}" type="presParOf" srcId="{3F336209-9950-4D7E-B8A6-7B3798875349}" destId="{78716B5B-C5F3-4A33-8BAD-0683955DFE12}" srcOrd="1" destOrd="0" presId="urn:microsoft.com/office/officeart/2018/2/layout/IconVerticalSolidList"/>
+    <dgm:cxn modelId="{3F8247DB-669C-4322-8FA7-07685208B259}" type="presParOf" srcId="{3F336209-9950-4D7E-B8A6-7B3798875349}" destId="{ABE392F5-4C94-47ED-969B-E1C340FF97B6}" srcOrd="2" destOrd="0" presId="urn:microsoft.com/office/officeart/2018/2/layout/IconVerticalSolidList"/>
+    <dgm:cxn modelId="{86A9D7ED-14DD-43DB-8B3D-7E429B67170D}" type="presParOf" srcId="{ABE392F5-4C94-47ED-969B-E1C340FF97B6}" destId="{3953D04F-EBE8-4C79-B466-7594596CC3EF}" srcOrd="0" destOrd="0" presId="urn:microsoft.com/office/officeart/2018/2/layout/IconVerticalSolidList"/>
+    <dgm:cxn modelId="{85F43AA7-CB93-4E09-8C84-E4F7A49A624F}" type="presParOf" srcId="{ABE392F5-4C94-47ED-969B-E1C340FF97B6}" destId="{6B8970BF-7003-442A-A8BD-2457FE6895AF}" srcOrd="1" destOrd="0" presId="urn:microsoft.com/office/officeart/2018/2/layout/IconVerticalSolidList"/>
+    <dgm:cxn modelId="{4A2D2088-791D-49E6-B33A-CDB9C9ADEC70}" type="presParOf" srcId="{ABE392F5-4C94-47ED-969B-E1C340FF97B6}" destId="{5B90A6C6-9DA4-4EE5-AD4F-0BD3A0C8CF17}" srcOrd="2" destOrd="0" presId="urn:microsoft.com/office/officeart/2018/2/layout/IconVerticalSolidList"/>
+    <dgm:cxn modelId="{796AA9B6-F26C-45D5-824C-36634A10B315}" type="presParOf" srcId="{ABE392F5-4C94-47ED-969B-E1C340FF97B6}" destId="{07AF1C6A-207A-4B37-9235-3C762694CA88}" srcOrd="3" destOrd="0" presId="urn:microsoft.com/office/officeart/2018/2/layout/IconVerticalSolidList"/>
+    <dgm:cxn modelId="{5938EA03-D31B-460A-8915-59F32E09CD77}" type="presParOf" srcId="{3F336209-9950-4D7E-B8A6-7B3798875349}" destId="{82C13963-8FB1-4710-A02B-91616CB1F6CB}" srcOrd="3" destOrd="0" presId="urn:microsoft.com/office/officeart/2018/2/layout/IconVerticalSolidList"/>
+    <dgm:cxn modelId="{8BD6E0F3-32CE-44B5-BBD9-364E1A8DAAAD}" type="presParOf" srcId="{3F336209-9950-4D7E-B8A6-7B3798875349}" destId="{DA2C910E-D248-4A6F-B466-4C364EB19410}" srcOrd="4" destOrd="0" presId="urn:microsoft.com/office/officeart/2018/2/layout/IconVerticalSolidList"/>
+    <dgm:cxn modelId="{37808C95-CDED-4646-9D2C-B678A8EFACDC}" type="presParOf" srcId="{DA2C910E-D248-4A6F-B466-4C364EB19410}" destId="{7F362C24-5AB4-4C60-9F1A-AB9230CCF977}" srcOrd="0" destOrd="0" presId="urn:microsoft.com/office/officeart/2018/2/layout/IconVerticalSolidList"/>
+    <dgm:cxn modelId="{03EA16D6-882E-488D-B18B-FD5F42E6B779}" type="presParOf" srcId="{DA2C910E-D248-4A6F-B466-4C364EB19410}" destId="{3692621A-72D9-4098-9060-949340A4B3D8}" srcOrd="1" destOrd="0" presId="urn:microsoft.com/office/officeart/2018/2/layout/IconVerticalSolidList"/>
+    <dgm:cxn modelId="{2B92E59E-9520-4C4B-AA87-EFFB1AB965E3}" type="presParOf" srcId="{DA2C910E-D248-4A6F-B466-4C364EB19410}" destId="{7C058E8E-C2EA-48C4-9A13-05759ACAA797}" srcOrd="2" destOrd="0" presId="urn:microsoft.com/office/officeart/2018/2/layout/IconVerticalSolidList"/>
+    <dgm:cxn modelId="{92F6E9E8-1B1B-48D3-B85F-FAA0DB825A98}" type="presParOf" srcId="{DA2C910E-D248-4A6F-B466-4C364EB19410}" destId="{CE0F8E8F-C429-4894-B8F9-0E4AB1232691}" srcOrd="3" destOrd="0" presId="urn:microsoft.com/office/officeart/2018/2/layout/IconVerticalSolidList"/>
+    <dgm:cxn modelId="{65ECAE56-DE57-43E0-90D1-1CE4BF8AE0FA}" type="presParOf" srcId="{3F336209-9950-4D7E-B8A6-7B3798875349}" destId="{6859EBF6-4DC5-43A2-85E9-3D67F539945C}" srcOrd="5" destOrd="0" presId="urn:microsoft.com/office/officeart/2018/2/layout/IconVerticalSolidList"/>
+    <dgm:cxn modelId="{86215DC7-518C-498F-B0B7-B17692A95F0F}" type="presParOf" srcId="{3F336209-9950-4D7E-B8A6-7B3798875349}" destId="{2508F535-00EE-4FB6-8078-65FFD3009A61}" srcOrd="6" destOrd="0" presId="urn:microsoft.com/office/officeart/2018/2/layout/IconVerticalSolidList"/>
+    <dgm:cxn modelId="{5D1ACFFB-FC49-4D3A-A19E-54AA2A5C20C8}" type="presParOf" srcId="{2508F535-00EE-4FB6-8078-65FFD3009A61}" destId="{B30D4D85-3095-488F-8DDE-16E9CF6E639E}" srcOrd="0" destOrd="0" presId="urn:microsoft.com/office/officeart/2018/2/layout/IconVerticalSolidList"/>
+    <dgm:cxn modelId="{4DF3EE46-8383-4E87-87BC-8F5C5357B935}" type="presParOf" srcId="{2508F535-00EE-4FB6-8078-65FFD3009A61}" destId="{3359541D-515A-4A20-9E6D-1766987E6F35}" srcOrd="1" destOrd="0" presId="urn:microsoft.com/office/officeart/2018/2/layout/IconVerticalSolidList"/>
+    <dgm:cxn modelId="{75B68DB2-40E0-4D09-9B18-7DA4A4203A20}" type="presParOf" srcId="{2508F535-00EE-4FB6-8078-65FFD3009A61}" destId="{1F1B237C-5A01-44F0-B829-B691A39B479C}" srcOrd="2" destOrd="0" presId="urn:microsoft.com/office/officeart/2018/2/layout/IconVerticalSolidList"/>
+    <dgm:cxn modelId="{BD6A1FE8-889C-473F-BD00-048F017564D2}" type="presParOf" srcId="{2508F535-00EE-4FB6-8078-65FFD3009A61}" destId="{74192E35-0E14-4A2E-B511-9C8510F43FE5}" srcOrd="3" destOrd="0" presId="urn:microsoft.com/office/officeart/2018/2/layout/IconVerticalSolidList"/>
+    <dgm:cxn modelId="{F6BB099A-7CA8-481A-B71C-340CBD7FCAE1}" type="presParOf" srcId="{3F336209-9950-4D7E-B8A6-7B3798875349}" destId="{4DE2CE7A-8D16-4596-8AAD-288E7EDCBD19}" srcOrd="7" destOrd="0" presId="urn:microsoft.com/office/officeart/2018/2/layout/IconVerticalSolidList"/>
+    <dgm:cxn modelId="{933DE0D1-05A2-43D0-8716-56F933BC801D}" type="presParOf" srcId="{3F336209-9950-4D7E-B8A6-7B3798875349}" destId="{9D5F1DAE-31D6-4F0A-B774-90A465DA432D}" srcOrd="8" destOrd="0" presId="urn:microsoft.com/office/officeart/2018/2/layout/IconVerticalSolidList"/>
+    <dgm:cxn modelId="{7A79B5B8-6F8C-4E7F-A9B0-AC3CABB8ED26}" type="presParOf" srcId="{9D5F1DAE-31D6-4F0A-B774-90A465DA432D}" destId="{8628D8E3-5E12-46F0-84AA-C7599F8FB6F9}" srcOrd="0" destOrd="0" presId="urn:microsoft.com/office/officeart/2018/2/layout/IconVerticalSolidList"/>
+    <dgm:cxn modelId="{0D201640-AFD3-4450-A2C2-B7EC50698665}" type="presParOf" srcId="{9D5F1DAE-31D6-4F0A-B774-90A465DA432D}" destId="{8DD549FF-FFD5-43E8-90B0-144DDCD9146A}" srcOrd="1" destOrd="0" presId="urn:microsoft.com/office/officeart/2018/2/layout/IconVerticalSolidList"/>
+    <dgm:cxn modelId="{751952BE-922D-49BF-840D-D29B489B1CF5}" type="presParOf" srcId="{9D5F1DAE-31D6-4F0A-B774-90A465DA432D}" destId="{809A8D09-2240-4FCD-A882-E4D99E105E9A}" srcOrd="2" destOrd="0" presId="urn:microsoft.com/office/officeart/2018/2/layout/IconVerticalSolidList"/>
+    <dgm:cxn modelId="{AEECCD6F-5A43-4CD3-AA08-4E2F4424A721}" type="presParOf" srcId="{9D5F1DAE-31D6-4F0A-B774-90A465DA432D}" destId="{E955E49A-ABC1-4B27-BDD3-4D6D4EE5D189}" srcOrd="3" destOrd="0" presId="urn:microsoft.com/office/officeart/2018/2/layout/IconVerticalSolidList"/>
+    <dgm:cxn modelId="{DA50EDD0-2AC8-4407-A027-E437F5ECDABC}" type="presParOf" srcId="{3F336209-9950-4D7E-B8A6-7B3798875349}" destId="{6382A9AC-5374-430D-AFE3-82194353AB9C}" srcOrd="9" destOrd="0" presId="urn:microsoft.com/office/officeart/2018/2/layout/IconVerticalSolidList"/>
+    <dgm:cxn modelId="{8DD83E29-F5B5-4564-9E52-C83AA8DF1214}" type="presParOf" srcId="{3F336209-9950-4D7E-B8A6-7B3798875349}" destId="{C9CF6CBF-3612-48D8-9E9F-1899CDD4DA85}" srcOrd="10" destOrd="0" presId="urn:microsoft.com/office/officeart/2018/2/layout/IconVerticalSolidList"/>
+    <dgm:cxn modelId="{D52A8578-C404-4EA3-9ED9-543030416437}" type="presParOf" srcId="{C9CF6CBF-3612-48D8-9E9F-1899CDD4DA85}" destId="{FEF804D0-7AEE-4A2A-AE65-9EF95A0E61E8}" srcOrd="0" destOrd="0" presId="urn:microsoft.com/office/officeart/2018/2/layout/IconVerticalSolidList"/>
+    <dgm:cxn modelId="{7E799E79-6847-481A-BE76-983BE9173BDE}" type="presParOf" srcId="{C9CF6CBF-3612-48D8-9E9F-1899CDD4DA85}" destId="{F1300044-3FD0-49D6-A833-D2DC43622482}" srcOrd="1" destOrd="0" presId="urn:microsoft.com/office/officeart/2018/2/layout/IconVerticalSolidList"/>
+    <dgm:cxn modelId="{5FBFFB56-66E5-47CF-B6A5-6A75CA86EA44}" type="presParOf" srcId="{C9CF6CBF-3612-48D8-9E9F-1899CDD4DA85}" destId="{B73761B8-BFDD-4626-BE42-39F8DA42EB64}" srcOrd="2" destOrd="0" presId="urn:microsoft.com/office/officeart/2018/2/layout/IconVerticalSolidList"/>
+    <dgm:cxn modelId="{97D5AEDB-6A90-4712-81F9-C589797B1E08}" type="presParOf" srcId="{C9CF6CBF-3612-48D8-9E9F-1899CDD4DA85}" destId="{8B616A8F-64B4-4B26-9752-44577985C435}" srcOrd="3" destOrd="0" presId="urn:microsoft.com/office/officeart/2018/2/layout/IconVerticalSolidList"/>
   </dgm:cxnLst>
   <dgm:bg/>
   <dgm:whole/>
@@ -1490,36 +1716,78 @@
       <dsp:cNvGrpSpPr/>
     </dsp:nvGrpSpPr>
     <dsp:grpSpPr/>
-    <dsp:sp modelId="{6E38C70D-CAB3-4483-AB56-0BCA276EF7AB}">
+    <dsp:sp modelId="{288D4385-5B66-426E-AF46-8F662BC8C8C8}">
       <dsp:nvSpPr>
         <dsp:cNvPr id="0" name=""/>
         <dsp:cNvSpPr/>
       </dsp:nvSpPr>
       <dsp:spPr>
         <a:xfrm>
-          <a:off x="0" y="2492"/>
-          <a:ext cx="6492875" cy="0"/>
+          <a:off x="0" y="5663"/>
+          <a:ext cx="6513603" cy="765861"/>
         </a:xfrm>
-        <a:prstGeom prst="line">
-          <a:avLst/>
+        <a:prstGeom prst="roundRect">
+          <a:avLst>
+            <a:gd name="adj" fmla="val 10000"/>
+          </a:avLst>
         </a:prstGeom>
         <a:solidFill>
-          <a:schemeClr val="accent2">
+          <a:schemeClr val="bg1">
+            <a:lumMod val="95000"/>
             <a:hueOff val="0"/>
             <a:satOff val="0"/>
             <a:lumOff val="0"/>
             <a:alphaOff val="0"/>
           </a:schemeClr>
         </a:solidFill>
+        <a:ln>
+          <a:noFill/>
+        </a:ln>
+        <a:effectLst/>
+      </dsp:spPr>
+      <dsp:style>
+        <a:lnRef idx="0">
+          <a:scrgbClr r="0" g="0" b="0"/>
+        </a:lnRef>
+        <a:fillRef idx="1">
+          <a:scrgbClr r="0" g="0" b="0"/>
+        </a:fillRef>
+        <a:effectRef idx="0">
+          <a:scrgbClr r="0" g="0" b="0"/>
+        </a:effectRef>
+        <a:fontRef idx="minor"/>
+      </dsp:style>
+    </dsp:sp>
+    <dsp:sp modelId="{0A975396-3109-4221-A7EF-BD4BA4B62BB6}">
+      <dsp:nvSpPr>
+        <dsp:cNvPr id="0" name=""/>
+        <dsp:cNvSpPr/>
+      </dsp:nvSpPr>
+      <dsp:spPr>
+        <a:xfrm>
+          <a:off x="231673" y="177982"/>
+          <a:ext cx="421635" cy="421223"/>
+        </a:xfrm>
+        <a:prstGeom prst="rect">
+          <a:avLst/>
+        </a:prstGeom>
+        <a:blipFill>
+          <a:blip xmlns:r="http://schemas.openxmlformats.org/officeDocument/2006/relationships" r:embed="rId1">
+            <a:extLst>
+              <a:ext uri="{28A0092B-C50C-407E-A947-70E740481C1C}">
+                <a14:useLocalDpi xmlns:a14="http://schemas.microsoft.com/office/drawing/2010/main" val="0"/>
+              </a:ext>
+              <a:ext uri="{96DAC541-7B7A-43D3-8B79-37D633B846F1}">
+                <asvg:svgBlip xmlns:asvg="http://schemas.microsoft.com/office/drawing/2016/SVG/main" r:embed="rId2"/>
+              </a:ext>
+            </a:extLst>
+          </a:blip>
+          <a:stretch>
+            <a:fillRect/>
+          </a:stretch>
+        </a:blipFill>
         <a:ln w="12700" cap="flat" cmpd="sng" algn="ctr">
-          <a:solidFill>
-            <a:schemeClr val="accent2">
-              <a:hueOff val="0"/>
-              <a:satOff val="0"/>
-              <a:lumOff val="0"/>
-              <a:alphaOff val="0"/>
-            </a:schemeClr>
-          </a:solidFill>
+          <a:noFill/>
           <a:prstDash val="solid"/>
           <a:miter lim="800000"/>
         </a:ln>
@@ -1540,15 +1808,15 @@
         </a:fontRef>
       </dsp:style>
     </dsp:sp>
-    <dsp:sp modelId="{88AFA738-5C80-485F-BBAC-8C8A31047567}">
+    <dsp:sp modelId="{215A75C4-8B0F-4533-8734-7ACC9FAA8E02}">
       <dsp:nvSpPr>
         <dsp:cNvPr id="0" name=""/>
         <dsp:cNvSpPr/>
       </dsp:nvSpPr>
       <dsp:spPr>
         <a:xfrm>
-          <a:off x="0" y="2492"/>
-          <a:ext cx="6492875" cy="850069"/>
+          <a:off x="884981" y="5663"/>
+          <a:ext cx="5048362" cy="814475"/>
         </a:xfrm>
         <a:prstGeom prst="rect">
           <a:avLst/>
@@ -1572,12 +1840,12 @@
         <a:fontRef idx="minor"/>
       </dsp:style>
       <dsp:txBody>
-        <a:bodyPr spcFirstLastPara="0" vert="horz" wrap="square" lIns="57150" tIns="57150" rIns="57150" bIns="57150" numCol="1" spcCol="1270" anchor="t" anchorCtr="0">
+        <a:bodyPr spcFirstLastPara="0" vert="horz" wrap="square" lIns="86199" tIns="86199" rIns="86199" bIns="86199" numCol="1" spcCol="1270" anchor="ctr" anchorCtr="0">
           <a:noAutofit/>
         </a:bodyPr>
         <a:lstStyle/>
         <a:p>
-          <a:pPr marL="0" lvl="0" indent="0" algn="l" defTabSz="666750">
+          <a:pPr marL="0" lvl="0" indent="0" algn="l" defTabSz="622300">
             <a:lnSpc>
               <a:spcPct val="100000"/>
             </a:lnSpc>
@@ -1588,59 +1856,100 @@
               <a:spcPct val="35000"/>
             </a:spcAft>
             <a:buNone/>
-            <a:defRPr cap="all"/>
           </a:pPr>
           <a:r>
-            <a:rPr lang="en-US" sz="1500" kern="1200" dirty="0"/>
+            <a:rPr lang="en-US" sz="1400" kern="1200"/>
             <a:t>AlphaGo Zero – watching 24-hours and self-play superhuman levels in Go and Chess. </a:t>
           </a:r>
           <a:r>
-            <a:rPr lang="en-US" sz="1500" kern="1200" dirty="0">
-              <a:hlinkClick xmlns:r="http://schemas.openxmlformats.org/officeDocument/2006/relationships" r:id="rId1"/>
+            <a:rPr lang="en-US" sz="1400" kern="1200">
+              <a:hlinkClick xmlns:r="http://schemas.openxmlformats.org/officeDocument/2006/relationships" r:id="rId3"/>
             </a:rPr>
             <a:t>https://arxiv.org/pdf/1712.01815.pdf</a:t>
           </a:r>
           <a:r>
-            <a:rPr lang="en-US" sz="1500" kern="1200" dirty="0"/>
+            <a:rPr lang="en-US" sz="1400" kern="1200"/>
             <a:t> </a:t>
           </a:r>
         </a:p>
       </dsp:txBody>
       <dsp:txXfrm>
-        <a:off x="0" y="2492"/>
-        <a:ext cx="6492875" cy="850069"/>
+        <a:off x="884981" y="5663"/>
+        <a:ext cx="5048362" cy="814475"/>
       </dsp:txXfrm>
     </dsp:sp>
-    <dsp:sp modelId="{3A124133-28A2-4F29-A3E5-A2BAB2C66953}">
+    <dsp:sp modelId="{3953D04F-EBE8-4C79-B466-7594596CC3EF}">
       <dsp:nvSpPr>
         <dsp:cNvPr id="0" name=""/>
         <dsp:cNvSpPr/>
       </dsp:nvSpPr>
       <dsp:spPr>
         <a:xfrm>
-          <a:off x="0" y="852561"/>
-          <a:ext cx="6492875" cy="0"/>
+          <a:off x="0" y="1017588"/>
+          <a:ext cx="6513603" cy="765861"/>
         </a:xfrm>
-        <a:prstGeom prst="line">
-          <a:avLst/>
+        <a:prstGeom prst="roundRect">
+          <a:avLst>
+            <a:gd name="adj" fmla="val 10000"/>
+          </a:avLst>
         </a:prstGeom>
         <a:solidFill>
-          <a:schemeClr val="accent3">
+          <a:schemeClr val="bg1">
+            <a:lumMod val="95000"/>
             <a:hueOff val="0"/>
             <a:satOff val="0"/>
             <a:lumOff val="0"/>
             <a:alphaOff val="0"/>
           </a:schemeClr>
         </a:solidFill>
+        <a:ln>
+          <a:noFill/>
+        </a:ln>
+        <a:effectLst/>
+      </dsp:spPr>
+      <dsp:style>
+        <a:lnRef idx="0">
+          <a:scrgbClr r="0" g="0" b="0"/>
+        </a:lnRef>
+        <a:fillRef idx="1">
+          <a:scrgbClr r="0" g="0" b="0"/>
+        </a:fillRef>
+        <a:effectRef idx="0">
+          <a:scrgbClr r="0" g="0" b="0"/>
+        </a:effectRef>
+        <a:fontRef idx="minor"/>
+      </dsp:style>
+    </dsp:sp>
+    <dsp:sp modelId="{6B8970BF-7003-442A-A8BD-2457FE6895AF}">
+      <dsp:nvSpPr>
+        <dsp:cNvPr id="0" name=""/>
+        <dsp:cNvSpPr/>
+      </dsp:nvSpPr>
+      <dsp:spPr>
+        <a:xfrm>
+          <a:off x="231673" y="1189907"/>
+          <a:ext cx="421635" cy="421223"/>
+        </a:xfrm>
+        <a:prstGeom prst="rect">
+          <a:avLst/>
+        </a:prstGeom>
+        <a:blipFill>
+          <a:blip xmlns:r="http://schemas.openxmlformats.org/officeDocument/2006/relationships" r:embed="rId4">
+            <a:extLst>
+              <a:ext uri="{28A0092B-C50C-407E-A947-70E740481C1C}">
+                <a14:useLocalDpi xmlns:a14="http://schemas.microsoft.com/office/drawing/2010/main" val="0"/>
+              </a:ext>
+              <a:ext uri="{96DAC541-7B7A-43D3-8B79-37D633B846F1}">
+                <asvg:svgBlip xmlns:asvg="http://schemas.microsoft.com/office/drawing/2016/SVG/main" r:embed="rId5"/>
+              </a:ext>
+            </a:extLst>
+          </a:blip>
+          <a:stretch>
+            <a:fillRect/>
+          </a:stretch>
+        </a:blipFill>
         <a:ln w="12700" cap="flat" cmpd="sng" algn="ctr">
-          <a:solidFill>
-            <a:schemeClr val="accent3">
-              <a:hueOff val="0"/>
-              <a:satOff val="0"/>
-              <a:lumOff val="0"/>
-              <a:alphaOff val="0"/>
-            </a:schemeClr>
-          </a:solidFill>
+          <a:noFill/>
           <a:prstDash val="solid"/>
           <a:miter lim="800000"/>
         </a:ln>
@@ -1661,15 +1970,15 @@
         </a:fontRef>
       </dsp:style>
     </dsp:sp>
-    <dsp:sp modelId="{F7C5996F-CB98-444F-98FC-186B0B3467D2}">
+    <dsp:sp modelId="{07AF1C6A-207A-4B37-9235-3C762694CA88}">
       <dsp:nvSpPr>
         <dsp:cNvPr id="0" name=""/>
         <dsp:cNvSpPr/>
       </dsp:nvSpPr>
       <dsp:spPr>
         <a:xfrm>
-          <a:off x="0" y="852561"/>
-          <a:ext cx="6492875" cy="850069"/>
+          <a:off x="884981" y="1017588"/>
+          <a:ext cx="5048362" cy="814475"/>
         </a:xfrm>
         <a:prstGeom prst="rect">
           <a:avLst/>
@@ -1693,12 +2002,12 @@
         <a:fontRef idx="minor"/>
       </dsp:style>
       <dsp:txBody>
-        <a:bodyPr spcFirstLastPara="0" vert="horz" wrap="square" lIns="57150" tIns="57150" rIns="57150" bIns="57150" numCol="1" spcCol="1270" anchor="t" anchorCtr="0">
+        <a:bodyPr spcFirstLastPara="0" vert="horz" wrap="square" lIns="86199" tIns="86199" rIns="86199" bIns="86199" numCol="1" spcCol="1270" anchor="ctr" anchorCtr="0">
           <a:noAutofit/>
         </a:bodyPr>
         <a:lstStyle/>
         <a:p>
-          <a:pPr marL="0" lvl="0" indent="0" algn="l" defTabSz="666750">
+          <a:pPr marL="0" lvl="0" indent="0" algn="l" defTabSz="622300">
             <a:lnSpc>
               <a:spcPct val="100000"/>
             </a:lnSpc>
@@ -1709,49 +2018,90 @@
               <a:spcPct val="35000"/>
             </a:spcAft>
             <a:buNone/>
-            <a:defRPr cap="all"/>
           </a:pPr>
           <a:r>
-            <a:rPr lang="en-US" sz="1500" kern="1200"/>
+            <a:rPr lang="en-US" sz="1400" kern="1200"/>
             <a:t>Watson Daily-Double wagering strategy</a:t>
           </a:r>
         </a:p>
       </dsp:txBody>
       <dsp:txXfrm>
-        <a:off x="0" y="852561"/>
-        <a:ext cx="6492875" cy="850069"/>
+        <a:off x="884981" y="1017588"/>
+        <a:ext cx="5048362" cy="814475"/>
       </dsp:txXfrm>
     </dsp:sp>
-    <dsp:sp modelId="{2F91E448-4C38-47B8-A2C1-54FC40375054}">
+    <dsp:sp modelId="{7F362C24-5AB4-4C60-9F1A-AB9230CCF977}">
       <dsp:nvSpPr>
         <dsp:cNvPr id="0" name=""/>
         <dsp:cNvSpPr/>
       </dsp:nvSpPr>
       <dsp:spPr>
         <a:xfrm>
-          <a:off x="0" y="1702630"/>
-          <a:ext cx="6492875" cy="0"/>
+          <a:off x="0" y="2029512"/>
+          <a:ext cx="6513603" cy="765861"/>
         </a:xfrm>
-        <a:prstGeom prst="line">
-          <a:avLst/>
+        <a:prstGeom prst="roundRect">
+          <a:avLst>
+            <a:gd name="adj" fmla="val 10000"/>
+          </a:avLst>
         </a:prstGeom>
         <a:solidFill>
-          <a:schemeClr val="accent4">
+          <a:schemeClr val="bg1">
+            <a:lumMod val="95000"/>
             <a:hueOff val="0"/>
             <a:satOff val="0"/>
             <a:lumOff val="0"/>
             <a:alphaOff val="0"/>
           </a:schemeClr>
         </a:solidFill>
+        <a:ln>
+          <a:noFill/>
+        </a:ln>
+        <a:effectLst/>
+      </dsp:spPr>
+      <dsp:style>
+        <a:lnRef idx="0">
+          <a:scrgbClr r="0" g="0" b="0"/>
+        </a:lnRef>
+        <a:fillRef idx="1">
+          <a:scrgbClr r="0" g="0" b="0"/>
+        </a:fillRef>
+        <a:effectRef idx="0">
+          <a:scrgbClr r="0" g="0" b="0"/>
+        </a:effectRef>
+        <a:fontRef idx="minor"/>
+      </dsp:style>
+    </dsp:sp>
+    <dsp:sp modelId="{3692621A-72D9-4098-9060-949340A4B3D8}">
+      <dsp:nvSpPr>
+        <dsp:cNvPr id="0" name=""/>
+        <dsp:cNvSpPr/>
+      </dsp:nvSpPr>
+      <dsp:spPr>
+        <a:xfrm>
+          <a:off x="231673" y="2201831"/>
+          <a:ext cx="421635" cy="421223"/>
+        </a:xfrm>
+        <a:prstGeom prst="rect">
+          <a:avLst/>
+        </a:prstGeom>
+        <a:blipFill>
+          <a:blip xmlns:r="http://schemas.openxmlformats.org/officeDocument/2006/relationships" r:embed="rId6">
+            <a:extLst>
+              <a:ext uri="{28A0092B-C50C-407E-A947-70E740481C1C}">
+                <a14:useLocalDpi xmlns:a14="http://schemas.microsoft.com/office/drawing/2010/main" val="0"/>
+              </a:ext>
+              <a:ext uri="{96DAC541-7B7A-43D3-8B79-37D633B846F1}">
+                <asvg:svgBlip xmlns:asvg="http://schemas.microsoft.com/office/drawing/2016/SVG/main" r:embed="rId7"/>
+              </a:ext>
+            </a:extLst>
+          </a:blip>
+          <a:stretch>
+            <a:fillRect/>
+          </a:stretch>
+        </a:blipFill>
         <a:ln w="12700" cap="flat" cmpd="sng" algn="ctr">
-          <a:solidFill>
-            <a:schemeClr val="accent4">
-              <a:hueOff val="0"/>
-              <a:satOff val="0"/>
-              <a:lumOff val="0"/>
-              <a:alphaOff val="0"/>
-            </a:schemeClr>
-          </a:solidFill>
+          <a:noFill/>
           <a:prstDash val="solid"/>
           <a:miter lim="800000"/>
         </a:ln>
@@ -1772,15 +2122,15 @@
         </a:fontRef>
       </dsp:style>
     </dsp:sp>
-    <dsp:sp modelId="{34D9E813-09CE-4980-83FF-0CE35D5DBC1A}">
+    <dsp:sp modelId="{CE0F8E8F-C429-4894-B8F9-0E4AB1232691}">
       <dsp:nvSpPr>
         <dsp:cNvPr id="0" name=""/>
         <dsp:cNvSpPr/>
       </dsp:nvSpPr>
       <dsp:spPr>
         <a:xfrm>
-          <a:off x="0" y="1702630"/>
-          <a:ext cx="6492875" cy="850069"/>
+          <a:off x="884981" y="2029512"/>
+          <a:ext cx="5048362" cy="814475"/>
         </a:xfrm>
         <a:prstGeom prst="rect">
           <a:avLst/>
@@ -1804,12 +2154,12 @@
         <a:fontRef idx="minor"/>
       </dsp:style>
       <dsp:txBody>
-        <a:bodyPr spcFirstLastPara="0" vert="horz" wrap="square" lIns="57150" tIns="57150" rIns="57150" bIns="57150" numCol="1" spcCol="1270" anchor="t" anchorCtr="0">
+        <a:bodyPr spcFirstLastPara="0" vert="horz" wrap="square" lIns="86199" tIns="86199" rIns="86199" bIns="86199" numCol="1" spcCol="1270" anchor="ctr" anchorCtr="0">
           <a:noAutofit/>
         </a:bodyPr>
         <a:lstStyle/>
         <a:p>
-          <a:pPr marL="0" lvl="0" indent="0" algn="l" defTabSz="666750">
+          <a:pPr marL="0" lvl="0" indent="0" algn="l" defTabSz="622300">
             <a:lnSpc>
               <a:spcPct val="100000"/>
             </a:lnSpc>
@@ -1820,49 +2170,90 @@
               <a:spcPct val="35000"/>
             </a:spcAft>
             <a:buNone/>
-            <a:defRPr cap="all"/>
           </a:pPr>
           <a:r>
-            <a:rPr lang="en-US" sz="1500" kern="1200"/>
+            <a:rPr lang="en-US" sz="1400" kern="1200"/>
             <a:t>Backgammon player – Tesauro ’92</a:t>
           </a:r>
         </a:p>
       </dsp:txBody>
       <dsp:txXfrm>
-        <a:off x="0" y="1702630"/>
-        <a:ext cx="6492875" cy="850069"/>
+        <a:off x="884981" y="2029512"/>
+        <a:ext cx="5048362" cy="814475"/>
       </dsp:txXfrm>
     </dsp:sp>
-    <dsp:sp modelId="{FC5B220F-5E49-4B5F-98AB-AF62C2B03622}">
+    <dsp:sp modelId="{B30D4D85-3095-488F-8DDE-16E9CF6E639E}">
       <dsp:nvSpPr>
         <dsp:cNvPr id="0" name=""/>
         <dsp:cNvSpPr/>
       </dsp:nvSpPr>
       <dsp:spPr>
         <a:xfrm>
-          <a:off x="0" y="2552699"/>
-          <a:ext cx="6492875" cy="0"/>
+          <a:off x="0" y="3041437"/>
+          <a:ext cx="6513603" cy="765861"/>
         </a:xfrm>
-        <a:prstGeom prst="line">
-          <a:avLst/>
+        <a:prstGeom prst="roundRect">
+          <a:avLst>
+            <a:gd name="adj" fmla="val 10000"/>
+          </a:avLst>
         </a:prstGeom>
         <a:solidFill>
-          <a:schemeClr val="accent5">
+          <a:schemeClr val="bg1">
+            <a:lumMod val="95000"/>
             <a:hueOff val="0"/>
             <a:satOff val="0"/>
             <a:lumOff val="0"/>
             <a:alphaOff val="0"/>
           </a:schemeClr>
         </a:solidFill>
+        <a:ln>
+          <a:noFill/>
+        </a:ln>
+        <a:effectLst/>
+      </dsp:spPr>
+      <dsp:style>
+        <a:lnRef idx="0">
+          <a:scrgbClr r="0" g="0" b="0"/>
+        </a:lnRef>
+        <a:fillRef idx="1">
+          <a:scrgbClr r="0" g="0" b="0"/>
+        </a:fillRef>
+        <a:effectRef idx="0">
+          <a:scrgbClr r="0" g="0" b="0"/>
+        </a:effectRef>
+        <a:fontRef idx="minor"/>
+      </dsp:style>
+    </dsp:sp>
+    <dsp:sp modelId="{3359541D-515A-4A20-9E6D-1766987E6F35}">
+      <dsp:nvSpPr>
+        <dsp:cNvPr id="0" name=""/>
+        <dsp:cNvSpPr/>
+      </dsp:nvSpPr>
+      <dsp:spPr>
+        <a:xfrm>
+          <a:off x="231673" y="3213756"/>
+          <a:ext cx="421635" cy="421223"/>
+        </a:xfrm>
+        <a:prstGeom prst="rect">
+          <a:avLst/>
+        </a:prstGeom>
+        <a:blipFill>
+          <a:blip xmlns:r="http://schemas.openxmlformats.org/officeDocument/2006/relationships" r:embed="rId8">
+            <a:extLst>
+              <a:ext uri="{28A0092B-C50C-407E-A947-70E740481C1C}">
+                <a14:useLocalDpi xmlns:a14="http://schemas.microsoft.com/office/drawing/2010/main" val="0"/>
+              </a:ext>
+              <a:ext uri="{96DAC541-7B7A-43D3-8B79-37D633B846F1}">
+                <asvg:svgBlip xmlns:asvg="http://schemas.microsoft.com/office/drawing/2016/SVG/main" r:embed="rId9"/>
+              </a:ext>
+            </a:extLst>
+          </a:blip>
+          <a:stretch>
+            <a:fillRect/>
+          </a:stretch>
+        </a:blipFill>
         <a:ln w="12700" cap="flat" cmpd="sng" algn="ctr">
-          <a:solidFill>
-            <a:schemeClr val="accent5">
-              <a:hueOff val="0"/>
-              <a:satOff val="0"/>
-              <a:lumOff val="0"/>
-              <a:alphaOff val="0"/>
-            </a:schemeClr>
-          </a:solidFill>
+          <a:noFill/>
           <a:prstDash val="solid"/>
           <a:miter lim="800000"/>
         </a:ln>
@@ -1883,15 +2274,15 @@
         </a:fontRef>
       </dsp:style>
     </dsp:sp>
-    <dsp:sp modelId="{DBE94B1F-F633-4D92-84A8-7F1946A5CBEC}">
+    <dsp:sp modelId="{74192E35-0E14-4A2E-B511-9C8510F43FE5}">
       <dsp:nvSpPr>
         <dsp:cNvPr id="0" name=""/>
         <dsp:cNvSpPr/>
       </dsp:nvSpPr>
       <dsp:spPr>
         <a:xfrm>
-          <a:off x="0" y="2552699"/>
-          <a:ext cx="6492875" cy="850069"/>
+          <a:off x="884981" y="3041437"/>
+          <a:ext cx="5048362" cy="814475"/>
         </a:xfrm>
         <a:prstGeom prst="rect">
           <a:avLst/>
@@ -1915,12 +2306,12 @@
         <a:fontRef idx="minor"/>
       </dsp:style>
       <dsp:txBody>
-        <a:bodyPr spcFirstLastPara="0" vert="horz" wrap="square" lIns="57150" tIns="57150" rIns="57150" bIns="57150" numCol="1" spcCol="1270" anchor="t" anchorCtr="0">
+        <a:bodyPr spcFirstLastPara="0" vert="horz" wrap="square" lIns="86199" tIns="86199" rIns="86199" bIns="86199" numCol="1" spcCol="1270" anchor="ctr" anchorCtr="0">
           <a:noAutofit/>
         </a:bodyPr>
         <a:lstStyle/>
         <a:p>
-          <a:pPr marL="0" lvl="0" indent="0" algn="l" defTabSz="666750">
+          <a:pPr marL="0" lvl="0" indent="0" algn="l" defTabSz="622300">
             <a:lnSpc>
               <a:spcPct val="100000"/>
             </a:lnSpc>
@@ -1931,49 +2322,90 @@
               <a:spcPct val="35000"/>
             </a:spcAft>
             <a:buNone/>
-            <a:defRPr cap="all"/>
           </a:pPr>
           <a:r>
-            <a:rPr lang="en-US" sz="1500" kern="1200"/>
+            <a:rPr lang="en-US" sz="1400" kern="1200"/>
             <a:t>Personalized web services – maximize total clicks over repeated visits to a website. Formulated as an RL problem of guiding user down a ‘sales funnel’. Theocharous et al. 2015 at Adobe.</a:t>
           </a:r>
         </a:p>
       </dsp:txBody>
       <dsp:txXfrm>
-        <a:off x="0" y="2552699"/>
-        <a:ext cx="6492875" cy="850069"/>
+        <a:off x="884981" y="3041437"/>
+        <a:ext cx="5048362" cy="814475"/>
       </dsp:txXfrm>
     </dsp:sp>
-    <dsp:sp modelId="{91931DEC-7C95-4D47-A8BB-BC08F7996AAC}">
+    <dsp:sp modelId="{8628D8E3-5E12-46F0-84AA-C7599F8FB6F9}">
       <dsp:nvSpPr>
         <dsp:cNvPr id="0" name=""/>
         <dsp:cNvSpPr/>
       </dsp:nvSpPr>
       <dsp:spPr>
         <a:xfrm>
-          <a:off x="0" y="3402769"/>
-          <a:ext cx="6492875" cy="0"/>
+          <a:off x="0" y="4053361"/>
+          <a:ext cx="6513603" cy="765861"/>
         </a:xfrm>
-        <a:prstGeom prst="line">
-          <a:avLst/>
+        <a:prstGeom prst="roundRect">
+          <a:avLst>
+            <a:gd name="adj" fmla="val 10000"/>
+          </a:avLst>
         </a:prstGeom>
         <a:solidFill>
-          <a:schemeClr val="accent6">
+          <a:schemeClr val="bg1">
+            <a:lumMod val="95000"/>
             <a:hueOff val="0"/>
             <a:satOff val="0"/>
             <a:lumOff val="0"/>
             <a:alphaOff val="0"/>
           </a:schemeClr>
         </a:solidFill>
+        <a:ln>
+          <a:noFill/>
+        </a:ln>
+        <a:effectLst/>
+      </dsp:spPr>
+      <dsp:style>
+        <a:lnRef idx="0">
+          <a:scrgbClr r="0" g="0" b="0"/>
+        </a:lnRef>
+        <a:fillRef idx="1">
+          <a:scrgbClr r="0" g="0" b="0"/>
+        </a:fillRef>
+        <a:effectRef idx="0">
+          <a:scrgbClr r="0" g="0" b="0"/>
+        </a:effectRef>
+        <a:fontRef idx="minor"/>
+      </dsp:style>
+    </dsp:sp>
+    <dsp:sp modelId="{8DD549FF-FFD5-43E8-90B0-144DDCD9146A}">
+      <dsp:nvSpPr>
+        <dsp:cNvPr id="0" name=""/>
+        <dsp:cNvSpPr/>
+      </dsp:nvSpPr>
+      <dsp:spPr>
+        <a:xfrm>
+          <a:off x="231673" y="4225680"/>
+          <a:ext cx="421635" cy="421223"/>
+        </a:xfrm>
+        <a:prstGeom prst="rect">
+          <a:avLst/>
+        </a:prstGeom>
+        <a:blipFill>
+          <a:blip xmlns:r="http://schemas.openxmlformats.org/officeDocument/2006/relationships" r:embed="rId10">
+            <a:extLst>
+              <a:ext uri="{28A0092B-C50C-407E-A947-70E740481C1C}">
+                <a14:useLocalDpi xmlns:a14="http://schemas.microsoft.com/office/drawing/2010/main" val="0"/>
+              </a:ext>
+              <a:ext uri="{96DAC541-7B7A-43D3-8B79-37D633B846F1}">
+                <asvg:svgBlip xmlns:asvg="http://schemas.microsoft.com/office/drawing/2016/SVG/main" r:embed="rId11"/>
+              </a:ext>
+            </a:extLst>
+          </a:blip>
+          <a:stretch>
+            <a:fillRect/>
+          </a:stretch>
+        </a:blipFill>
         <a:ln w="12700" cap="flat" cmpd="sng" algn="ctr">
-          <a:solidFill>
-            <a:schemeClr val="accent6">
-              <a:hueOff val="0"/>
-              <a:satOff val="0"/>
-              <a:lumOff val="0"/>
-              <a:alphaOff val="0"/>
-            </a:schemeClr>
-          </a:solidFill>
+          <a:noFill/>
           <a:prstDash val="solid"/>
           <a:miter lim="800000"/>
         </a:ln>
@@ -1994,15 +2426,15 @@
         </a:fontRef>
       </dsp:style>
     </dsp:sp>
-    <dsp:sp modelId="{0E3844CB-AEEB-4B86-92DD-9C6B71FBB319}">
+    <dsp:sp modelId="{E955E49A-ABC1-4B27-BDD3-4D6D4EE5D189}">
       <dsp:nvSpPr>
         <dsp:cNvPr id="0" name=""/>
         <dsp:cNvSpPr/>
       </dsp:nvSpPr>
       <dsp:spPr>
         <a:xfrm>
-          <a:off x="0" y="3402769"/>
-          <a:ext cx="6492875" cy="850069"/>
+          <a:off x="884981" y="4053361"/>
+          <a:ext cx="5048362" cy="814475"/>
         </a:xfrm>
         <a:prstGeom prst="rect">
           <a:avLst/>
@@ -2026,12 +2458,12 @@
         <a:fontRef idx="minor"/>
       </dsp:style>
       <dsp:txBody>
-        <a:bodyPr spcFirstLastPara="0" vert="horz" wrap="square" lIns="57150" tIns="57150" rIns="57150" bIns="57150" numCol="1" spcCol="1270" anchor="t" anchorCtr="0">
+        <a:bodyPr spcFirstLastPara="0" vert="horz" wrap="square" lIns="86199" tIns="86199" rIns="86199" bIns="86199" numCol="1" spcCol="1270" anchor="ctr" anchorCtr="0">
           <a:noAutofit/>
         </a:bodyPr>
         <a:lstStyle/>
         <a:p>
-          <a:pPr marL="0" lvl="0" indent="0" algn="l" defTabSz="666750">
+          <a:pPr marL="0" lvl="0" indent="0" algn="l" defTabSz="622300">
             <a:lnSpc>
               <a:spcPct val="100000"/>
             </a:lnSpc>
@@ -2042,59 +2474,100 @@
               <a:spcPct val="35000"/>
             </a:spcAft>
             <a:buNone/>
-            <a:defRPr cap="all"/>
           </a:pPr>
           <a:r>
-            <a:rPr lang="en-US" sz="1500" kern="1200"/>
+            <a:rPr lang="en-US" sz="1400" kern="1200" dirty="0"/>
             <a:t>Learn by watching videos - </a:t>
           </a:r>
           <a:r>
-            <a:rPr lang="en-US" sz="1500" kern="1200">
-              <a:hlinkClick xmlns:r="http://schemas.openxmlformats.org/officeDocument/2006/relationships" r:id="rId2"/>
+            <a:rPr lang="en-US" sz="1400" kern="1200" dirty="0">
+              <a:hlinkClick xmlns:r="http://schemas.openxmlformats.org/officeDocument/2006/relationships" r:id="rId12"/>
             </a:rPr>
             <a:t>https://www.youtube.com/watch?v=V1eYniJ0Rnk&amp;feature=youtu.be</a:t>
           </a:r>
           <a:r>
-            <a:rPr lang="en-US" sz="1500" kern="1200"/>
+            <a:rPr lang="en-US" sz="1400" kern="1200" dirty="0"/>
             <a:t> </a:t>
           </a:r>
         </a:p>
       </dsp:txBody>
       <dsp:txXfrm>
-        <a:off x="0" y="3402769"/>
-        <a:ext cx="6492875" cy="850069"/>
+        <a:off x="884981" y="4053361"/>
+        <a:ext cx="5048362" cy="814475"/>
       </dsp:txXfrm>
     </dsp:sp>
-    <dsp:sp modelId="{6F9C7078-87CD-490B-BBBA-1A58C763B844}">
+    <dsp:sp modelId="{FEF804D0-7AEE-4A2A-AE65-9EF95A0E61E8}">
       <dsp:nvSpPr>
         <dsp:cNvPr id="0" name=""/>
         <dsp:cNvSpPr/>
       </dsp:nvSpPr>
       <dsp:spPr>
         <a:xfrm>
-          <a:off x="0" y="4252838"/>
-          <a:ext cx="6492875" cy="0"/>
+          <a:off x="0" y="5065286"/>
+          <a:ext cx="6513603" cy="765861"/>
         </a:xfrm>
-        <a:prstGeom prst="line">
-          <a:avLst/>
+        <a:prstGeom prst="roundRect">
+          <a:avLst>
+            <a:gd name="adj" fmla="val 10000"/>
+          </a:avLst>
         </a:prstGeom>
         <a:solidFill>
-          <a:schemeClr val="accent2">
+          <a:schemeClr val="bg1">
+            <a:lumMod val="95000"/>
             <a:hueOff val="0"/>
             <a:satOff val="0"/>
             <a:lumOff val="0"/>
             <a:alphaOff val="0"/>
           </a:schemeClr>
         </a:solidFill>
+        <a:ln>
+          <a:noFill/>
+        </a:ln>
+        <a:effectLst/>
+      </dsp:spPr>
+      <dsp:style>
+        <a:lnRef idx="0">
+          <a:scrgbClr r="0" g="0" b="0"/>
+        </a:lnRef>
+        <a:fillRef idx="1">
+          <a:scrgbClr r="0" g="0" b="0"/>
+        </a:fillRef>
+        <a:effectRef idx="0">
+          <a:scrgbClr r="0" g="0" b="0"/>
+        </a:effectRef>
+        <a:fontRef idx="minor"/>
+      </dsp:style>
+    </dsp:sp>
+    <dsp:sp modelId="{F1300044-3FD0-49D6-A833-D2DC43622482}">
+      <dsp:nvSpPr>
+        <dsp:cNvPr id="0" name=""/>
+        <dsp:cNvSpPr/>
+      </dsp:nvSpPr>
+      <dsp:spPr>
+        <a:xfrm>
+          <a:off x="231673" y="5237605"/>
+          <a:ext cx="421635" cy="421223"/>
+        </a:xfrm>
+        <a:prstGeom prst="rect">
+          <a:avLst/>
+        </a:prstGeom>
+        <a:blipFill>
+          <a:blip xmlns:r="http://schemas.openxmlformats.org/officeDocument/2006/relationships" r:embed="rId13">
+            <a:extLst>
+              <a:ext uri="{28A0092B-C50C-407E-A947-70E740481C1C}">
+                <a14:useLocalDpi xmlns:a14="http://schemas.microsoft.com/office/drawing/2010/main" val="0"/>
+              </a:ext>
+              <a:ext uri="{96DAC541-7B7A-43D3-8B79-37D633B846F1}">
+                <asvg:svgBlip xmlns:asvg="http://schemas.microsoft.com/office/drawing/2016/SVG/main" r:embed="rId14"/>
+              </a:ext>
+            </a:extLst>
+          </a:blip>
+          <a:stretch>
+            <a:fillRect/>
+          </a:stretch>
+        </a:blipFill>
         <a:ln w="12700" cap="flat" cmpd="sng" algn="ctr">
-          <a:solidFill>
-            <a:schemeClr val="accent2">
-              <a:hueOff val="0"/>
-              <a:satOff val="0"/>
-              <a:lumOff val="0"/>
-              <a:alphaOff val="0"/>
-            </a:schemeClr>
-          </a:solidFill>
+          <a:noFill/>
           <a:prstDash val="solid"/>
           <a:miter lim="800000"/>
         </a:ln>
@@ -2115,15 +2588,15 @@
         </a:fontRef>
       </dsp:style>
     </dsp:sp>
-    <dsp:sp modelId="{3AB7E87C-F47C-43C2-93F1-1A56F672BE38}">
+    <dsp:sp modelId="{8B616A8F-64B4-4B26-9752-44577985C435}">
       <dsp:nvSpPr>
         <dsp:cNvPr id="0" name=""/>
         <dsp:cNvSpPr/>
       </dsp:nvSpPr>
       <dsp:spPr>
         <a:xfrm>
-          <a:off x="0" y="4252838"/>
-          <a:ext cx="6492875" cy="850069"/>
+          <a:off x="884981" y="5065286"/>
+          <a:ext cx="5048362" cy="814475"/>
         </a:xfrm>
         <a:prstGeom prst="rect">
           <a:avLst/>
@@ -2147,12 +2620,12 @@
         <a:fontRef idx="minor"/>
       </dsp:style>
       <dsp:txBody>
-        <a:bodyPr spcFirstLastPara="0" vert="horz" wrap="square" lIns="57150" tIns="57150" rIns="57150" bIns="57150" numCol="1" spcCol="1270" anchor="t" anchorCtr="0">
+        <a:bodyPr spcFirstLastPara="0" vert="horz" wrap="square" lIns="86199" tIns="86199" rIns="86199" bIns="86199" numCol="1" spcCol="1270" anchor="ctr" anchorCtr="0">
           <a:noAutofit/>
         </a:bodyPr>
         <a:lstStyle/>
         <a:p>
-          <a:pPr marL="0" lvl="0" indent="0" algn="l" defTabSz="666750">
+          <a:pPr marL="0" lvl="0" indent="0" algn="l" defTabSz="622300">
             <a:lnSpc>
               <a:spcPct val="100000"/>
             </a:lnSpc>
@@ -2163,17 +2636,16 @@
               <a:spcPct val="35000"/>
             </a:spcAft>
             <a:buNone/>
-            <a:defRPr cap="all"/>
           </a:pPr>
           <a:r>
-            <a:rPr lang="en-US" sz="1500" kern="1200"/>
+            <a:rPr lang="en-US" sz="1400" kern="1200"/>
             <a:t>Adjusting refinery’s operations in real-time. Controller optimizes yield/cost/quality trade-off without sticking strictly to the parameters set by engineers – Sutton book.</a:t>
           </a:r>
         </a:p>
       </dsp:txBody>
       <dsp:txXfrm>
-        <a:off x="0" y="4252838"/>
-        <a:ext cx="6492875" cy="850069"/>
+        <a:off x="884981" y="5065286"/>
+        <a:ext cx="5048362" cy="814475"/>
       </dsp:txXfrm>
     </dsp:sp>
   </dsp:spTree>
@@ -2181,94 +2653,40 @@
 </file>
 
 <file path=ppt/diagrams/layout1.xml><?xml version="1.0" encoding="utf-8"?>
-<dgm:layoutDef xmlns:dgm="http://schemas.openxmlformats.org/drawingml/2006/diagram" xmlns:a="http://schemas.openxmlformats.org/drawingml/2006/main" uniqueId="urn:microsoft.com/office/officeart/2008/layout/LinedList">
-  <dgm:title val=""/>
-  <dgm:desc val=""/>
+<dgm:layoutDef xmlns:dgm="http://schemas.openxmlformats.org/drawingml/2006/diagram" xmlns:a="http://schemas.openxmlformats.org/drawingml/2006/main" uniqueId="urn:microsoft.com/office/officeart/2018/2/layout/IconVerticalSolidList">
+  <dgm:title val="Icon Vertical Solid List"/>
+  <dgm:desc val="Use to show a series of visuals from top to bottom with Level 1 or Level 1 and Level 2 text grouped in a shape. Works best with icons or small pictures with lengthier descriptions."/>
   <dgm:catLst>
-    <dgm:cat type="hierarchy" pri="8000"/>
-    <dgm:cat type="list" pri="2500"/>
+    <dgm:cat type="icon" pri="500"/>
   </dgm:catLst>
-  <dgm:sampData>
+  <dgm:sampData useDef="1">
     <dgm:dataModel>
-      <dgm:ptLst>
-        <dgm:pt modelId="0" type="doc"/>
-        <dgm:pt modelId="1">
-          <dgm:prSet phldr="1"/>
-        </dgm:pt>
-        <dgm:pt modelId="11">
-          <dgm:prSet phldr="1"/>
-        </dgm:pt>
-        <dgm:pt modelId="12">
-          <dgm:prSet phldr="1"/>
-        </dgm:pt>
-        <dgm:pt modelId="13">
-          <dgm:prSet phldr="1"/>
-        </dgm:pt>
-      </dgm:ptLst>
-      <dgm:cxnLst>
-        <dgm:cxn modelId="2" srcId="0" destId="1" srcOrd="0" destOrd="0"/>
-        <dgm:cxn modelId="3" srcId="1" destId="11" srcOrd="0" destOrd="0"/>
-        <dgm:cxn modelId="4" srcId="1" destId="12" srcOrd="1" destOrd="0"/>
-        <dgm:cxn modelId="5" srcId="1" destId="13" srcOrd="2" destOrd="0"/>
-      </dgm:cxnLst>
+      <dgm:ptLst/>
       <dgm:bg/>
       <dgm:whole/>
     </dgm:dataModel>
   </dgm:sampData>
-  <dgm:styleData>
+  <dgm:styleData useDef="1">
     <dgm:dataModel>
-      <dgm:ptLst>
-        <dgm:pt modelId="0" type="doc"/>
-        <dgm:pt modelId="1">
-          <dgm:prSet phldr="1"/>
-        </dgm:pt>
-        <dgm:pt modelId="11">
-          <dgm:prSet phldr="1"/>
-        </dgm:pt>
-        <dgm:pt modelId="12">
-          <dgm:prSet phldr="1"/>
-        </dgm:pt>
-      </dgm:ptLst>
-      <dgm:cxnLst>
-        <dgm:cxn modelId="2" srcId="0" destId="1" srcOrd="0" destOrd="0"/>
-        <dgm:cxn modelId="3" srcId="1" destId="11" srcOrd="0" destOrd="0"/>
-        <dgm:cxn modelId="4" srcId="1" destId="12" srcOrd="1" destOrd="0"/>
-      </dgm:cxnLst>
+      <dgm:ptLst/>
       <dgm:bg/>
       <dgm:whole/>
     </dgm:dataModel>
   </dgm:styleData>
-  <dgm:clrData>
+  <dgm:clrData useDef="1">
     <dgm:dataModel>
-      <dgm:ptLst>
-        <dgm:pt modelId="0" type="doc"/>
-        <dgm:pt modelId="1">
-          <dgm:prSet phldr="1"/>
-        </dgm:pt>
-        <dgm:pt modelId="11">
-          <dgm:prSet phldr="1"/>
-        </dgm:pt>
-        <dgm:pt modelId="12">
-          <dgm:prSet phldr="1"/>
-        </dgm:pt>
-      </dgm:ptLst>
-      <dgm:cxnLst>
-        <dgm:cxn modelId="2" srcId="0" destId="1" srcOrd="0" destOrd="0"/>
-        <dgm:cxn modelId="3" srcId="1" destId="11" srcOrd="0" destOrd="0"/>
-        <dgm:cxn modelId="4" srcId="1" destId="12" srcOrd="1" destOrd="0"/>
-      </dgm:cxnLst>
+      <dgm:ptLst/>
       <dgm:bg/>
       <dgm:whole/>
     </dgm:dataModel>
   </dgm:clrData>
-  <dgm:layoutNode name="vert0">
+  <dgm:layoutNode name="root">
     <dgm:varLst>
       <dgm:dir/>
-      <dgm:animOne val="branch"/>
-      <dgm:animLvl val="lvl"/>
+      <dgm:resizeHandles val="exact"/>
     </dgm:varLst>
     <dgm:choose name="Name0">
-      <dgm:if name="Name1" func="var" arg="dir" op="equ" val="norm">
+      <dgm:if name="Name1" axis="self" func="var" arg="dir" op="equ" val="norm">
         <dgm:alg type="lin">
           <dgm:param type="linDir" val="fromT"/>
           <dgm:param type="nodeHorzAlign" val="l"/>
@@ -2285,364 +2703,246 @@
       <dgm:adjLst/>
     </dgm:shape>
     <dgm:presOf/>
-    <dgm:constrLst>
-      <dgm:constr type="w" for="ch" forName="horz1" refType="w"/>
-      <dgm:constr type="h" for="ch" forName="horz1" refType="h"/>
-      <dgm:constr type="h" for="des" forName="vert1" refType="h"/>
-      <dgm:constr type="h" for="des" forName="tx1" refType="h"/>
-      <dgm:constr type="h" for="des" forName="horz2" refType="h"/>
-      <dgm:constr type="h" for="des" forName="vert2" refType="h"/>
-      <dgm:constr type="h" for="des" forName="horz3" refType="h"/>
-      <dgm:constr type="h" for="des" forName="vert3" refType="h"/>
-      <dgm:constr type="h" for="des" forName="horz4" refType="h"/>
-      <dgm:constr type="h" for="des" ptType="node" refType="h"/>
-      <dgm:constr type="primFontSz" for="des" forName="tx1" op="equ" val="65"/>
-      <dgm:constr type="primFontSz" for="des" forName="tx2" op="equ" val="65"/>
-      <dgm:constr type="primFontSz" for="des" forName="tx3" op="equ" val="65"/>
-      <dgm:constr type="primFontSz" for="des" forName="tx4" op="equ" val="65"/>
-      <dgm:constr type="w" for="des" forName="thickLine" refType="w"/>
-      <dgm:constr type="h" for="des" forName="thickLine"/>
-      <dgm:constr type="h" for="des" forName="thinLine1"/>
-      <dgm:constr type="h" for="des" forName="thinLine2b"/>
-      <dgm:constr type="h" for="des" forName="thinLine3"/>
-      <dgm:constr type="h" for="des" forName="vertSpace2a" refType="h" fact="0.05"/>
-      <dgm:constr type="h" for="des" forName="vertSpace2b" refType="h" refFor="des" refForName="vertSpace2a"/>
-    </dgm:constrLst>
-    <dgm:forEach name="Name3" axis="ch" ptType="node">
-      <dgm:layoutNode name="thickLine" styleLbl="alignNode1">
-        <dgm:alg type="sp"/>
-        <dgm:shape xmlns:r="http://schemas.openxmlformats.org/officeDocument/2006/relationships" type="line" r:blip="">
-          <dgm:adjLst/>
-        </dgm:shape>
-        <dgm:presOf/>
-      </dgm:layoutNode>
-      <dgm:layoutNode name="horz1">
-        <dgm:choose name="Name4">
-          <dgm:if name="Name5" func="var" arg="dir" op="equ" val="norm">
-            <dgm:alg type="lin">
-              <dgm:param type="linDir" val="fromL"/>
-              <dgm:param type="nodeVertAlign" val="t"/>
-            </dgm:alg>
-          </dgm:if>
-          <dgm:else name="Name6">
-            <dgm:alg type="lin">
-              <dgm:param type="linDir" val="fromR"/>
-              <dgm:param type="nodeVertAlign" val="t"/>
-            </dgm:alg>
-          </dgm:else>
-        </dgm:choose>
+    <dgm:choose name="Name3">
+      <dgm:if name="Name4" axis="ch" ptType="node" func="cnt" op="lte" val="3">
+        <dgm:constrLst>
+          <dgm:constr type="h" for="ch" forName="compNode" refType="h" fact="0.3"/>
+          <dgm:constr type="w" for="ch" forName="compNode" refType="w"/>
+          <dgm:constr type="h" for="ch" forName="sibTrans" refType="h" refFor="ch" refForName="compNode" fact="0.25"/>
+          <dgm:constr type="primFontSz" for="des" forName="parTx" val="25"/>
+          <dgm:constr type="primFontSz" for="des" forName="desTx" refType="primFontSz" refFor="des" refForName="parTx" op="lte" fact="0.75"/>
+          <dgm:constr type="h" for="des" forName="compNode" op="equ"/>
+          <dgm:constr type="h" for="des" forName="bgRect" op="equ"/>
+          <dgm:constr type="h" for="des" forName="iconRect" op="equ"/>
+          <dgm:constr type="w" for="des" forName="iconRect" op="equ"/>
+          <dgm:constr type="h" for="des" forName="spaceRect" op="equ"/>
+          <dgm:constr type="h" for="des" forName="parTx" op="equ"/>
+          <dgm:constr type="h" for="des" forName="desTx" op="equ"/>
+        </dgm:constrLst>
+      </dgm:if>
+      <dgm:if name="Name5" axis="ch" ptType="node" func="cnt" op="lte" val="4">
+        <dgm:constrLst>
+          <dgm:constr type="h" for="ch" forName="compNode" refType="h" fact="0.3"/>
+          <dgm:constr type="w" for="ch" forName="compNode" refType="w"/>
+          <dgm:constr type="h" for="ch" forName="sibTrans" refType="h" refFor="ch" refForName="compNode" fact="0.25"/>
+          <dgm:constr type="primFontSz" for="des" forName="parTx" val="22"/>
+          <dgm:constr type="primFontSz" for="des" forName="desTx" refType="primFontSz" refFor="des" refForName="parTx" op="lte" fact="0.75"/>
+          <dgm:constr type="h" for="des" forName="compNode" op="equ"/>
+          <dgm:constr type="h" for="des" forName="bgRect" op="equ"/>
+          <dgm:constr type="h" for="des" forName="iconRect" op="equ"/>
+          <dgm:constr type="w" for="des" forName="iconRect" op="equ"/>
+          <dgm:constr type="h" for="des" forName="spaceRect" op="equ"/>
+          <dgm:constr type="h" for="des" forName="parTx" op="equ"/>
+          <dgm:constr type="h" for="des" forName="desTx" op="equ"/>
+        </dgm:constrLst>
+      </dgm:if>
+      <dgm:if name="Name6" axis="ch" ptType="node" func="cnt" op="lte" val="6">
+        <dgm:constrLst>
+          <dgm:constr type="h" for="ch" forName="compNode" refType="h" fact="0.3"/>
+          <dgm:constr type="w" for="ch" forName="compNode" refType="w"/>
+          <dgm:constr type="h" for="ch" forName="sibTrans" refType="h" refFor="ch" refForName="compNode" fact="0.25"/>
+          <dgm:constr type="primFontSz" for="des" forName="parTx" val="19"/>
+          <dgm:constr type="primFontSz" for="des" forName="desTx" refType="primFontSz" refFor="des" refForName="parTx" op="lte" fact="0.75"/>
+          <dgm:constr type="h" for="des" forName="compNode" op="equ"/>
+          <dgm:constr type="h" for="des" forName="bgRect" op="equ"/>
+          <dgm:constr type="h" for="des" forName="iconRect" op="equ"/>
+          <dgm:constr type="w" for="des" forName="iconRect" op="equ"/>
+          <dgm:constr type="h" for="des" forName="spaceRect" op="equ"/>
+          <dgm:constr type="h" for="des" forName="parTx" op="equ"/>
+          <dgm:constr type="h" for="des" forName="desTx" op="equ"/>
+        </dgm:constrLst>
+      </dgm:if>
+      <dgm:else name="Name7">
+        <dgm:constrLst>
+          <dgm:constr type="h" for="ch" forName="compNode" refType="h" fact="0.3"/>
+          <dgm:constr type="w" for="ch" forName="compNode" refType="w"/>
+          <dgm:constr type="h" for="ch" forName="sibTrans" refType="h" refFor="ch" refForName="compNode" fact="0.25"/>
+          <dgm:constr type="primFontSz" for="des" forName="parTx" val="16"/>
+          <dgm:constr type="primFontSz" for="des" forName="desTx" refType="primFontSz" refFor="des" refForName="parTx" op="lte" fact="0.75"/>
+          <dgm:constr type="h" for="des" forName="compNode" op="equ"/>
+          <dgm:constr type="h" for="des" forName="bgRect" op="equ"/>
+          <dgm:constr type="h" for="des" forName="iconRect" op="equ"/>
+          <dgm:constr type="w" for="des" forName="iconRect" op="equ"/>
+          <dgm:constr type="h" for="des" forName="spaceRect" op="equ"/>
+          <dgm:constr type="h" for="des" forName="parTx" op="equ"/>
+          <dgm:constr type="h" for="des" forName="desTx" op="equ"/>
+        </dgm:constrLst>
+      </dgm:else>
+    </dgm:choose>
+    <dgm:ruleLst>
+      <dgm:rule type="h" for="ch" forName="compNode" val="0" fact="NaN" max="NaN"/>
+    </dgm:ruleLst>
+    <dgm:forEach name="Name8" axis="ch" ptType="node">
+      <dgm:layoutNode name="compNode">
+        <dgm:alg type="composite"/>
         <dgm:shape xmlns:r="http://schemas.openxmlformats.org/officeDocument/2006/relationships" r:blip="">
           <dgm:adjLst/>
         </dgm:shape>
-        <dgm:presOf/>
-        <dgm:choose name="Name7">
-          <dgm:if name="Name8" axis="root des" func="maxDepth" op="equ" val="1">
+        <dgm:presOf axis="self"/>
+        <dgm:choose name="Name9">
+          <dgm:if name="Name10" axis="ch" ptType="node" func="cnt" op="gte" val="1">
             <dgm:constrLst>
-              <dgm:constr type="w" for="ch" forName="tx1" refType="w"/>
+              <dgm:constr type="w" for="ch" forName="bgRect" refType="w"/>
+              <dgm:constr type="h" for="ch" forName="bgRect" refType="h"/>
+              <dgm:constr type="l" for="ch" forName="bgRect"/>
+              <dgm:constr type="t" for="ch" forName="bgRect"/>
+              <dgm:constr type="h" for="ch" forName="iconRect" refType="h" fact="0.55"/>
+              <dgm:constr type="w" for="ch" forName="iconRect" refType="h" refFor="ch" refForName="iconRect"/>
+              <dgm:constr type="l" for="ch" forName="iconRect" refType="h" refFor="ch" refForName="iconRect" fact="0.55"/>
+              <dgm:constr type="ctrY" for="ch" forName="iconRect" refType="ctrY" refFor="ch" refForName="bgRect"/>
+              <dgm:constr type="w" for="ch" forName="spaceRect" refType="l" refFor="ch" refForName="iconRect"/>
+              <dgm:constr type="h" for="ch" forName="spaceRect" refType="h"/>
+              <dgm:constr type="l" for="ch" forName="spaceRect" refType="r" refFor="ch" refForName="iconRect"/>
+              <dgm:constr type="t" for="ch" forName="spaceRect"/>
+              <dgm:constr type="w" for="ch" forName="parTx" refType="w" fact="0.45"/>
+              <dgm:constr type="h" for="ch" forName="parTx" refType="h"/>
+              <dgm:constr type="l" for="ch" forName="parTx" refType="r" refFor="ch" refForName="spaceRect"/>
+              <dgm:constr type="t" for="ch" forName="parTx"/>
+              <dgm:constr type="h" for="ch" forName="desTx" refType="h"/>
+              <dgm:constr type="l" for="ch" forName="desTx" refType="r" refFor="ch" refForName="parTx"/>
+              <dgm:constr type="t" for="ch" forName="desTx"/>
             </dgm:constrLst>
           </dgm:if>
-          <dgm:if name="Name9" axis="root des" func="maxDepth" op="equ" val="2">
+          <dgm:else name="Name11">
             <dgm:constrLst>
-              <dgm:constr type="w" for="ch" forName="tx1" refType="w" fact="0.2"/>
-              <dgm:constr type="w" for="des" forName="tx2" refType="w" fact="0.785"/>
-              <dgm:constr type="w" for="des" forName="horzSpace2" refType="w" fact="0.015"/>
-              <dgm:constr type="w" for="des" forName="thinLine2b" refType="w" fact="0.8"/>
+              <dgm:constr type="w" for="ch" forName="bgRect" refType="w"/>
+              <dgm:constr type="h" for="ch" forName="bgRect" refType="h"/>
+              <dgm:constr type="l" for="ch" forName="bgRect"/>
+              <dgm:constr type="t" for="ch" forName="bgRect"/>
+              <dgm:constr type="h" for="ch" forName="iconRect" refType="h" fact="0.55"/>
+              <dgm:constr type="w" for="ch" forName="iconRect" refType="h" refFor="ch" refForName="iconRect"/>
+              <dgm:constr type="l" for="ch" forName="iconRect" refType="h" refFor="ch" refForName="iconRect" fact="0.55"/>
+              <dgm:constr type="ctrY" for="ch" forName="iconRect" refType="ctrY" refFor="ch" refForName="bgRect"/>
+              <dgm:constr type="w" for="ch" forName="spaceRect" refType="l" refFor="ch" refForName="iconRect"/>
+              <dgm:constr type="h" for="ch" forName="spaceRect" refType="h"/>
+              <dgm:constr type="l" for="ch" forName="spaceRect" refType="r" refFor="ch" refForName="iconRect"/>
+              <dgm:constr type="t" for="ch" forName="spaceRect"/>
+              <dgm:constr type="h" for="ch" forName="parTx" refType="h"/>
+              <dgm:constr type="l" for="ch" forName="parTx" refType="r" refFor="ch" refForName="spaceRect"/>
+              <dgm:constr type="t" for="ch" forName="parTx"/>
             </dgm:constrLst>
-          </dgm:if>
-          <dgm:if name="Name10" axis="root des" func="maxDepth" op="equ" val="3">
-            <dgm:constrLst>
-              <dgm:constr type="w" for="ch" forName="tx1" refType="w" fact="0.2"/>
-              <dgm:constr type="w" for="des" forName="tx2" refType="w" fact="0.385"/>
-              <dgm:constr type="w" for="des" forName="tx3" refType="w" fact="0.385"/>
-              <dgm:constr type="w" for="des" forName="horzSpace2" refType="w" fact="0.015"/>
-              <dgm:constr type="w" for="des" forName="horzSpace3" refType="w" fact="0.015"/>
-              <dgm:constr type="w" for="des" forName="thinLine2b" refType="w" fact="0.8"/>
-              <dgm:constr type="w" for="des" forName="thinLine3" refType="w" fact="0.385"/>
-            </dgm:constrLst>
-          </dgm:if>
-          <dgm:if name="Name11" axis="root des" func="maxDepth" op="gte" val="4">
-            <dgm:constrLst>
-              <dgm:constr type="w" for="ch" forName="tx1" refType="w" fact="0.2"/>
-              <dgm:constr type="w" for="des" forName="tx2" refType="w" fact="0.2516"/>
-              <dgm:constr type="w" for="des" forName="tx3" refType="w" fact="0.2516"/>
-              <dgm:constr type="w" for="des" forName="tx4" refType="w" fact="0.2516"/>
-              <dgm:constr type="w" for="des" forName="horzSpace2" refType="w" fact="0.015"/>
-              <dgm:constr type="w" for="des" forName="horzSpace3" refType="w" fact="0.015"/>
-              <dgm:constr type="w" for="des" forName="horzSpace4" refType="w" fact="0.015"/>
-              <dgm:constr type="w" for="des" forName="thinLine2b" refType="w" fact="0.8"/>
-              <dgm:constr type="w" for="des" forName="thinLine3" refType="w" fact="0.5332"/>
-            </dgm:constrLst>
-          </dgm:if>
-          <dgm:else name="Name12"/>
+          </dgm:else>
         </dgm:choose>
-        <dgm:layoutNode name="tx1" styleLbl="revTx">
+        <dgm:ruleLst>
+          <dgm:rule type="h" val="INF" fact="NaN" max="NaN"/>
+        </dgm:ruleLst>
+        <dgm:layoutNode name="bgRect" styleLbl="bgShp">
+          <dgm:alg type="sp"/>
+          <dgm:shape xmlns:r="http://schemas.openxmlformats.org/officeDocument/2006/relationships" type="roundRect" r:blip="">
+            <dgm:adjLst>
+              <dgm:adj idx="1" val="0.1"/>
+            </dgm:adjLst>
+          </dgm:shape>
+          <dgm:presOf/>
+          <dgm:constrLst/>
+          <dgm:ruleLst/>
+        </dgm:layoutNode>
+        <dgm:layoutNode name="iconRect" styleLbl="node1">
+          <dgm:alg type="sp"/>
+          <dgm:shape xmlns:r="http://schemas.openxmlformats.org/officeDocument/2006/relationships" type="rect" r:blip="" blipPhldr="1">
+            <dgm:adjLst/>
+          </dgm:shape>
+          <dgm:presOf/>
+          <dgm:constrLst/>
+          <dgm:ruleLst/>
+        </dgm:layoutNode>
+        <dgm:layoutNode name="spaceRect">
+          <dgm:alg type="sp"/>
+          <dgm:shape xmlns:r="http://schemas.openxmlformats.org/officeDocument/2006/relationships" r:blip="">
+            <dgm:adjLst/>
+          </dgm:shape>
+          <dgm:presOf/>
+          <dgm:constrLst/>
+          <dgm:ruleLst/>
+        </dgm:layoutNode>
+        <dgm:layoutNode name="parTx" styleLbl="revTx">
+          <dgm:varLst>
+            <dgm:chMax val="0"/>
+            <dgm:chPref val="0"/>
+          </dgm:varLst>
           <dgm:alg type="tx">
+            <dgm:param type="txAnchorVert" val="mid"/>
             <dgm:param type="parTxLTRAlign" val="l"/>
+            <dgm:param type="shpTxLTRAlignCh" val="l"/>
             <dgm:param type="parTxRTLAlign" val="r"/>
-            <dgm:param type="txAnchorVert" val="t"/>
+            <dgm:param type="shpTxRTLAlignCh" val="r"/>
           </dgm:alg>
           <dgm:shape xmlns:r="http://schemas.openxmlformats.org/officeDocument/2006/relationships" type="rect" r:blip="">
             <dgm:adjLst/>
           </dgm:shape>
-          <dgm:presOf axis="self"/>
+          <dgm:presOf axis="self" ptType="node"/>
           <dgm:constrLst>
-            <dgm:constr type="tMarg" refType="primFontSz" fact="0.3"/>
-            <dgm:constr type="bMarg" refType="primFontSz" fact="0.3"/>
-            <dgm:constr type="lMarg" refType="primFontSz" fact="0.3"/>
-            <dgm:constr type="rMarg" refType="primFontSz" fact="0.3"/>
+            <dgm:constr type="lMarg" refType="h" fact="0.3"/>
+            <dgm:constr type="rMarg" refType="h" fact="0.3"/>
+            <dgm:constr type="tMarg" refType="h" fact="0.3"/>
+            <dgm:constr type="bMarg" refType="h" fact="0.3"/>
           </dgm:constrLst>
           <dgm:ruleLst>
-            <dgm:rule type="primFontSz" val="5" fact="NaN" max="NaN"/>
+            <dgm:rule type="primFontSz" val="14" fact="NaN" max="NaN"/>
+            <dgm:rule type="h" val="INF" fact="NaN" max="NaN"/>
           </dgm:ruleLst>
         </dgm:layoutNode>
-        <dgm:layoutNode name="vert1">
-          <dgm:choose name="Name13">
-            <dgm:if name="Name14" func="var" arg="dir" op="equ" val="norm">
-              <dgm:alg type="lin">
-                <dgm:param type="linDir" val="fromT"/>
-                <dgm:param type="nodeHorzAlign" val="l"/>
+        <dgm:choose name="Name12">
+          <dgm:if name="Name13" axis="ch" ptType="node" func="cnt" op="gte" val="1">
+            <dgm:layoutNode name="desTx" styleLbl="revTx">
+              <dgm:varLst/>
+              <dgm:alg type="tx">
+                <dgm:param type="txAnchorVertCh" val="mid"/>
+                <dgm:param type="parTxLTRAlign" val="l"/>
+                <dgm:param type="shpTxLTRAlignCh" val="l"/>
+                <dgm:param type="parTxRTLAlign" val="r"/>
+                <dgm:param type="shpTxRTLAlignCh" val="r"/>
+                <dgm:param type="stBulletLvl" val="0"/>
               </dgm:alg>
-            </dgm:if>
-            <dgm:else name="Name15">
-              <dgm:alg type="lin">
-                <dgm:param type="linDir" val="fromT"/>
-                <dgm:param type="nodeHorzAlign" val="r"/>
-              </dgm:alg>
-            </dgm:else>
-          </dgm:choose>
+              <dgm:shape xmlns:r="http://schemas.openxmlformats.org/officeDocument/2006/relationships" type="rect" r:blip="">
+                <dgm:adjLst/>
+              </dgm:shape>
+              <dgm:presOf axis="des" ptType="node"/>
+              <dgm:constrLst>
+                <dgm:constr type="primFontSz" val="18"/>
+                <dgm:constr type="secFontSz" refType="primFontSz"/>
+                <dgm:constr type="lMarg" refType="h" fact="0.3"/>
+                <dgm:constr type="rMarg" refType="h" fact="0.3"/>
+                <dgm:constr type="tMarg" refType="h" fact="0.3"/>
+                <dgm:constr type="bMarg" refType="h" fact="0.3"/>
+              </dgm:constrLst>
+              <dgm:ruleLst>
+                <dgm:rule type="primFontSz" val="11" fact="NaN" max="NaN"/>
+              </dgm:ruleLst>
+            </dgm:layoutNode>
+          </dgm:if>
+          <dgm:else name="Name14"/>
+        </dgm:choose>
+      </dgm:layoutNode>
+      <dgm:forEach name="Name15" axis="followSib" ptType="sibTrans" cnt="1">
+        <dgm:layoutNode name="sibTrans">
+          <dgm:alg type="sp"/>
           <dgm:shape xmlns:r="http://schemas.openxmlformats.org/officeDocument/2006/relationships" r:blip="">
             <dgm:adjLst/>
           </dgm:shape>
-          <dgm:presOf/>
-          <dgm:forEach name="Name16" axis="ch" ptType="node">
-            <dgm:choose name="Name17">
-              <dgm:if name="Name18" axis="self" ptType="node" func="pos" op="equ" val="1">
-                <dgm:layoutNode name="vertSpace2a">
-                  <dgm:alg type="sp"/>
-                  <dgm:shape xmlns:r="http://schemas.openxmlformats.org/officeDocument/2006/relationships" r:blip="">
-                    <dgm:adjLst/>
-                  </dgm:shape>
-                  <dgm:presOf/>
-                </dgm:layoutNode>
-              </dgm:if>
-              <dgm:else name="Name19"/>
-            </dgm:choose>
-            <dgm:layoutNode name="horz2">
-              <dgm:choose name="Name20">
-                <dgm:if name="Name21" func="var" arg="dir" op="equ" val="norm">
-                  <dgm:alg type="lin">
-                    <dgm:param type="linDir" val="fromL"/>
-                    <dgm:param type="nodeVertAlign" val="t"/>
-                  </dgm:alg>
-                </dgm:if>
-                <dgm:else name="Name22">
-                  <dgm:alg type="lin">
-                    <dgm:param type="linDir" val="fromR"/>
-                    <dgm:param type="nodeVertAlign" val="t"/>
-                  </dgm:alg>
-                </dgm:else>
-              </dgm:choose>
-              <dgm:shape xmlns:r="http://schemas.openxmlformats.org/officeDocument/2006/relationships" r:blip="">
-                <dgm:adjLst/>
-              </dgm:shape>
-              <dgm:presOf/>
-              <dgm:layoutNode name="horzSpace2">
-                <dgm:alg type="sp"/>
-                <dgm:shape xmlns:r="http://schemas.openxmlformats.org/officeDocument/2006/relationships" r:blip="">
-                  <dgm:adjLst/>
-                </dgm:shape>
-                <dgm:presOf/>
-              </dgm:layoutNode>
-              <dgm:layoutNode name="tx2" styleLbl="revTx">
-                <dgm:alg type="tx">
-                  <dgm:param type="parTxLTRAlign" val="l"/>
-                  <dgm:param type="parTxRTLAlign" val="r"/>
-                  <dgm:param type="txAnchorVert" val="t"/>
-                </dgm:alg>
-                <dgm:shape xmlns:r="http://schemas.openxmlformats.org/officeDocument/2006/relationships" type="rect" r:blip="">
-                  <dgm:adjLst/>
-                </dgm:shape>
-                <dgm:presOf axis="self"/>
-                <dgm:constrLst>
-                  <dgm:constr type="tMarg" refType="primFontSz" fact="0.3"/>
-                  <dgm:constr type="bMarg" refType="primFontSz" fact="0.3"/>
-                  <dgm:constr type="lMarg" refType="primFontSz" fact="0.3"/>
-                  <dgm:constr type="rMarg" refType="primFontSz" fact="0.3"/>
-                </dgm:constrLst>
-                <dgm:ruleLst>
-                  <dgm:rule type="primFontSz" val="5" fact="NaN" max="NaN"/>
-                </dgm:ruleLst>
-              </dgm:layoutNode>
-              <dgm:layoutNode name="vert2">
-                <dgm:choose name="Name23">
-                  <dgm:if name="Name24" func="var" arg="dir" op="equ" val="norm">
-                    <dgm:alg type="lin">
-                      <dgm:param type="linDir" val="fromT"/>
-                      <dgm:param type="nodeHorzAlign" val="l"/>
-                    </dgm:alg>
-                  </dgm:if>
-                  <dgm:else name="Name25">
-                    <dgm:alg type="lin">
-                      <dgm:param type="linDir" val="fromT"/>
-                      <dgm:param type="nodeHorzAlign" val="r"/>
-                    </dgm:alg>
-                  </dgm:else>
-                </dgm:choose>
-                <dgm:shape xmlns:r="http://schemas.openxmlformats.org/officeDocument/2006/relationships" r:blip="">
-                  <dgm:adjLst/>
-                </dgm:shape>
-                <dgm:presOf/>
-                <dgm:forEach name="Name26" axis="ch" ptType="node">
-                  <dgm:layoutNode name="horz3">
-                    <dgm:choose name="Name27">
-                      <dgm:if name="Name28" func="var" arg="dir" op="equ" val="norm">
-                        <dgm:alg type="lin">
-                          <dgm:param type="linDir" val="fromL"/>
-                          <dgm:param type="nodeVertAlign" val="t"/>
-                        </dgm:alg>
-                      </dgm:if>
-                      <dgm:else name="Name29">
-                        <dgm:alg type="lin">
-                          <dgm:param type="linDir" val="fromR"/>
-                          <dgm:param type="nodeVertAlign" val="t"/>
-                        </dgm:alg>
-                      </dgm:else>
-                    </dgm:choose>
-                    <dgm:shape xmlns:r="http://schemas.openxmlformats.org/officeDocument/2006/relationships" r:blip="">
-                      <dgm:adjLst/>
-                    </dgm:shape>
-                    <dgm:presOf/>
-                    <dgm:layoutNode name="horzSpace3">
-                      <dgm:alg type="sp"/>
-                      <dgm:shape xmlns:r="http://schemas.openxmlformats.org/officeDocument/2006/relationships" r:blip="">
-                        <dgm:adjLst/>
-                      </dgm:shape>
-                      <dgm:presOf/>
-                    </dgm:layoutNode>
-                    <dgm:layoutNode name="tx3" styleLbl="revTx">
-                      <dgm:alg type="tx">
-                        <dgm:param type="parTxLTRAlign" val="l"/>
-                        <dgm:param type="parTxRTLAlign" val="r"/>
-                        <dgm:param type="txAnchorVert" val="t"/>
-                      </dgm:alg>
-                      <dgm:shape xmlns:r="http://schemas.openxmlformats.org/officeDocument/2006/relationships" type="rect" r:blip="">
-                        <dgm:adjLst/>
-                      </dgm:shape>
-                      <dgm:presOf axis="self"/>
-                      <dgm:constrLst>
-                        <dgm:constr type="tMarg" refType="primFontSz" fact="0.3"/>
-                        <dgm:constr type="bMarg" refType="primFontSz" fact="0.3"/>
-                        <dgm:constr type="lMarg" refType="primFontSz" fact="0.3"/>
-                        <dgm:constr type="rMarg" refType="primFontSz" fact="0.3"/>
-                      </dgm:constrLst>
-                      <dgm:ruleLst>
-                        <dgm:rule type="primFontSz" val="5" fact="NaN" max="NaN"/>
-                      </dgm:ruleLst>
-                    </dgm:layoutNode>
-                    <dgm:layoutNode name="vert3">
-                      <dgm:choose name="Name30">
-                        <dgm:if name="Name31" func="var" arg="dir" op="equ" val="norm">
-                          <dgm:alg type="lin">
-                            <dgm:param type="linDir" val="fromT"/>
-                            <dgm:param type="nodeHorzAlign" val="l"/>
-                          </dgm:alg>
-                        </dgm:if>
-                        <dgm:else name="Name32">
-                          <dgm:alg type="lin">
-                            <dgm:param type="linDir" val="fromT"/>
-                            <dgm:param type="nodeHorzAlign" val="r"/>
-                          </dgm:alg>
-                        </dgm:else>
-                      </dgm:choose>
-                      <dgm:shape xmlns:r="http://schemas.openxmlformats.org/officeDocument/2006/relationships" r:blip="">
-                        <dgm:adjLst/>
-                      </dgm:shape>
-                      <dgm:presOf/>
-                      <dgm:forEach name="Name33" axis="ch" ptType="node">
-                        <dgm:layoutNode name="horz4">
-                          <dgm:choose name="Name34">
-                            <dgm:if name="Name35" func="var" arg="dir" op="equ" val="norm">
-                              <dgm:alg type="lin">
-                                <dgm:param type="linDir" val="fromL"/>
-                                <dgm:param type="nodeVertAlign" val="t"/>
-                              </dgm:alg>
-                            </dgm:if>
-                            <dgm:else name="Name36">
-                              <dgm:alg type="lin">
-                                <dgm:param type="linDir" val="fromR"/>
-                                <dgm:param type="nodeVertAlign" val="t"/>
-                              </dgm:alg>
-                            </dgm:else>
-                          </dgm:choose>
-                          <dgm:shape xmlns:r="http://schemas.openxmlformats.org/officeDocument/2006/relationships" r:blip="">
-                            <dgm:adjLst/>
-                          </dgm:shape>
-                          <dgm:presOf/>
-                          <dgm:layoutNode name="horzSpace4">
-                            <dgm:alg type="sp"/>
-                            <dgm:shape xmlns:r="http://schemas.openxmlformats.org/officeDocument/2006/relationships" r:blip="">
-                              <dgm:adjLst/>
-                            </dgm:shape>
-                            <dgm:presOf/>
-                          </dgm:layoutNode>
-                          <dgm:layoutNode name="tx4" styleLbl="revTx">
-                            <dgm:varLst>
-                              <dgm:bulletEnabled val="1"/>
-                            </dgm:varLst>
-                            <dgm:alg type="tx">
-                              <dgm:param type="parTxLTRAlign" val="l"/>
-                              <dgm:param type="parTxRTLAlign" val="r"/>
-                              <dgm:param type="txAnchorVert" val="t"/>
-                            </dgm:alg>
-                            <dgm:shape xmlns:r="http://schemas.openxmlformats.org/officeDocument/2006/relationships" type="rect" r:blip="">
-                              <dgm:adjLst/>
-                            </dgm:shape>
-                            <dgm:presOf axis="desOrSelf" ptType="node"/>
-                            <dgm:constrLst>
-                              <dgm:constr type="tMarg" refType="primFontSz" fact="0.3"/>
-                              <dgm:constr type="bMarg" refType="primFontSz" fact="0.3"/>
-                              <dgm:constr type="lMarg" refType="primFontSz" fact="0.3"/>
-                              <dgm:constr type="rMarg" refType="primFontSz" fact="0.3"/>
-                            </dgm:constrLst>
-                            <dgm:ruleLst>
-                              <dgm:rule type="primFontSz" val="5" fact="NaN" max="NaN"/>
-                            </dgm:ruleLst>
-                          </dgm:layoutNode>
-                        </dgm:layoutNode>
-                      </dgm:forEach>
-                    </dgm:layoutNode>
-                  </dgm:layoutNode>
-                  <dgm:forEach name="Name37" axis="followSib" ptType="sibTrans" cnt="1">
-                    <dgm:layoutNode name="thinLine3" styleLbl="callout">
-                      <dgm:alg type="sp"/>
-                      <dgm:shape xmlns:r="http://schemas.openxmlformats.org/officeDocument/2006/relationships" type="line" r:blip="">
-                        <dgm:adjLst/>
-                      </dgm:shape>
-                      <dgm:presOf/>
-                    </dgm:layoutNode>
-                  </dgm:forEach>
-                </dgm:forEach>
-              </dgm:layoutNode>
-            </dgm:layoutNode>
-            <dgm:layoutNode name="thinLine2b" styleLbl="callout">
-              <dgm:alg type="sp"/>
-              <dgm:shape xmlns:r="http://schemas.openxmlformats.org/officeDocument/2006/relationships" type="line" r:blip="">
-                <dgm:adjLst/>
-              </dgm:shape>
-              <dgm:presOf/>
-            </dgm:layoutNode>
-            <dgm:layoutNode name="vertSpace2b">
-              <dgm:alg type="sp"/>
-              <dgm:shape xmlns:r="http://schemas.openxmlformats.org/officeDocument/2006/relationships" r:blip="">
-                <dgm:adjLst/>
-              </dgm:shape>
-              <dgm:presOf/>
-            </dgm:layoutNode>
-          </dgm:forEach>
+          <dgm:presOf axis="self"/>
+          <dgm:constrLst/>
+          <dgm:ruleLst/>
         </dgm:layoutNode>
-      </dgm:layoutNode>
+      </dgm:forEach>
     </dgm:forEach>
   </dgm:layoutNode>
+  <dgm:extLst>
+    <a:ext uri="{68A01E43-0DF5-4B5B-8FA6-DAF915123BFB}">
+      <dgm1612:lstStyle xmlns:dgm1612="http://schemas.microsoft.com/office/drawing/2016/12/diagram">
+        <a:lvl1pPr>
+          <a:lnSpc>
+            <a:spcPct val="100000"/>
+          </a:lnSpc>
+        </a:lvl1pPr>
+        <a:lvl2pPr>
+          <a:lnSpc>
+            <a:spcPct val="100000"/>
+          </a:lnSpc>
+        </a:lvl2pPr>
+      </dgm1612:lstStyle>
+    </a:ext>
+  </dgm:extLst>
 </dgm:layoutDef>
 </file>
 
@@ -3827,7 +4127,7 @@
           <a:p>
             <a:fld id="{4F8B4DA9-3019-427D-ABFB-1118B04C566A}" type="datetimeFigureOut">
               <a:rPr lang="en-US" smtClean="0"/>
-              <a:t>8/6/2019</a:t>
+              <a:t>8/7/2019</a:t>
             </a:fld>
             <a:endParaRPr lang="en-US"/>
           </a:p>
@@ -4025,7 +4325,7 @@
           <a:p>
             <a:fld id="{4F8B4DA9-3019-427D-ABFB-1118B04C566A}" type="datetimeFigureOut">
               <a:rPr lang="en-US" smtClean="0"/>
-              <a:t>8/6/2019</a:t>
+              <a:t>8/7/2019</a:t>
             </a:fld>
             <a:endParaRPr lang="en-US"/>
           </a:p>
@@ -4233,7 +4533,7 @@
           <a:p>
             <a:fld id="{4F8B4DA9-3019-427D-ABFB-1118B04C566A}" type="datetimeFigureOut">
               <a:rPr lang="en-US" smtClean="0"/>
-              <a:t>8/6/2019</a:t>
+              <a:t>8/7/2019</a:t>
             </a:fld>
             <a:endParaRPr lang="en-US"/>
           </a:p>
@@ -4431,7 +4731,7 @@
           <a:p>
             <a:fld id="{4F8B4DA9-3019-427D-ABFB-1118B04C566A}" type="datetimeFigureOut">
               <a:rPr lang="en-US" smtClean="0"/>
-              <a:t>8/6/2019</a:t>
+              <a:t>8/7/2019</a:t>
             </a:fld>
             <a:endParaRPr lang="en-US"/>
           </a:p>
@@ -4706,7 +5006,7 @@
           <a:p>
             <a:fld id="{4F8B4DA9-3019-427D-ABFB-1118B04C566A}" type="datetimeFigureOut">
               <a:rPr lang="en-US" smtClean="0"/>
-              <a:t>8/6/2019</a:t>
+              <a:t>8/7/2019</a:t>
             </a:fld>
             <a:endParaRPr lang="en-US"/>
           </a:p>
@@ -4971,7 +5271,7 @@
           <a:p>
             <a:fld id="{4F8B4DA9-3019-427D-ABFB-1118B04C566A}" type="datetimeFigureOut">
               <a:rPr lang="en-US" smtClean="0"/>
-              <a:t>8/6/2019</a:t>
+              <a:t>8/7/2019</a:t>
             </a:fld>
             <a:endParaRPr lang="en-US"/>
           </a:p>
@@ -5383,7 +5683,7 @@
           <a:p>
             <a:fld id="{4F8B4DA9-3019-427D-ABFB-1118B04C566A}" type="datetimeFigureOut">
               <a:rPr lang="en-US" smtClean="0"/>
-              <a:t>8/6/2019</a:t>
+              <a:t>8/7/2019</a:t>
             </a:fld>
             <a:endParaRPr lang="en-US"/>
           </a:p>
@@ -5524,7 +5824,7 @@
           <a:p>
             <a:fld id="{4F8B4DA9-3019-427D-ABFB-1118B04C566A}" type="datetimeFigureOut">
               <a:rPr lang="en-US" smtClean="0"/>
-              <a:t>8/6/2019</a:t>
+              <a:t>8/7/2019</a:t>
             </a:fld>
             <a:endParaRPr lang="en-US"/>
           </a:p>
@@ -5637,7 +5937,7 @@
           <a:p>
             <a:fld id="{4F8B4DA9-3019-427D-ABFB-1118B04C566A}" type="datetimeFigureOut">
               <a:rPr lang="en-US" smtClean="0"/>
-              <a:t>8/6/2019</a:t>
+              <a:t>8/7/2019</a:t>
             </a:fld>
             <a:endParaRPr lang="en-US"/>
           </a:p>
@@ -5948,7 +6248,7 @@
           <a:p>
             <a:fld id="{4F8B4DA9-3019-427D-ABFB-1118B04C566A}" type="datetimeFigureOut">
               <a:rPr lang="en-US" smtClean="0"/>
-              <a:t>8/6/2019</a:t>
+              <a:t>8/7/2019</a:t>
             </a:fld>
             <a:endParaRPr lang="en-US"/>
           </a:p>
@@ -6236,7 +6536,7 @@
           <a:p>
             <a:fld id="{4F8B4DA9-3019-427D-ABFB-1118B04C566A}" type="datetimeFigureOut">
               <a:rPr lang="en-US" smtClean="0"/>
-              <a:t>8/6/2019</a:t>
+              <a:t>8/7/2019</a:t>
             </a:fld>
             <a:endParaRPr lang="en-US"/>
           </a:p>
@@ -6477,7 +6777,7 @@
           <a:p>
             <a:fld id="{4F8B4DA9-3019-427D-ABFB-1118B04C566A}" type="datetimeFigureOut">
               <a:rPr lang="en-US" smtClean="0"/>
-              <a:t>8/6/2019</a:t>
+              <a:t>8/7/2019</a:t>
             </a:fld>
             <a:endParaRPr lang="en-US"/>
           </a:p>
@@ -8265,6 +8565,579 @@
 </p:sld>
 </file>
 
+<file path=ppt/slides/slide11.xml><?xml version="1.0" encoding="utf-8"?>
+<p:sld xmlns:a="http://schemas.openxmlformats.org/drawingml/2006/main" xmlns:r="http://schemas.openxmlformats.org/officeDocument/2006/relationships" xmlns:p="http://schemas.openxmlformats.org/presentationml/2006/main">
+  <p:cSld>
+    <p:spTree>
+      <p:nvGrpSpPr>
+        <p:cNvPr id="1" name=""/>
+        <p:cNvGrpSpPr/>
+        <p:nvPr/>
+      </p:nvGrpSpPr>
+      <p:grpSpPr>
+        <a:xfrm>
+          <a:off x="0" y="0"/>
+          <a:ext cx="0" cy="0"/>
+          <a:chOff x="0" y="0"/>
+          <a:chExt cx="0" cy="0"/>
+        </a:xfrm>
+      </p:grpSpPr>
+      <p:sp>
+        <p:nvSpPr>
+          <p:cNvPr id="2" name="Title 1">
+            <a:extLst>
+              <a:ext uri="{FF2B5EF4-FFF2-40B4-BE49-F238E27FC236}">
+                <a16:creationId xmlns:a16="http://schemas.microsoft.com/office/drawing/2014/main" id="{244C06C7-F31C-44D9-B96D-5ED897B809A3}"/>
+              </a:ext>
+            </a:extLst>
+          </p:cNvPr>
+          <p:cNvSpPr>
+            <a:spLocks noGrp="1"/>
+          </p:cNvSpPr>
+          <p:nvPr>
+            <p:ph type="title"/>
+          </p:nvPr>
+        </p:nvSpPr>
+        <p:spPr/>
+        <p:txBody>
+          <a:bodyPr/>
+          <a:lstStyle/>
+          <a:p>
+            <a:r>
+              <a:rPr lang="en-US" dirty="0"/>
+              <a:t>Model-based Learning</a:t>
+            </a:r>
+          </a:p>
+        </p:txBody>
+      </p:sp>
+      <mc:AlternateContent xmlns:mc="http://schemas.openxmlformats.org/markup-compatibility/2006">
+        <mc:Choice xmlns:a14="http://schemas.microsoft.com/office/drawing/2010/main" Requires="a14">
+          <p:sp>
+            <p:nvSpPr>
+              <p:cNvPr id="5" name="Content Placeholder 4">
+                <a:extLst>
+                  <a:ext uri="{FF2B5EF4-FFF2-40B4-BE49-F238E27FC236}">
+                    <a16:creationId xmlns:a16="http://schemas.microsoft.com/office/drawing/2014/main" id="{C9D1B637-96CF-4272-9945-8B517FC444FE}"/>
+                  </a:ext>
+                </a:extLst>
+              </p:cNvPr>
+              <p:cNvSpPr>
+                <a:spLocks noGrp="1"/>
+              </p:cNvSpPr>
+              <p:nvPr>
+                <p:ph idx="1"/>
+              </p:nvPr>
+            </p:nvSpPr>
+            <p:spPr/>
+            <p:txBody>
+              <a:bodyPr/>
+              <a:lstStyle/>
+              <a:p>
+                <a:r>
+                  <a:rPr lang="en-US" dirty="0"/>
+                  <a:t>Value Iteration</a:t>
+                </a:r>
+              </a:p>
+              <a:p>
+                <a:endParaRPr lang="en-US" dirty="0"/>
+              </a:p>
+              <a:p>
+                <a:r>
+                  <a:rPr lang="en-US" dirty="0"/>
+                  <a:t>Policy Iteration:</a:t>
+                </a:r>
+              </a:p>
+              <a:p>
+                <a:pPr lvl="1"/>
+                <a:r>
+                  <a:rPr lang="en-US" dirty="0"/>
+                  <a:t>Initialize V and PI to arbitrary values and actions</a:t>
+                </a:r>
+              </a:p>
+              <a:p>
+                <a:pPr lvl="1"/>
+                <a:r>
+                  <a:rPr lang="en-US" dirty="0"/>
+                  <a:t>Policy Evaluation:</a:t>
+                </a:r>
+              </a:p>
+              <a:p>
+                <a:pPr lvl="2"/>
+                <a:r>
+                  <a:rPr lang="en-US" dirty="0"/>
+                  <a:t>For each state s</a:t>
+                </a:r>
+              </a:p>
+              <a:p>
+                <a:pPr lvl="3"/>
+                <a:r>
+                  <a:rPr lang="en-US" dirty="0"/>
+                  <a:t>Compute </a:t>
+                </a:r>
+                <a14:m>
+                  <m:oMath xmlns:m="http://schemas.openxmlformats.org/officeDocument/2006/math">
+                    <m:sSub>
+                      <m:sSubPr>
+                        <m:ctrlPr>
+                          <a:rPr lang="en-US" i="1">
+                            <a:latin typeface="Cambria Math" panose="02040503050406030204" pitchFamily="18" charset="0"/>
+                          </a:rPr>
+                        </m:ctrlPr>
+                      </m:sSubPr>
+                      <m:e>
+                        <m:r>
+                          <a:rPr lang="en-US" i="1">
+                            <a:latin typeface="Cambria Math" panose="02040503050406030204" pitchFamily="18" charset="0"/>
+                          </a:rPr>
+                          <m:t>𝑣</m:t>
+                        </m:r>
+                      </m:e>
+                      <m:sub>
+                        <m:r>
+                          <a:rPr lang="en-US" b="0" i="1" smtClean="0">
+                            <a:latin typeface="Cambria Math" panose="02040503050406030204" pitchFamily="18" charset="0"/>
+                          </a:rPr>
+                          <m:t>𝑠</m:t>
+                        </m:r>
+                      </m:sub>
+                    </m:sSub>
+                    <m:r>
+                      <a:rPr lang="en-US" i="1">
+                        <a:latin typeface="Cambria Math" panose="02040503050406030204" pitchFamily="18" charset="0"/>
+                      </a:rPr>
+                      <m:t>=</m:t>
+                    </m:r>
+                    <m:nary>
+                      <m:naryPr>
+                        <m:chr m:val="∑"/>
+                        <m:supHide m:val="on"/>
+                        <m:ctrlPr>
+                          <a:rPr lang="en-US" i="1">
+                            <a:latin typeface="Cambria Math" panose="02040503050406030204" pitchFamily="18" charset="0"/>
+                            <a:ea typeface="Cambria Math" panose="02040503050406030204" pitchFamily="18" charset="0"/>
+                          </a:rPr>
+                        </m:ctrlPr>
+                      </m:naryPr>
+                      <m:sub>
+                        <m:r>
+                          <m:rPr>
+                            <m:brk m:alnAt="7"/>
+                          </m:rPr>
+                          <a:rPr lang="en-US" i="1">
+                            <a:latin typeface="Cambria Math" panose="02040503050406030204" pitchFamily="18" charset="0"/>
+                            <a:ea typeface="Cambria Math" panose="02040503050406030204" pitchFamily="18" charset="0"/>
+                          </a:rPr>
+                          <m:t>𝑎</m:t>
+                        </m:r>
+                      </m:sub>
+                      <m:sup/>
+                      <m:e>
+                        <m:r>
+                          <a:rPr lang="en-US" i="1">
+                            <a:latin typeface="Cambria Math" panose="02040503050406030204" pitchFamily="18" charset="0"/>
+                            <a:ea typeface="Cambria Math" panose="02040503050406030204" pitchFamily="18" charset="0"/>
+                          </a:rPr>
+                          <m:t>𝑃</m:t>
+                        </m:r>
+                        <m:r>
+                          <a:rPr lang="en-US" i="1">
+                            <a:latin typeface="Cambria Math" panose="02040503050406030204" pitchFamily="18" charset="0"/>
+                            <a:ea typeface="Cambria Math" panose="02040503050406030204" pitchFamily="18" charset="0"/>
+                          </a:rPr>
+                          <m:t>.(</m:t>
+                        </m:r>
+                        <m:sSub>
+                          <m:sSubPr>
+                            <m:ctrlPr>
+                              <a:rPr lang="en-US" i="1">
+                                <a:latin typeface="Cambria Math" panose="02040503050406030204" pitchFamily="18" charset="0"/>
+                                <a:ea typeface="Cambria Math" panose="02040503050406030204" pitchFamily="18" charset="0"/>
+                              </a:rPr>
+                            </m:ctrlPr>
+                          </m:sSubPr>
+                          <m:e>
+                            <m:r>
+                              <a:rPr lang="en-US" b="0" i="1" smtClean="0">
+                                <a:latin typeface="Cambria Math" panose="02040503050406030204" pitchFamily="18" charset="0"/>
+                                <a:ea typeface="Cambria Math" panose="02040503050406030204" pitchFamily="18" charset="0"/>
+                              </a:rPr>
+                              <m:t>𝑅</m:t>
+                            </m:r>
+                            <m:r>
+                              <a:rPr lang="en-US" b="0" i="1" smtClean="0">
+                                <a:latin typeface="Cambria Math" panose="02040503050406030204" pitchFamily="18" charset="0"/>
+                                <a:ea typeface="Cambria Math" panose="02040503050406030204" pitchFamily="18" charset="0"/>
+                              </a:rPr>
+                              <m:t>+</m:t>
+                            </m:r>
+                            <m:r>
+                              <a:rPr lang="en-US" b="0" i="1" smtClean="0">
+                                <a:latin typeface="Cambria Math" panose="02040503050406030204" pitchFamily="18" charset="0"/>
+                                <a:ea typeface="Cambria Math" panose="02040503050406030204" pitchFamily="18" charset="0"/>
+                              </a:rPr>
+                              <m:t>𝛾</m:t>
+                            </m:r>
+                            <m:r>
+                              <a:rPr lang="en-US" i="1">
+                                <a:latin typeface="Cambria Math" panose="02040503050406030204" pitchFamily="18" charset="0"/>
+                                <a:ea typeface="Cambria Math" panose="02040503050406030204" pitchFamily="18" charset="0"/>
+                              </a:rPr>
+                              <m:t>𝑣</m:t>
+                            </m:r>
+                          </m:e>
+                          <m:sub>
+                            <m:r>
+                              <a:rPr lang="en-US" i="1">
+                                <a:latin typeface="Cambria Math" panose="02040503050406030204" pitchFamily="18" charset="0"/>
+                                <a:ea typeface="Cambria Math" panose="02040503050406030204" pitchFamily="18" charset="0"/>
+                              </a:rPr>
+                              <m:t>𝑠</m:t>
+                            </m:r>
+                            <m:r>
+                              <a:rPr lang="en-US" i="1">
+                                <a:latin typeface="Cambria Math" panose="02040503050406030204" pitchFamily="18" charset="0"/>
+                                <a:ea typeface="Cambria Math" panose="02040503050406030204" pitchFamily="18" charset="0"/>
+                              </a:rPr>
+                              <m:t>′</m:t>
+                            </m:r>
+                          </m:sub>
+                        </m:sSub>
+                        <m:r>
+                          <a:rPr lang="en-US" i="1">
+                            <a:latin typeface="Cambria Math" panose="02040503050406030204" pitchFamily="18" charset="0"/>
+                            <a:ea typeface="Cambria Math" panose="02040503050406030204" pitchFamily="18" charset="0"/>
+                          </a:rPr>
+                          <m:t>)</m:t>
+                        </m:r>
+                      </m:e>
+                    </m:nary>
+                  </m:oMath>
+                </a14:m>
+                <a:endParaRPr lang="en-US" dirty="0"/>
+              </a:p>
+              <a:p>
+                <a:pPr lvl="2"/>
+                <a:r>
+                  <a:rPr lang="en-US" dirty="0"/>
+                  <a:t>Check for V convergence</a:t>
+                </a:r>
+              </a:p>
+              <a:p>
+                <a:pPr lvl="1"/>
+                <a:r>
+                  <a:rPr lang="en-US" dirty="0"/>
+                  <a:t>Policy Improvement based on updated V</a:t>
+                </a:r>
+              </a:p>
+              <a:p>
+                <a:pPr lvl="1"/>
+                <a:r>
+                  <a:rPr lang="en-US" dirty="0"/>
+                  <a:t>If policy stays the same, exit.</a:t>
+                </a:r>
+              </a:p>
+            </p:txBody>
+          </p:sp>
+        </mc:Choice>
+        <mc:Fallback>
+          <p:sp>
+            <p:nvSpPr>
+              <p:cNvPr id="5" name="Content Placeholder 4">
+                <a:extLst>
+                  <a:ext uri="{FF2B5EF4-FFF2-40B4-BE49-F238E27FC236}">
+                    <a16:creationId xmlns:a16="http://schemas.microsoft.com/office/drawing/2014/main" id="{C9D1B637-96CF-4272-9945-8B517FC444FE}"/>
+                  </a:ext>
+                </a:extLst>
+              </p:cNvPr>
+              <p:cNvSpPr>
+                <a:spLocks noGrp="1" noRot="1" noChangeAspect="1" noMove="1" noResize="1" noEditPoints="1" noAdjustHandles="1" noChangeArrowheads="1" noChangeShapeType="1" noTextEdit="1"/>
+              </p:cNvSpPr>
+              <p:nvPr>
+                <p:ph idx="1"/>
+              </p:nvPr>
+            </p:nvSpPr>
+            <p:spPr>
+              <a:blipFill>
+                <a:blip r:embed="rId2"/>
+                <a:stretch>
+                  <a:fillRect l="-1043" t="-2241"/>
+                </a:stretch>
+              </a:blipFill>
+            </p:spPr>
+            <p:txBody>
+              <a:bodyPr/>
+              <a:lstStyle/>
+              <a:p>
+                <a:r>
+                  <a:rPr lang="en-US">
+                    <a:noFill/>
+                  </a:rPr>
+                  <a:t> </a:t>
+                </a:r>
+              </a:p>
+            </p:txBody>
+          </p:sp>
+        </mc:Fallback>
+      </mc:AlternateContent>
+      <p:pic>
+        <p:nvPicPr>
+          <p:cNvPr id="6" name="Picture 5">
+            <a:extLst>
+              <a:ext uri="{FF2B5EF4-FFF2-40B4-BE49-F238E27FC236}">
+                <a16:creationId xmlns:a16="http://schemas.microsoft.com/office/drawing/2014/main" id="{F406EED7-AB7A-40D9-A802-103CDC995F55}"/>
+              </a:ext>
+            </a:extLst>
+          </p:cNvPr>
+          <p:cNvPicPr>
+            <a:picLocks noChangeAspect="1"/>
+          </p:cNvPicPr>
+          <p:nvPr/>
+        </p:nvPicPr>
+        <p:blipFill>
+          <a:blip r:embed="rId3"/>
+          <a:stretch>
+            <a:fillRect/>
+          </a:stretch>
+        </p:blipFill>
+        <p:spPr>
+          <a:xfrm>
+            <a:off x="4057652" y="1616439"/>
+            <a:ext cx="5713216" cy="964228"/>
+          </a:xfrm>
+          <a:prstGeom prst="rect">
+            <a:avLst/>
+          </a:prstGeom>
+        </p:spPr>
+      </p:pic>
+    </p:spTree>
+    <p:extLst>
+      <p:ext uri="{BB962C8B-B14F-4D97-AF65-F5344CB8AC3E}">
+        <p14:creationId xmlns:p14="http://schemas.microsoft.com/office/powerpoint/2010/main" val="1017117081"/>
+      </p:ext>
+    </p:extLst>
+  </p:cSld>
+  <p:clrMapOvr>
+    <a:masterClrMapping/>
+  </p:clrMapOvr>
+</p:sld>
+</file>
+
+<file path=ppt/slides/slide12.xml><?xml version="1.0" encoding="utf-8"?>
+<p:sld xmlns:a="http://schemas.openxmlformats.org/drawingml/2006/main" xmlns:r="http://schemas.openxmlformats.org/officeDocument/2006/relationships" xmlns:p="http://schemas.openxmlformats.org/presentationml/2006/main">
+  <p:cSld>
+    <p:spTree>
+      <p:nvGrpSpPr>
+        <p:cNvPr id="1" name=""/>
+        <p:cNvGrpSpPr/>
+        <p:nvPr/>
+      </p:nvGrpSpPr>
+      <p:grpSpPr>
+        <a:xfrm>
+          <a:off x="0" y="0"/>
+          <a:ext cx="0" cy="0"/>
+          <a:chOff x="0" y="0"/>
+          <a:chExt cx="0" cy="0"/>
+        </a:xfrm>
+      </p:grpSpPr>
+      <p:sp>
+        <p:nvSpPr>
+          <p:cNvPr id="2" name="Title 1">
+            <a:extLst>
+              <a:ext uri="{FF2B5EF4-FFF2-40B4-BE49-F238E27FC236}">
+                <a16:creationId xmlns:a16="http://schemas.microsoft.com/office/drawing/2014/main" id="{E79DADB4-C410-47CB-8CE6-A5B0E5C43FA2}"/>
+              </a:ext>
+            </a:extLst>
+          </p:cNvPr>
+          <p:cNvSpPr>
+            <a:spLocks noGrp="1"/>
+          </p:cNvSpPr>
+          <p:nvPr>
+            <p:ph type="title"/>
+          </p:nvPr>
+        </p:nvSpPr>
+        <p:spPr/>
+        <p:txBody>
+          <a:bodyPr/>
+          <a:lstStyle/>
+          <a:p>
+            <a:r>
+              <a:rPr lang="en-US" dirty="0"/>
+              <a:t>Model-free Learning</a:t>
+            </a:r>
+          </a:p>
+        </p:txBody>
+      </p:sp>
+      <p:sp>
+        <p:nvSpPr>
+          <p:cNvPr id="3" name="Content Placeholder 2">
+            <a:extLst>
+              <a:ext uri="{FF2B5EF4-FFF2-40B4-BE49-F238E27FC236}">
+                <a16:creationId xmlns:a16="http://schemas.microsoft.com/office/drawing/2014/main" id="{9B334716-2CFA-4636-83D1-17A4F0DE9CA0}"/>
+              </a:ext>
+            </a:extLst>
+          </p:cNvPr>
+          <p:cNvSpPr>
+            <a:spLocks noGrp="1"/>
+          </p:cNvSpPr>
+          <p:nvPr>
+            <p:ph sz="half" idx="1"/>
+          </p:nvPr>
+        </p:nvSpPr>
+        <p:spPr/>
+        <p:txBody>
+          <a:bodyPr/>
+          <a:lstStyle/>
+          <a:p>
+            <a:r>
+              <a:rPr lang="en-US" dirty="0"/>
+              <a:t>Q-Learning</a:t>
+            </a:r>
+          </a:p>
+          <a:p>
+            <a:pPr lvl="1"/>
+            <a:r>
+              <a:rPr lang="en-US" dirty="0"/>
+              <a:t>Transition probabilities unknown</a:t>
+            </a:r>
+          </a:p>
+          <a:p>
+            <a:pPr lvl="1"/>
+            <a:r>
+              <a:rPr lang="en-US" dirty="0"/>
+              <a:t>Reward function unknown</a:t>
+            </a:r>
+          </a:p>
+          <a:p>
+            <a:r>
+              <a:rPr lang="en-US" dirty="0"/>
+              <a:t>Exploration</a:t>
+            </a:r>
+          </a:p>
+          <a:p>
+            <a:pPr lvl="1"/>
+            <a:r>
+              <a:rPr lang="en-US" dirty="0"/>
+              <a:t>Learn new states</a:t>
+            </a:r>
+          </a:p>
+          <a:p>
+            <a:pPr lvl="1"/>
+            <a:r>
+              <a:rPr lang="en-US" dirty="0"/>
+              <a:t>randomized</a:t>
+            </a:r>
+          </a:p>
+          <a:p>
+            <a:r>
+              <a:rPr lang="en-US" dirty="0"/>
+              <a:t>Exploitation</a:t>
+            </a:r>
+          </a:p>
+          <a:p>
+            <a:pPr lvl="1"/>
+            <a:r>
+              <a:rPr lang="en-US" dirty="0"/>
+              <a:t>Utilize the knowledge gained to achieve the goal.</a:t>
+            </a:r>
+          </a:p>
+          <a:p>
+            <a:r>
+              <a:rPr lang="en-US" dirty="0"/>
+              <a:t>Balance.</a:t>
+            </a:r>
+          </a:p>
+        </p:txBody>
+      </p:sp>
+      <p:pic>
+        <p:nvPicPr>
+          <p:cNvPr id="5" name="Picture 4">
+            <a:extLst>
+              <a:ext uri="{FF2B5EF4-FFF2-40B4-BE49-F238E27FC236}">
+                <a16:creationId xmlns:a16="http://schemas.microsoft.com/office/drawing/2014/main" id="{E6F84AFE-65FE-455E-92EF-F3D75D4099AB}"/>
+              </a:ext>
+            </a:extLst>
+          </p:cNvPr>
+          <p:cNvPicPr>
+            <a:picLocks noChangeAspect="1"/>
+          </p:cNvPicPr>
+          <p:nvPr/>
+        </p:nvPicPr>
+        <p:blipFill>
+          <a:blip r:embed="rId2"/>
+          <a:stretch>
+            <a:fillRect/>
+          </a:stretch>
+        </p:blipFill>
+        <p:spPr>
+          <a:xfrm>
+            <a:off x="5354216" y="1690688"/>
+            <a:ext cx="6400800" cy="552450"/>
+          </a:xfrm>
+          <a:prstGeom prst="rect">
+            <a:avLst/>
+          </a:prstGeom>
+        </p:spPr>
+      </p:pic>
+      <p:pic>
+        <p:nvPicPr>
+          <p:cNvPr id="1026" name="Picture 2" descr="Image result for chess openings">
+            <a:extLst>
+              <a:ext uri="{FF2B5EF4-FFF2-40B4-BE49-F238E27FC236}">
+                <a16:creationId xmlns:a16="http://schemas.microsoft.com/office/drawing/2014/main" id="{16510F54-5231-4570-AD01-485F469BECAD}"/>
+              </a:ext>
+            </a:extLst>
+          </p:cNvPr>
+          <p:cNvPicPr>
+            <a:picLocks noChangeAspect="1" noChangeArrowheads="1"/>
+          </p:cNvPicPr>
+          <p:nvPr/>
+        </p:nvPicPr>
+        <p:blipFill>
+          <a:blip r:embed="rId3">
+            <a:extLst>
+              <a:ext uri="{28A0092B-C50C-407E-A947-70E740481C1C}">
+                <a14:useLocalDpi xmlns:a14="http://schemas.microsoft.com/office/drawing/2010/main" val="0"/>
+              </a:ext>
+            </a:extLst>
+          </a:blip>
+          <a:srcRect/>
+          <a:stretch>
+            <a:fillRect/>
+          </a:stretch>
+        </p:blipFill>
+        <p:spPr bwMode="auto">
+          <a:xfrm>
+            <a:off x="8326016" y="2747963"/>
+            <a:ext cx="3429000" cy="3429000"/>
+          </a:xfrm>
+          <a:prstGeom prst="rect">
+            <a:avLst/>
+          </a:prstGeom>
+          <a:noFill/>
+          <a:extLst>
+            <a:ext uri="{909E8E84-426E-40DD-AFC4-6F175D3DCCD1}">
+              <a14:hiddenFill xmlns:a14="http://schemas.microsoft.com/office/drawing/2010/main">
+                <a:solidFill>
+                  <a:srgbClr val="FFFFFF"/>
+                </a:solidFill>
+              </a14:hiddenFill>
+            </a:ext>
+          </a:extLst>
+        </p:spPr>
+      </p:pic>
+    </p:spTree>
+    <p:extLst>
+      <p:ext uri="{BB962C8B-B14F-4D97-AF65-F5344CB8AC3E}">
+        <p14:creationId xmlns:p14="http://schemas.microsoft.com/office/powerpoint/2010/main" val="3597599106"/>
+      </p:ext>
+    </p:extLst>
+  </p:cSld>
+  <p:clrMapOvr>
+    <a:masterClrMapping/>
+  </p:clrMapOvr>
+</p:sld>
+</file>
+
 <file path=ppt/slides/slide2.xml><?xml version="1.0" encoding="utf-8"?>
 <p:sld xmlns:a="http://schemas.openxmlformats.org/drawingml/2006/main" xmlns:r="http://schemas.openxmlformats.org/officeDocument/2006/relationships" xmlns:p="http://schemas.openxmlformats.org/presentationml/2006/main">
   <p:cSld>
@@ -8785,10 +9658,10 @@
       </p:grpSpPr>
       <p:sp>
         <p:nvSpPr>
-          <p:cNvPr id="18" name="Freeform: Shape 17">
+          <p:cNvPr id="33" name="Freeform: Shape 32">
             <a:extLst>
               <a:ext uri="{FF2B5EF4-FFF2-40B4-BE49-F238E27FC236}">
-                <a16:creationId xmlns:a16="http://schemas.microsoft.com/office/drawing/2014/main" id="{42285737-90EE-47DC-AC80-8AE156B11969}"/>
+                <a16:creationId xmlns:a16="http://schemas.microsoft.com/office/drawing/2014/main" id="{46C2E80F-49A6-4372-B103-219D417A55ED}"/>
               </a:ext>
               <a:ext uri="{C183D7F6-B498-43B3-948B-1728B52AA6E4}">
                 <adec:decorative xmlns:adec="http://schemas.microsoft.com/office/drawing/2017/decorative" val="1"/>
@@ -8807,33 +9680,107 @@
           </p:nvPr>
         </p:nvSpPr>
         <p:spPr>
-          <a:xfrm flipV="1">
-            <a:off x="-1" y="-1"/>
-            <a:ext cx="4403709" cy="6858001"/>
+          <a:xfrm>
+            <a:off x="484096" y="470925"/>
+            <a:ext cx="4381009" cy="5892104"/>
           </a:xfrm>
           <a:custGeom>
             <a:avLst/>
             <a:gdLst>
-              <a:gd name="connsiteX0" fmla="*/ 3223890 w 4403709"/>
-              <a:gd name="connsiteY0" fmla="*/ 6858001 h 6858001"/>
-              <a:gd name="connsiteX1" fmla="*/ 4101908 w 4403709"/>
-              <a:gd name="connsiteY1" fmla="*/ 6858001 h 6858001"/>
-              <a:gd name="connsiteX2" fmla="*/ 3254950 w 4403709"/>
-              <a:gd name="connsiteY2" fmla="*/ 1599356 h 6858001"/>
-              <a:gd name="connsiteX3" fmla="*/ 3254950 w 4403709"/>
-              <a:gd name="connsiteY3" fmla="*/ 1594062 h 6858001"/>
-              <a:gd name="connsiteX4" fmla="*/ 4403709 w 4403709"/>
-              <a:gd name="connsiteY4" fmla="*/ 0 h 6858001"/>
-              <a:gd name="connsiteX5" fmla="*/ 3254950 w 4403709"/>
-              <a:gd name="connsiteY5" fmla="*/ 0 h 6858001"/>
-              <a:gd name="connsiteX6" fmla="*/ 2903520 w 4403709"/>
-              <a:gd name="connsiteY6" fmla="*/ 0 h 6858001"/>
-              <a:gd name="connsiteX7" fmla="*/ 0 w 4403709"/>
-              <a:gd name="connsiteY7" fmla="*/ 0 h 6858001"/>
-              <a:gd name="connsiteX8" fmla="*/ 0 w 4403709"/>
-              <a:gd name="connsiteY8" fmla="*/ 6858000 h 6858001"/>
-              <a:gd name="connsiteX9" fmla="*/ 3223890 w 4403709"/>
-              <a:gd name="connsiteY9" fmla="*/ 6858000 h 6858001"/>
+              <a:gd name="connsiteX0" fmla="*/ 0 w 4381009"/>
+              <a:gd name="connsiteY0" fmla="*/ 0 h 5892104"/>
+              <a:gd name="connsiteX1" fmla="*/ 4157628 w 4381009"/>
+              <a:gd name="connsiteY1" fmla="*/ 0 h 5892104"/>
+              <a:gd name="connsiteX2" fmla="*/ 4169302 w 4381009"/>
+              <a:gd name="connsiteY2" fmla="*/ 68659 h 5892104"/>
+              <a:gd name="connsiteX3" fmla="*/ 4191571 w 4381009"/>
+              <a:gd name="connsiteY3" fmla="*/ 205472 h 5892104"/>
+              <a:gd name="connsiteX4" fmla="*/ 4213368 w 4381009"/>
+              <a:gd name="connsiteY4" fmla="*/ 342890 h 5892104"/>
+              <a:gd name="connsiteX5" fmla="*/ 4232030 w 4381009"/>
+              <a:gd name="connsiteY5" fmla="*/ 480913 h 5892104"/>
+              <a:gd name="connsiteX6" fmla="*/ 4250848 w 4381009"/>
+              <a:gd name="connsiteY6" fmla="*/ 618332 h 5892104"/>
+              <a:gd name="connsiteX7" fmla="*/ 4268412 w 4381009"/>
+              <a:gd name="connsiteY7" fmla="*/ 756355 h 5892104"/>
+              <a:gd name="connsiteX8" fmla="*/ 4283467 w 4381009"/>
+              <a:gd name="connsiteY8" fmla="*/ 892563 h 5892104"/>
+              <a:gd name="connsiteX9" fmla="*/ 4297737 w 4381009"/>
+              <a:gd name="connsiteY9" fmla="*/ 1030587 h 5892104"/>
+              <a:gd name="connsiteX10" fmla="*/ 4310754 w 4381009"/>
+              <a:gd name="connsiteY10" fmla="*/ 1168005 h 5892104"/>
+              <a:gd name="connsiteX11" fmla="*/ 4322045 w 4381009"/>
+              <a:gd name="connsiteY11" fmla="*/ 1303002 h 5892104"/>
+              <a:gd name="connsiteX12" fmla="*/ 4333336 w 4381009"/>
+              <a:gd name="connsiteY12" fmla="*/ 1439815 h 5892104"/>
+              <a:gd name="connsiteX13" fmla="*/ 4342745 w 4381009"/>
+              <a:gd name="connsiteY13" fmla="*/ 1574812 h 5892104"/>
+              <a:gd name="connsiteX14" fmla="*/ 4350115 w 4381009"/>
+              <a:gd name="connsiteY14" fmla="*/ 1709808 h 5892104"/>
+              <a:gd name="connsiteX15" fmla="*/ 4357799 w 4381009"/>
+              <a:gd name="connsiteY15" fmla="*/ 1844200 h 5892104"/>
+              <a:gd name="connsiteX16" fmla="*/ 4364229 w 4381009"/>
+              <a:gd name="connsiteY16" fmla="*/ 1977381 h 5892104"/>
+              <a:gd name="connsiteX17" fmla="*/ 4368777 w 4381009"/>
+              <a:gd name="connsiteY17" fmla="*/ 2109351 h 5892104"/>
+              <a:gd name="connsiteX18" fmla="*/ 4372697 w 4381009"/>
+              <a:gd name="connsiteY18" fmla="*/ 2241321 h 5892104"/>
+              <a:gd name="connsiteX19" fmla="*/ 4376461 w 4381009"/>
+              <a:gd name="connsiteY19" fmla="*/ 2372080 h 5892104"/>
+              <a:gd name="connsiteX20" fmla="*/ 4378186 w 4381009"/>
+              <a:gd name="connsiteY20" fmla="*/ 2501023 h 5892104"/>
+              <a:gd name="connsiteX21" fmla="*/ 4380068 w 4381009"/>
+              <a:gd name="connsiteY21" fmla="*/ 2629966 h 5892104"/>
+              <a:gd name="connsiteX22" fmla="*/ 4381009 w 4381009"/>
+              <a:gd name="connsiteY22" fmla="*/ 2757093 h 5892104"/>
+              <a:gd name="connsiteX23" fmla="*/ 4380068 w 4381009"/>
+              <a:gd name="connsiteY23" fmla="*/ 2883010 h 5892104"/>
+              <a:gd name="connsiteX24" fmla="*/ 4380068 w 4381009"/>
+              <a:gd name="connsiteY24" fmla="*/ 3007715 h 5892104"/>
+              <a:gd name="connsiteX25" fmla="*/ 4378186 w 4381009"/>
+              <a:gd name="connsiteY25" fmla="*/ 3131210 h 5892104"/>
+              <a:gd name="connsiteX26" fmla="*/ 4375363 w 4381009"/>
+              <a:gd name="connsiteY26" fmla="*/ 3252283 h 5892104"/>
+              <a:gd name="connsiteX27" fmla="*/ 4372697 w 4381009"/>
+              <a:gd name="connsiteY27" fmla="*/ 3372146 h 5892104"/>
+              <a:gd name="connsiteX28" fmla="*/ 4369718 w 4381009"/>
+              <a:gd name="connsiteY28" fmla="*/ 3489587 h 5892104"/>
+              <a:gd name="connsiteX29" fmla="*/ 4365170 w 4381009"/>
+              <a:gd name="connsiteY29" fmla="*/ 3606423 h 5892104"/>
+              <a:gd name="connsiteX30" fmla="*/ 4360309 w 4381009"/>
+              <a:gd name="connsiteY30" fmla="*/ 3721443 h 5892104"/>
+              <a:gd name="connsiteX31" fmla="*/ 4355918 w 4381009"/>
+              <a:gd name="connsiteY31" fmla="*/ 3834041 h 5892104"/>
+              <a:gd name="connsiteX32" fmla="*/ 4343529 w 4381009"/>
+              <a:gd name="connsiteY32" fmla="*/ 4053789 h 5892104"/>
+              <a:gd name="connsiteX33" fmla="*/ 4330356 w 4381009"/>
+              <a:gd name="connsiteY33" fmla="*/ 4264457 h 5892104"/>
+              <a:gd name="connsiteX34" fmla="*/ 4316556 w 4381009"/>
+              <a:gd name="connsiteY34" fmla="*/ 4466650 h 5892104"/>
+              <a:gd name="connsiteX35" fmla="*/ 4301344 w 4381009"/>
+              <a:gd name="connsiteY35" fmla="*/ 4657946 h 5892104"/>
+              <a:gd name="connsiteX36" fmla="*/ 4285506 w 4381009"/>
+              <a:gd name="connsiteY36" fmla="*/ 4840767 h 5892104"/>
+              <a:gd name="connsiteX37" fmla="*/ 4268412 w 4381009"/>
+              <a:gd name="connsiteY37" fmla="*/ 5010269 h 5892104"/>
+              <a:gd name="connsiteX38" fmla="*/ 4251633 w 4381009"/>
+              <a:gd name="connsiteY38" fmla="*/ 5169481 h 5892104"/>
+              <a:gd name="connsiteX39" fmla="*/ 4234853 w 4381009"/>
+              <a:gd name="connsiteY39" fmla="*/ 5315980 h 5892104"/>
+              <a:gd name="connsiteX40" fmla="*/ 4219014 w 4381009"/>
+              <a:gd name="connsiteY40" fmla="*/ 5450371 h 5892104"/>
+              <a:gd name="connsiteX41" fmla="*/ 4203959 w 4381009"/>
+              <a:gd name="connsiteY41" fmla="*/ 5569628 h 5892104"/>
+              <a:gd name="connsiteX42" fmla="*/ 4189689 w 4381009"/>
+              <a:gd name="connsiteY42" fmla="*/ 5677384 h 5892104"/>
+              <a:gd name="connsiteX43" fmla="*/ 4177770 w 4381009"/>
+              <a:gd name="connsiteY43" fmla="*/ 5768189 h 5892104"/>
+              <a:gd name="connsiteX44" fmla="*/ 4166479 w 4381009"/>
+              <a:gd name="connsiteY44" fmla="*/ 5844465 h 5892104"/>
+              <a:gd name="connsiteX45" fmla="*/ 4159132 w 4381009"/>
+              <a:gd name="connsiteY45" fmla="*/ 5892104 h 5892104"/>
+              <a:gd name="connsiteX46" fmla="*/ 0 w 4381009"/>
+              <a:gd name="connsiteY46" fmla="*/ 5892104 h 5892104"/>
             </a:gdLst>
             <a:ahLst/>
             <a:cxnLst>
@@ -8867,44 +9814,269 @@
               <a:cxn ang="0">
                 <a:pos x="connsiteX9" y="connsiteY9"/>
               </a:cxn>
+              <a:cxn ang="0">
+                <a:pos x="connsiteX10" y="connsiteY10"/>
+              </a:cxn>
+              <a:cxn ang="0">
+                <a:pos x="connsiteX11" y="connsiteY11"/>
+              </a:cxn>
+              <a:cxn ang="0">
+                <a:pos x="connsiteX12" y="connsiteY12"/>
+              </a:cxn>
+              <a:cxn ang="0">
+                <a:pos x="connsiteX13" y="connsiteY13"/>
+              </a:cxn>
+              <a:cxn ang="0">
+                <a:pos x="connsiteX14" y="connsiteY14"/>
+              </a:cxn>
+              <a:cxn ang="0">
+                <a:pos x="connsiteX15" y="connsiteY15"/>
+              </a:cxn>
+              <a:cxn ang="0">
+                <a:pos x="connsiteX16" y="connsiteY16"/>
+              </a:cxn>
+              <a:cxn ang="0">
+                <a:pos x="connsiteX17" y="connsiteY17"/>
+              </a:cxn>
+              <a:cxn ang="0">
+                <a:pos x="connsiteX18" y="connsiteY18"/>
+              </a:cxn>
+              <a:cxn ang="0">
+                <a:pos x="connsiteX19" y="connsiteY19"/>
+              </a:cxn>
+              <a:cxn ang="0">
+                <a:pos x="connsiteX20" y="connsiteY20"/>
+              </a:cxn>
+              <a:cxn ang="0">
+                <a:pos x="connsiteX21" y="connsiteY21"/>
+              </a:cxn>
+              <a:cxn ang="0">
+                <a:pos x="connsiteX22" y="connsiteY22"/>
+              </a:cxn>
+              <a:cxn ang="0">
+                <a:pos x="connsiteX23" y="connsiteY23"/>
+              </a:cxn>
+              <a:cxn ang="0">
+                <a:pos x="connsiteX24" y="connsiteY24"/>
+              </a:cxn>
+              <a:cxn ang="0">
+                <a:pos x="connsiteX25" y="connsiteY25"/>
+              </a:cxn>
+              <a:cxn ang="0">
+                <a:pos x="connsiteX26" y="connsiteY26"/>
+              </a:cxn>
+              <a:cxn ang="0">
+                <a:pos x="connsiteX27" y="connsiteY27"/>
+              </a:cxn>
+              <a:cxn ang="0">
+                <a:pos x="connsiteX28" y="connsiteY28"/>
+              </a:cxn>
+              <a:cxn ang="0">
+                <a:pos x="connsiteX29" y="connsiteY29"/>
+              </a:cxn>
+              <a:cxn ang="0">
+                <a:pos x="connsiteX30" y="connsiteY30"/>
+              </a:cxn>
+              <a:cxn ang="0">
+                <a:pos x="connsiteX31" y="connsiteY31"/>
+              </a:cxn>
+              <a:cxn ang="0">
+                <a:pos x="connsiteX32" y="connsiteY32"/>
+              </a:cxn>
+              <a:cxn ang="0">
+                <a:pos x="connsiteX33" y="connsiteY33"/>
+              </a:cxn>
+              <a:cxn ang="0">
+                <a:pos x="connsiteX34" y="connsiteY34"/>
+              </a:cxn>
+              <a:cxn ang="0">
+                <a:pos x="connsiteX35" y="connsiteY35"/>
+              </a:cxn>
+              <a:cxn ang="0">
+                <a:pos x="connsiteX36" y="connsiteY36"/>
+              </a:cxn>
+              <a:cxn ang="0">
+                <a:pos x="connsiteX37" y="connsiteY37"/>
+              </a:cxn>
+              <a:cxn ang="0">
+                <a:pos x="connsiteX38" y="connsiteY38"/>
+              </a:cxn>
+              <a:cxn ang="0">
+                <a:pos x="connsiteX39" y="connsiteY39"/>
+              </a:cxn>
+              <a:cxn ang="0">
+                <a:pos x="connsiteX40" y="connsiteY40"/>
+              </a:cxn>
+              <a:cxn ang="0">
+                <a:pos x="connsiteX41" y="connsiteY41"/>
+              </a:cxn>
+              <a:cxn ang="0">
+                <a:pos x="connsiteX42" y="connsiteY42"/>
+              </a:cxn>
+              <a:cxn ang="0">
+                <a:pos x="connsiteX43" y="connsiteY43"/>
+              </a:cxn>
+              <a:cxn ang="0">
+                <a:pos x="connsiteX44" y="connsiteY44"/>
+              </a:cxn>
+              <a:cxn ang="0">
+                <a:pos x="connsiteX45" y="connsiteY45"/>
+              </a:cxn>
+              <a:cxn ang="0">
+                <a:pos x="connsiteX46" y="connsiteY46"/>
+              </a:cxn>
             </a:cxnLst>
             <a:rect l="l" t="t" r="r" b="b"/>
             <a:pathLst>
-              <a:path w="4403709" h="6858001">
+              <a:path w="4381009" h="5892104">
                 <a:moveTo>
-                  <a:pt x="3223890" y="6858001"/>
+                  <a:pt x="0" y="0"/>
                 </a:moveTo>
                 <a:lnTo>
-                  <a:pt x="4101908" y="6858001"/>
+                  <a:pt x="4157628" y="0"/>
                 </a:lnTo>
                 <a:lnTo>
-                  <a:pt x="3254950" y="1599356"/>
+                  <a:pt x="4169302" y="68659"/>
                 </a:lnTo>
                 <a:lnTo>
-                  <a:pt x="3254950" y="1594062"/>
+                  <a:pt x="4191571" y="205472"/>
                 </a:lnTo>
                 <a:lnTo>
-                  <a:pt x="4403709" y="0"/>
+                  <a:pt x="4213368" y="342890"/>
                 </a:lnTo>
                 <a:lnTo>
-                  <a:pt x="3254950" y="0"/>
+                  <a:pt x="4232030" y="480913"/>
                 </a:lnTo>
                 <a:lnTo>
-                  <a:pt x="2903520" y="0"/>
+                  <a:pt x="4250848" y="618332"/>
                 </a:lnTo>
                 <a:lnTo>
-                  <a:pt x="0" y="0"/>
+                  <a:pt x="4268412" y="756355"/>
                 </a:lnTo>
                 <a:lnTo>
-                  <a:pt x="0" y="6858000"/>
+                  <a:pt x="4283467" y="892563"/>
                 </a:lnTo>
                 <a:lnTo>
-                  <a:pt x="3223890" y="6858000"/>
+                  <a:pt x="4297737" y="1030587"/>
+                </a:lnTo>
+                <a:lnTo>
+                  <a:pt x="4310754" y="1168005"/>
+                </a:lnTo>
+                <a:lnTo>
+                  <a:pt x="4322045" y="1303002"/>
+                </a:lnTo>
+                <a:lnTo>
+                  <a:pt x="4333336" y="1439815"/>
+                </a:lnTo>
+                <a:lnTo>
+                  <a:pt x="4342745" y="1574812"/>
+                </a:lnTo>
+                <a:lnTo>
+                  <a:pt x="4350115" y="1709808"/>
+                </a:lnTo>
+                <a:lnTo>
+                  <a:pt x="4357799" y="1844200"/>
+                </a:lnTo>
+                <a:lnTo>
+                  <a:pt x="4364229" y="1977381"/>
+                </a:lnTo>
+                <a:lnTo>
+                  <a:pt x="4368777" y="2109351"/>
+                </a:lnTo>
+                <a:lnTo>
+                  <a:pt x="4372697" y="2241321"/>
+                </a:lnTo>
+                <a:lnTo>
+                  <a:pt x="4376461" y="2372080"/>
+                </a:lnTo>
+                <a:lnTo>
+                  <a:pt x="4378186" y="2501023"/>
+                </a:lnTo>
+                <a:lnTo>
+                  <a:pt x="4380068" y="2629966"/>
+                </a:lnTo>
+                <a:lnTo>
+                  <a:pt x="4381009" y="2757093"/>
+                </a:lnTo>
+                <a:lnTo>
+                  <a:pt x="4380068" y="2883010"/>
+                </a:lnTo>
+                <a:lnTo>
+                  <a:pt x="4380068" y="3007715"/>
+                </a:lnTo>
+                <a:lnTo>
+                  <a:pt x="4378186" y="3131210"/>
+                </a:lnTo>
+                <a:lnTo>
+                  <a:pt x="4375363" y="3252283"/>
+                </a:lnTo>
+                <a:lnTo>
+                  <a:pt x="4372697" y="3372146"/>
+                </a:lnTo>
+                <a:lnTo>
+                  <a:pt x="4369718" y="3489587"/>
+                </a:lnTo>
+                <a:lnTo>
+                  <a:pt x="4365170" y="3606423"/>
+                </a:lnTo>
+                <a:lnTo>
+                  <a:pt x="4360309" y="3721443"/>
+                </a:lnTo>
+                <a:lnTo>
+                  <a:pt x="4355918" y="3834041"/>
+                </a:lnTo>
+                <a:lnTo>
+                  <a:pt x="4343529" y="4053789"/>
+                </a:lnTo>
+                <a:lnTo>
+                  <a:pt x="4330356" y="4264457"/>
+                </a:lnTo>
+                <a:lnTo>
+                  <a:pt x="4316556" y="4466650"/>
+                </a:lnTo>
+                <a:lnTo>
+                  <a:pt x="4301344" y="4657946"/>
+                </a:lnTo>
+                <a:lnTo>
+                  <a:pt x="4285506" y="4840767"/>
+                </a:lnTo>
+                <a:lnTo>
+                  <a:pt x="4268412" y="5010269"/>
+                </a:lnTo>
+                <a:lnTo>
+                  <a:pt x="4251633" y="5169481"/>
+                </a:lnTo>
+                <a:lnTo>
+                  <a:pt x="4234853" y="5315980"/>
+                </a:lnTo>
+                <a:lnTo>
+                  <a:pt x="4219014" y="5450371"/>
+                </a:lnTo>
+                <a:lnTo>
+                  <a:pt x="4203959" y="5569628"/>
+                </a:lnTo>
+                <a:lnTo>
+                  <a:pt x="4189689" y="5677384"/>
+                </a:lnTo>
+                <a:lnTo>
+                  <a:pt x="4177770" y="5768189"/>
+                </a:lnTo>
+                <a:lnTo>
+                  <a:pt x="4166479" y="5844465"/>
+                </a:lnTo>
+                <a:lnTo>
+                  <a:pt x="4159132" y="5892104"/>
+                </a:lnTo>
+                <a:lnTo>
+                  <a:pt x="0" y="5892104"/>
                 </a:lnTo>
                 <a:close/>
               </a:path>
             </a:pathLst>
           </a:custGeom>
+          <a:solidFill>
+            <a:srgbClr val="404040"/>
+          </a:solidFill>
           <a:ln>
             <a:noFill/>
           </a:ln>
@@ -8915,8 +10087,8 @@
               <a:shade val="50000"/>
             </a:schemeClr>
           </a:lnRef>
-          <a:fillRef idx="1002">
-            <a:schemeClr val="dk1"/>
+          <a:fillRef idx="1">
+            <a:schemeClr val="accent1"/>
           </a:fillRef>
           <a:effectRef idx="0">
             <a:schemeClr val="accent1"/>
@@ -8926,7 +10098,9 @@
           </a:fontRef>
         </p:style>
         <p:txBody>
-          <a:bodyPr rtlCol="0" anchor="ctr"/>
+          <a:bodyPr wrap="square" rtlCol="0" anchor="ctr">
+            <a:noAutofit/>
+          </a:bodyPr>
           <a:lstStyle/>
           <a:p>
             <a:pPr marL="0" marR="0" lvl="0" indent="0" algn="ctr" defTabSz="457200" rtl="0" eaLnBrk="1" fontAlgn="auto" latinLnBrk="0" hangingPunct="1">
@@ -8951,7 +10125,7 @@
                 <a:noFill/>
               </a:ln>
               <a:solidFill>
-                <a:prstClr val="black"/>
+                <a:prstClr val="white"/>
               </a:solidFill>
               <a:effectLst/>
               <a:uLnTx/>
@@ -8963,420 +10137,6 @@
           </a:p>
         </p:txBody>
       </p:sp>
-      <p:grpSp>
-        <p:nvGrpSpPr>
-          <p:cNvPr id="27" name="Group 19">
-            <a:extLst>
-              <a:ext uri="{FF2B5EF4-FFF2-40B4-BE49-F238E27FC236}">
-                <a16:creationId xmlns:a16="http://schemas.microsoft.com/office/drawing/2014/main" id="{B57BDC17-F1B3-455F-BBF1-680AA1F25C06}"/>
-              </a:ext>
-              <a:ext uri="{C183D7F6-B498-43B3-948B-1728B52AA6E4}">
-                <adec:decorative xmlns:adec="http://schemas.microsoft.com/office/drawing/2017/decorative" val="1"/>
-              </a:ext>
-            </a:extLst>
-          </p:cNvPr>
-          <p:cNvGrpSpPr>
-            <a:grpSpLocks noGrp="1" noUngrp="1" noRot="1" noChangeAspect="1" noMove="1" noResize="1"/>
-          </p:cNvGrpSpPr>
-          <p:nvPr>
-            <p:extLst>
-              <p:ext uri="{386F3935-93C4-4BCD-93E2-E3B085C9AB24}">
-                <p16:designElem xmlns:p16="http://schemas.microsoft.com/office/powerpoint/2015/main" val="1"/>
-              </p:ext>
-            </p:extLst>
-          </p:nvPr>
-        </p:nvGrpSpPr>
-        <p:grpSpPr>
-          <a:xfrm>
-            <a:off x="3315292" y="0"/>
-            <a:ext cx="2436813" cy="6858001"/>
-            <a:chOff x="1320800" y="0"/>
-            <a:chExt cx="2436813" cy="6858001"/>
-          </a:xfrm>
-        </p:grpSpPr>
-        <p:sp>
-          <p:nvSpPr>
-            <p:cNvPr id="28" name="Freeform 6">
-              <a:extLst>
-                <a:ext uri="{FF2B5EF4-FFF2-40B4-BE49-F238E27FC236}">
-                  <a16:creationId xmlns:a16="http://schemas.microsoft.com/office/drawing/2014/main" id="{64E2FA9A-FEF7-4501-B0EB-5E45EDD2177A}"/>
-                </a:ext>
-                <a:ext uri="{C183D7F6-B498-43B3-948B-1728B52AA6E4}">
-                  <adec:decorative xmlns:adec="http://schemas.microsoft.com/office/drawing/2017/decorative" val="1"/>
-                </a:ext>
-              </a:extLst>
-            </p:cNvPr>
-            <p:cNvSpPr/>
-            <p:nvPr>
-              <p:extLst>
-                <p:ext uri="{386F3935-93C4-4BCD-93E2-E3B085C9AB24}">
-                  <p16:designElem xmlns:p16="http://schemas.microsoft.com/office/powerpoint/2015/main" val="1"/>
-                </p:ext>
-              </p:extLst>
-            </p:nvPr>
-          </p:nvSpPr>
-          <p:spPr bwMode="auto">
-            <a:xfrm>
-              <a:off x="1627188" y="0"/>
-              <a:ext cx="1122363" cy="5329238"/>
-            </a:xfrm>
-            <a:custGeom>
-              <a:avLst/>
-              <a:gdLst/>
-              <a:ahLst/>
-              <a:cxnLst/>
-              <a:rect l="0" t="0" r="r" b="b"/>
-              <a:pathLst>
-                <a:path w="707" h="3357">
-                  <a:moveTo>
-                    <a:pt x="0" y="3330"/>
-                  </a:moveTo>
-                  <a:lnTo>
-                    <a:pt x="156" y="3357"/>
-                  </a:lnTo>
-                  <a:lnTo>
-                    <a:pt x="707" y="0"/>
-                  </a:lnTo>
-                  <a:lnTo>
-                    <a:pt x="547" y="0"/>
-                  </a:lnTo>
-                  <a:lnTo>
-                    <a:pt x="0" y="3330"/>
-                  </a:lnTo>
-                  <a:close/>
-                </a:path>
-              </a:pathLst>
-            </a:custGeom>
-            <a:solidFill>
-              <a:schemeClr val="accent1"/>
-            </a:solidFill>
-            <a:ln>
-              <a:noFill/>
-            </a:ln>
-          </p:spPr>
-        </p:sp>
-        <p:sp>
-          <p:nvSpPr>
-            <p:cNvPr id="22" name="Freeform 7">
-              <a:extLst>
-                <a:ext uri="{FF2B5EF4-FFF2-40B4-BE49-F238E27FC236}">
-                  <a16:creationId xmlns:a16="http://schemas.microsoft.com/office/drawing/2014/main" id="{BC38192B-B4CB-47D4-A3B1-10010247F158}"/>
-                </a:ext>
-                <a:ext uri="{C183D7F6-B498-43B3-948B-1728B52AA6E4}">
-                  <adec:decorative xmlns:adec="http://schemas.microsoft.com/office/drawing/2017/decorative" val="1"/>
-                </a:ext>
-              </a:extLst>
-            </p:cNvPr>
-            <p:cNvSpPr/>
-            <p:nvPr>
-              <p:extLst>
-                <p:ext uri="{386F3935-93C4-4BCD-93E2-E3B085C9AB24}">
-                  <p16:designElem xmlns:p16="http://schemas.microsoft.com/office/powerpoint/2015/main" val="1"/>
-                </p:ext>
-              </p:extLst>
-            </p:nvPr>
-          </p:nvSpPr>
-          <p:spPr bwMode="auto">
-            <a:xfrm>
-              <a:off x="1320800" y="0"/>
-              <a:ext cx="1117600" cy="5276850"/>
-            </a:xfrm>
-            <a:custGeom>
-              <a:avLst/>
-              <a:gdLst/>
-              <a:ahLst/>
-              <a:cxnLst/>
-              <a:rect l="0" t="0" r="r" b="b"/>
-              <a:pathLst>
-                <a:path w="704" h="3324">
-                  <a:moveTo>
-                    <a:pt x="704" y="0"/>
-                  </a:moveTo>
-                  <a:lnTo>
-                    <a:pt x="545" y="0"/>
-                  </a:lnTo>
-                  <a:lnTo>
-                    <a:pt x="0" y="3300"/>
-                  </a:lnTo>
-                  <a:lnTo>
-                    <a:pt x="157" y="3324"/>
-                  </a:lnTo>
-                  <a:lnTo>
-                    <a:pt x="704" y="0"/>
-                  </a:lnTo>
-                  <a:close/>
-                </a:path>
-              </a:pathLst>
-            </a:custGeom>
-            <a:solidFill>
-              <a:srgbClr val="595959"/>
-            </a:solidFill>
-            <a:ln>
-              <a:noFill/>
-            </a:ln>
-          </p:spPr>
-        </p:sp>
-        <p:sp>
-          <p:nvSpPr>
-            <p:cNvPr id="23" name="Freeform 8">
-              <a:extLst>
-                <a:ext uri="{FF2B5EF4-FFF2-40B4-BE49-F238E27FC236}">
-                  <a16:creationId xmlns:a16="http://schemas.microsoft.com/office/drawing/2014/main" id="{96330E33-E171-4B0F-82B5-AF7230399B5C}"/>
-                </a:ext>
-                <a:ext uri="{C183D7F6-B498-43B3-948B-1728B52AA6E4}">
-                  <adec:decorative xmlns:adec="http://schemas.microsoft.com/office/drawing/2017/decorative" val="1"/>
-                </a:ext>
-              </a:extLst>
-            </p:cNvPr>
-            <p:cNvSpPr/>
-            <p:nvPr>
-              <p:extLst>
-                <p:ext uri="{386F3935-93C4-4BCD-93E2-E3B085C9AB24}">
-                  <p16:designElem xmlns:p16="http://schemas.microsoft.com/office/powerpoint/2015/main" val="1"/>
-                </p:ext>
-              </p:extLst>
-            </p:nvPr>
-          </p:nvSpPr>
-          <p:spPr bwMode="auto">
-            <a:xfrm>
-              <a:off x="1320800" y="5238750"/>
-              <a:ext cx="1228725" cy="1619250"/>
-            </a:xfrm>
-            <a:custGeom>
-              <a:avLst/>
-              <a:gdLst/>
-              <a:ahLst/>
-              <a:cxnLst/>
-              <a:rect l="0" t="0" r="r" b="b"/>
-              <a:pathLst>
-                <a:path w="774" h="1020">
-                  <a:moveTo>
-                    <a:pt x="0" y="0"/>
-                  </a:moveTo>
-                  <a:lnTo>
-                    <a:pt x="740" y="1020"/>
-                  </a:lnTo>
-                  <a:lnTo>
-                    <a:pt x="774" y="1020"/>
-                  </a:lnTo>
-                  <a:lnTo>
-                    <a:pt x="0" y="0"/>
-                  </a:lnTo>
-                  <a:close/>
-                </a:path>
-              </a:pathLst>
-            </a:custGeom>
-            <a:solidFill>
-              <a:srgbClr val="262626"/>
-            </a:solidFill>
-            <a:ln>
-              <a:noFill/>
-            </a:ln>
-          </p:spPr>
-        </p:sp>
-        <p:sp>
-          <p:nvSpPr>
-            <p:cNvPr id="24" name="Freeform 9">
-              <a:extLst>
-                <a:ext uri="{FF2B5EF4-FFF2-40B4-BE49-F238E27FC236}">
-                  <a16:creationId xmlns:a16="http://schemas.microsoft.com/office/drawing/2014/main" id="{332B1723-69BF-42D7-B757-0FA059E15256}"/>
-                </a:ext>
-                <a:ext uri="{C183D7F6-B498-43B3-948B-1728B52AA6E4}">
-                  <adec:decorative xmlns:adec="http://schemas.microsoft.com/office/drawing/2017/decorative" val="1"/>
-                </a:ext>
-              </a:extLst>
-            </p:cNvPr>
-            <p:cNvSpPr/>
-            <p:nvPr>
-              <p:extLst>
-                <p:ext uri="{386F3935-93C4-4BCD-93E2-E3B085C9AB24}">
-                  <p16:designElem xmlns:p16="http://schemas.microsoft.com/office/powerpoint/2015/main" val="1"/>
-                </p:ext>
-              </p:extLst>
-            </p:nvPr>
-          </p:nvSpPr>
-          <p:spPr bwMode="auto">
-            <a:xfrm>
-              <a:off x="1627188" y="5291138"/>
-              <a:ext cx="1495425" cy="1566863"/>
-            </a:xfrm>
-            <a:custGeom>
-              <a:avLst/>
-              <a:gdLst/>
-              <a:ahLst/>
-              <a:cxnLst/>
-              <a:rect l="0" t="0" r="r" b="b"/>
-              <a:pathLst>
-                <a:path w="942" h="987">
-                  <a:moveTo>
-                    <a:pt x="0" y="0"/>
-                  </a:moveTo>
-                  <a:lnTo>
-                    <a:pt x="909" y="987"/>
-                  </a:lnTo>
-                  <a:lnTo>
-                    <a:pt x="942" y="987"/>
-                  </a:lnTo>
-                  <a:lnTo>
-                    <a:pt x="0" y="0"/>
-                  </a:lnTo>
-                  <a:close/>
-                </a:path>
-              </a:pathLst>
-            </a:custGeom>
-            <a:solidFill>
-              <a:schemeClr val="accent1">
-                <a:lumMod val="50000"/>
-              </a:schemeClr>
-            </a:solidFill>
-            <a:ln>
-              <a:noFill/>
-            </a:ln>
-          </p:spPr>
-        </p:sp>
-        <p:sp>
-          <p:nvSpPr>
-            <p:cNvPr id="25" name="Freeform 10">
-              <a:extLst>
-                <a:ext uri="{FF2B5EF4-FFF2-40B4-BE49-F238E27FC236}">
-                  <a16:creationId xmlns:a16="http://schemas.microsoft.com/office/drawing/2014/main" id="{F115D62D-1E96-48D1-A78D-D370A0BFB9B5}"/>
-                </a:ext>
-                <a:ext uri="{C183D7F6-B498-43B3-948B-1728B52AA6E4}">
-                  <adec:decorative xmlns:adec="http://schemas.microsoft.com/office/drawing/2017/decorative" val="1"/>
-                </a:ext>
-              </a:extLst>
-            </p:cNvPr>
-            <p:cNvSpPr/>
-            <p:nvPr>
-              <p:extLst>
-                <p:ext uri="{386F3935-93C4-4BCD-93E2-E3B085C9AB24}">
-                  <p16:designElem xmlns:p16="http://schemas.microsoft.com/office/powerpoint/2015/main" val="1"/>
-                </p:ext>
-              </p:extLst>
-            </p:nvPr>
-          </p:nvSpPr>
-          <p:spPr bwMode="auto">
-            <a:xfrm>
-              <a:off x="1627188" y="5286375"/>
-              <a:ext cx="2130425" cy="1571625"/>
-            </a:xfrm>
-            <a:custGeom>
-              <a:avLst/>
-              <a:gdLst/>
-              <a:ahLst/>
-              <a:cxnLst/>
-              <a:rect l="0" t="0" r="r" b="b"/>
-              <a:pathLst>
-                <a:path w="1342" h="990">
-                  <a:moveTo>
-                    <a:pt x="0" y="3"/>
-                  </a:moveTo>
-                  <a:lnTo>
-                    <a:pt x="942" y="990"/>
-                  </a:lnTo>
-                  <a:lnTo>
-                    <a:pt x="1342" y="990"/>
-                  </a:lnTo>
-                  <a:lnTo>
-                    <a:pt x="156" y="27"/>
-                  </a:lnTo>
-                  <a:lnTo>
-                    <a:pt x="0" y="0"/>
-                  </a:lnTo>
-                  <a:lnTo>
-                    <a:pt x="0" y="3"/>
-                  </a:lnTo>
-                  <a:close/>
-                </a:path>
-              </a:pathLst>
-            </a:custGeom>
-            <a:solidFill>
-              <a:schemeClr val="accent1">
-                <a:lumMod val="75000"/>
-              </a:schemeClr>
-            </a:solidFill>
-            <a:ln>
-              <a:noFill/>
-            </a:ln>
-          </p:spPr>
-        </p:sp>
-        <p:sp>
-          <p:nvSpPr>
-            <p:cNvPr id="26" name="Freeform 11">
-              <a:extLst>
-                <a:ext uri="{FF2B5EF4-FFF2-40B4-BE49-F238E27FC236}">
-                  <a16:creationId xmlns:a16="http://schemas.microsoft.com/office/drawing/2014/main" id="{91C2876A-169D-4822-A766-C00578C88B4B}"/>
-                </a:ext>
-                <a:ext uri="{C183D7F6-B498-43B3-948B-1728B52AA6E4}">
-                  <adec:decorative xmlns:adec="http://schemas.microsoft.com/office/drawing/2017/decorative" val="1"/>
-                </a:ext>
-              </a:extLst>
-            </p:cNvPr>
-            <p:cNvSpPr/>
-            <p:nvPr>
-              <p:extLst>
-                <p:ext uri="{386F3935-93C4-4BCD-93E2-E3B085C9AB24}">
-                  <p16:designElem xmlns:p16="http://schemas.microsoft.com/office/powerpoint/2015/main" val="1"/>
-                </p:ext>
-              </p:extLst>
-            </p:nvPr>
-          </p:nvSpPr>
-          <p:spPr bwMode="auto">
-            <a:xfrm>
-              <a:off x="1320800" y="5238750"/>
-              <a:ext cx="1695450" cy="1619250"/>
-            </a:xfrm>
-            <a:custGeom>
-              <a:avLst/>
-              <a:gdLst/>
-              <a:ahLst/>
-              <a:cxnLst/>
-              <a:rect l="0" t="0" r="r" b="b"/>
-              <a:pathLst>
-                <a:path w="1068" h="1020">
-                  <a:moveTo>
-                    <a:pt x="1068" y="1020"/>
-                  </a:moveTo>
-                  <a:lnTo>
-                    <a:pt x="184" y="60"/>
-                  </a:lnTo>
-                  <a:lnTo>
-                    <a:pt x="154" y="27"/>
-                  </a:lnTo>
-                  <a:lnTo>
-                    <a:pt x="157" y="27"/>
-                  </a:lnTo>
-                  <a:lnTo>
-                    <a:pt x="157" y="24"/>
-                  </a:lnTo>
-                  <a:lnTo>
-                    <a:pt x="154" y="24"/>
-                  </a:lnTo>
-                  <a:lnTo>
-                    <a:pt x="0" y="0"/>
-                  </a:lnTo>
-                  <a:lnTo>
-                    <a:pt x="0" y="0"/>
-                  </a:lnTo>
-                  <a:lnTo>
-                    <a:pt x="774" y="1020"/>
-                  </a:lnTo>
-                  <a:lnTo>
-                    <a:pt x="1068" y="1020"/>
-                  </a:lnTo>
-                  <a:close/>
-                </a:path>
-              </a:pathLst>
-            </a:custGeom>
-            <a:solidFill>
-              <a:srgbClr val="404040"/>
-            </a:solidFill>
-            <a:ln>
-              <a:noFill/>
-            </a:ln>
-          </p:spPr>
-        </p:sp>
-      </p:grpSp>
       <p:sp>
         <p:nvSpPr>
           <p:cNvPr id="5" name="Title 4">
@@ -9395,8 +10155,8 @@
         </p:nvSpPr>
         <p:spPr>
           <a:xfrm>
-            <a:off x="535020" y="685800"/>
-            <a:ext cx="2780271" cy="5105400"/>
+            <a:off x="863029" y="1012004"/>
+            <a:ext cx="3416158" cy="4795408"/>
           </a:xfrm>
         </p:spPr>
         <p:txBody>
@@ -9406,7 +10166,7 @@
           <a:lstStyle/>
           <a:p>
             <a:r>
-              <a:rPr lang="en-US" sz="4000">
+              <a:rPr lang="en-US">
                 <a:solidFill>
                   <a:srgbClr val="FFFFFF"/>
                 </a:solidFill>
@@ -9432,14 +10192,14 @@
             <p:ph idx="1"/>
             <p:extLst>
               <p:ext uri="{D42A27DB-BD31-4B8C-83A1-F6EECF244321}">
-                <p14:modId xmlns:p14="http://schemas.microsoft.com/office/powerpoint/2010/main" val="3902413501"/>
+                <p14:modId xmlns:p14="http://schemas.microsoft.com/office/powerpoint/2010/main" val="3440240540"/>
               </p:ext>
             </p:extLst>
           </p:nvPr>
         </p:nvGraphicFramePr>
         <p:xfrm>
-          <a:off x="5010150" y="685800"/>
-          <a:ext cx="6492875" cy="5105400"/>
+          <a:off x="5194300" y="470924"/>
+          <a:ext cx="6513604" cy="5885426"/>
         </p:xfrm>
         <a:graphic>
           <a:graphicData uri="http://schemas.openxmlformats.org/drawingml/2006/diagram">
@@ -11168,8 +11928,8 @@
           </a:graphicData>
         </a:graphic>
       </p:graphicFrame>
-      <mc:AlternateContent xmlns:mc="http://schemas.openxmlformats.org/markup-compatibility/2006" xmlns:a14="http://schemas.microsoft.com/office/drawing/2010/main">
-        <mc:Choice Requires="a14">
+      <mc:AlternateContent xmlns:mc="http://schemas.openxmlformats.org/markup-compatibility/2006">
+        <mc:Choice xmlns:a14="http://schemas.microsoft.com/office/drawing/2010/main" Requires="a14">
           <p:sp>
             <p:nvSpPr>
               <p:cNvPr id="5" name="Content Placeholder 4">
@@ -11239,19 +11999,22 @@
                     <m:nary>
                       <m:naryPr>
                         <m:chr m:val="∑"/>
+                        <m:supHide m:val="on"/>
                         <m:ctrlPr>
                           <a:rPr lang="en-US" b="0" i="1" smtClean="0">
                             <a:latin typeface="Cambria Math" panose="02040503050406030204" pitchFamily="18" charset="0"/>
+                            <a:ea typeface="Cambria Math" panose="02040503050406030204" pitchFamily="18" charset="0"/>
                           </a:rPr>
                         </m:ctrlPr>
                       </m:naryPr>
                       <m:sub>
                         <m:r>
                           <m:rPr>
-                            <m:brk m:alnAt="23"/>
+                            <m:brk m:alnAt="7"/>
                           </m:rPr>
                           <a:rPr lang="en-US" b="0" i="1" smtClean="0">
                             <a:latin typeface="Cambria Math" panose="02040503050406030204" pitchFamily="18" charset="0"/>
+                            <a:ea typeface="Cambria Math" panose="02040503050406030204" pitchFamily="18" charset="0"/>
                           </a:rPr>
                           <m:t>𝑎</m:t>
                         </m:r>
@@ -11259,25 +12022,25 @@
                       <m:sup/>
                       <m:e>
                         <m:r>
-                          <m:rPr>
-                            <m:sty m:val="p"/>
-                          </m:rPr>
-                          <a:rPr lang="en-US" b="0" i="0" smtClean="0">
+                          <a:rPr lang="en-US" b="0" i="1" smtClean="0">
                             <a:latin typeface="Cambria Math" panose="02040503050406030204" pitchFamily="18" charset="0"/>
+                            <a:ea typeface="Cambria Math" panose="02040503050406030204" pitchFamily="18" charset="0"/>
                           </a:rPr>
-                          <m:t>Pr</m:t>
+                          <m:t>𝑃</m:t>
                         </m:r>
                         <m:r>
                           <a:rPr lang="en-US" b="0" i="1" smtClean="0">
                             <a:latin typeface="Cambria Math" panose="02040503050406030204" pitchFamily="18" charset="0"/>
+                            <a:ea typeface="Cambria Math" panose="02040503050406030204" pitchFamily="18" charset="0"/>
                           </a:rPr>
-                          <m:t>⁡(</m:t>
+                          <m:t>.(</m:t>
                         </m:r>
                         <m:sSub>
                           <m:sSubPr>
                             <m:ctrlPr>
                               <a:rPr lang="en-US" b="0" i="1" smtClean="0">
                                 <a:latin typeface="Cambria Math" panose="02040503050406030204" pitchFamily="18" charset="0"/>
+                                <a:ea typeface="Cambria Math" panose="02040503050406030204" pitchFamily="18" charset="0"/>
                               </a:rPr>
                             </m:ctrlPr>
                           </m:sSubPr>
@@ -11285,58 +12048,40 @@
                             <m:r>
                               <a:rPr lang="en-US" b="0" i="1" smtClean="0">
                                 <a:latin typeface="Cambria Math" panose="02040503050406030204" pitchFamily="18" charset="0"/>
+                                <a:ea typeface="Cambria Math" panose="02040503050406030204" pitchFamily="18" charset="0"/>
                               </a:rPr>
                               <m:t>𝑣</m:t>
                             </m:r>
                           </m:e>
                           <m:sub>
-                            <m:sSup>
-                              <m:sSupPr>
-                                <m:ctrlPr>
-                                  <a:rPr lang="en-US" b="0" i="1" smtClean="0">
-                                    <a:latin typeface="Cambria Math" panose="02040503050406030204" pitchFamily="18" charset="0"/>
-                                  </a:rPr>
-                                </m:ctrlPr>
-                              </m:sSupPr>
-                              <m:e>
-                                <m:r>
-                                  <a:rPr lang="en-US" b="0" i="1" smtClean="0">
-                                    <a:latin typeface="Cambria Math" panose="02040503050406030204" pitchFamily="18" charset="0"/>
-                                  </a:rPr>
-                                  <m:t>𝑠</m:t>
-                                </m:r>
-                              </m:e>
-                              <m:sup>
-                                <m:r>
-                                  <a:rPr lang="en-US" b="0" i="1" smtClean="0">
-                                    <a:latin typeface="Cambria Math" panose="02040503050406030204" pitchFamily="18" charset="0"/>
-                                  </a:rPr>
-                                  <m:t>′</m:t>
-                                </m:r>
-                              </m:sup>
-                            </m:sSup>
+                            <m:r>
+                              <a:rPr lang="en-US" b="0" i="1" smtClean="0">
+                                <a:latin typeface="Cambria Math" panose="02040503050406030204" pitchFamily="18" charset="0"/>
+                                <a:ea typeface="Cambria Math" panose="02040503050406030204" pitchFamily="18" charset="0"/>
+                              </a:rPr>
+                              <m:t>𝑠</m:t>
+                            </m:r>
+                            <m:r>
+                              <a:rPr lang="en-US" b="0" i="1" smtClean="0">
+                                <a:latin typeface="Cambria Math" panose="02040503050406030204" pitchFamily="18" charset="0"/>
+                                <a:ea typeface="Cambria Math" panose="02040503050406030204" pitchFamily="18" charset="0"/>
+                              </a:rPr>
+                              <m:t>′</m:t>
+                            </m:r>
                           </m:sub>
                         </m:sSub>
                         <m:r>
                           <a:rPr lang="en-US" b="0" i="1" smtClean="0">
                             <a:latin typeface="Cambria Math" panose="02040503050406030204" pitchFamily="18" charset="0"/>
+                            <a:ea typeface="Cambria Math" panose="02040503050406030204" pitchFamily="18" charset="0"/>
                           </a:rPr>
                           <m:t>)</m:t>
                         </m:r>
                       </m:e>
                     </m:nary>
-                    <m:r>
-                      <a:rPr lang="en-US" b="0" i="1" smtClean="0">
-                        <a:latin typeface="Cambria Math" panose="02040503050406030204" pitchFamily="18" charset="0"/>
-                      </a:rPr>
-                      <m:t> </m:t>
-                    </m:r>
                   </m:oMath>
                 </a14:m>
-                <a:r>
-                  <a:rPr lang="en-US" dirty="0"/>
-                  <a:t> </a:t>
-                </a:r>
+                <a:endParaRPr lang="en-US" dirty="0"/>
               </a:p>
               <a:p>
                 <a14:m>
@@ -11679,7 +12424,7 @@
             </p:txBody>
           </p:sp>
         </mc:Choice>
-        <mc:Fallback xmlns="">
+        <mc:Fallback>
           <p:sp>
             <p:nvSpPr>
               <p:cNvPr id="5" name="Content Placeholder 4">
